--- a/ToegepasteAnalogeElektronica/PowerPoint/Filters.pptx
+++ b/ToegepasteAnalogeElektronica/PowerPoint/Filters.pptx
@@ -715,7 +715,7 @@
           <a:p>
             <a:fld id="{8F591CCF-F6FD-734B-854A-5BC033593B1E}" type="datetimeFigureOut">
               <a:rPr lang="nl-NL" smtClean="0"/>
-              <a:t>20-9-2025</a:t>
+              <a:t>21-9-2025</a:t>
             </a:fld>
             <a:endParaRPr lang="nl-NL"/>
           </a:p>
@@ -880,7 +880,7 @@
           <a:p>
             <a:fld id="{23C66214-DB21-4647-B5DA-0D17CA592867}" type="datetimeFigureOut">
               <a:rPr lang="nl-NL" smtClean="0"/>
-              <a:t>20-9-2025</a:t>
+              <a:t>21-9-2025</a:t>
             </a:fld>
             <a:endParaRPr lang="nl-NL"/>
           </a:p>
@@ -1631,7 +1631,7 @@
           <a:p>
             <a:fld id="{D15822B7-9EF6-9542-AF10-CD505E021A84}" type="datetime1">
               <a:rPr lang="nl-BE" smtClean="0"/>
-              <a:t>20/09/2025</a:t>
+              <a:t>21/09/2025</a:t>
             </a:fld>
             <a:endParaRPr lang="nl-NL"/>
           </a:p>
@@ -1881,7 +1881,7 @@
           <a:p>
             <a:fld id="{D15822B7-9EF6-9542-AF10-CD505E021A84}" type="datetime1">
               <a:rPr lang="nl-BE" smtClean="0"/>
-              <a:t>20/09/2025</a:t>
+              <a:t>21/09/2025</a:t>
             </a:fld>
             <a:endParaRPr lang="nl-NL"/>
           </a:p>
@@ -2164,7 +2164,7 @@
           <a:p>
             <a:fld id="{F52CA13D-CC20-034F-8D4D-5C3038626ED9}" type="datetime1">
               <a:rPr lang="nl-BE" smtClean="0"/>
-              <a:t>20/09/2025</a:t>
+              <a:t>21/09/2025</a:t>
             </a:fld>
             <a:endParaRPr lang="nl-NL"/>
           </a:p>
@@ -2444,8 +2444,8 @@
         </p:nvSpPr>
         <p:spPr>
           <a:xfrm>
-            <a:off x="576000" y="2232000"/>
-            <a:ext cx="11006400" cy="3820646"/>
+            <a:off x="576000" y="800401"/>
+            <a:ext cx="11006400" cy="5252245"/>
           </a:xfrm>
         </p:spPr>
         <p:txBody>
@@ -2516,7 +2516,7 @@
           <a:p>
             <a:fld id="{F52CA13D-CC20-034F-8D4D-5C3038626ED9}" type="datetime1">
               <a:rPr lang="nl-BE" smtClean="0"/>
-              <a:t>20/09/2025</a:t>
+              <a:t>21/09/2025</a:t>
             </a:fld>
             <a:endParaRPr lang="nl-NL"/>
           </a:p>
@@ -2634,7 +2634,7 @@
         </p:nvSpPr>
         <p:spPr>
           <a:xfrm>
-            <a:off x="576000" y="576001"/>
+            <a:off x="576000" y="4501"/>
             <a:ext cx="11041200" cy="648000"/>
           </a:xfrm>
         </p:spPr>
@@ -2694,8 +2694,8 @@
         </p:nvGrpSpPr>
         <p:grpSpPr>
           <a:xfrm>
-            <a:off x="125506" y="1312858"/>
-            <a:ext cx="11821095" cy="4739788"/>
+            <a:off x="125506" y="731855"/>
+            <a:ext cx="11821095" cy="5320791"/>
             <a:chOff x="0" y="-241102"/>
             <a:chExt cx="23088432" cy="12605757"/>
           </a:xfrm>
@@ -3640,8 +3640,8 @@
         </p:nvSpPr>
         <p:spPr>
           <a:xfrm>
-            <a:off x="245399" y="1810310"/>
-            <a:ext cx="11605942" cy="4175637"/>
+            <a:off x="245399" y="1280788"/>
+            <a:ext cx="11605942" cy="4705159"/>
           </a:xfrm>
           <a:noFill/>
         </p:spPr>
@@ -3749,7 +3749,7 @@
           <a:p>
             <a:fld id="{F52CA13D-CC20-034F-8D4D-5C3038626ED9}" type="datetime1">
               <a:rPr lang="nl-BE" smtClean="0"/>
-              <a:t>20/09/2025</a:t>
+              <a:t>21/09/2025</a:t>
             </a:fld>
             <a:endParaRPr lang="nl-NL"/>
           </a:p>
@@ -3867,7 +3867,7 @@
         </p:nvSpPr>
         <p:spPr>
           <a:xfrm>
-            <a:off x="576000" y="576000"/>
+            <a:off x="576000" y="4500"/>
             <a:ext cx="11041200" cy="579455"/>
           </a:xfrm>
         </p:spPr>
@@ -3970,7 +3970,7 @@
           <a:p>
             <a:fld id="{F52CA13D-CC20-034F-8D4D-5C3038626ED9}" type="datetime1">
               <a:rPr lang="nl-BE" smtClean="0"/>
-              <a:t>20/09/2025</a:t>
+              <a:t>21/09/2025</a:t>
             </a:fld>
             <a:endParaRPr lang="nl-NL"/>
           </a:p>
@@ -4088,7 +4088,7 @@
         </p:nvSpPr>
         <p:spPr>
           <a:xfrm>
-            <a:off x="576000" y="576001"/>
+            <a:off x="576000" y="4501"/>
             <a:ext cx="11041200" cy="648000"/>
           </a:xfrm>
         </p:spPr>
@@ -4181,8 +4181,8 @@
         </p:nvSpPr>
         <p:spPr>
           <a:xfrm>
-            <a:off x="576000" y="1688400"/>
-            <a:ext cx="11006400" cy="4364246"/>
+            <a:off x="576000" y="811831"/>
+            <a:ext cx="11006400" cy="5240815"/>
           </a:xfrm>
         </p:spPr>
         <p:txBody>
@@ -4261,7 +4261,7 @@
           <a:p>
             <a:fld id="{F52CA13D-CC20-034F-8D4D-5C3038626ED9}" type="datetime1">
               <a:rPr lang="nl-BE" smtClean="0"/>
-              <a:t>20/09/2025</a:t>
+              <a:t>21/09/2025</a:t>
             </a:fld>
             <a:endParaRPr lang="nl-NL"/>
           </a:p>
@@ -4379,7 +4379,7 @@
         </p:nvSpPr>
         <p:spPr>
           <a:xfrm>
-            <a:off x="576000" y="576000"/>
+            <a:off x="576000" y="15930"/>
             <a:ext cx="11041200" cy="648001"/>
           </a:xfrm>
         </p:spPr>
@@ -4388,10 +4388,10 @@
           <a:lstStyle/>
           <a:p>
             <a:r>
-              <a:rPr lang="en-US"/>
+              <a:rPr lang="en-US" dirty="0"/>
               <a:t>Click to edit Master title style</a:t>
             </a:r>
-            <a:endParaRPr lang="en-GB"/>
+            <a:endParaRPr lang="en-GB" dirty="0"/>
           </a:p>
         </p:txBody>
       </p:sp>
@@ -4443,8 +4443,8 @@
         </p:nvSpPr>
         <p:spPr>
           <a:xfrm>
-            <a:off x="576000" y="1531620"/>
-            <a:ext cx="11006400" cy="4521026"/>
+            <a:off x="576000" y="868680"/>
+            <a:ext cx="11006400" cy="5183966"/>
           </a:xfrm>
         </p:spPr>
         <p:txBody>
@@ -4515,7 +4515,7 @@
           <a:p>
             <a:fld id="{F52CA13D-CC20-034F-8D4D-5C3038626ED9}" type="datetime1">
               <a:rPr lang="nl-BE" smtClean="0"/>
-              <a:t>20/09/2025</a:t>
+              <a:t>21/09/2025</a:t>
             </a:fld>
             <a:endParaRPr lang="nl-NL"/>
           </a:p>
@@ -4633,7 +4633,7 @@
         </p:nvSpPr>
         <p:spPr>
           <a:xfrm>
-            <a:off x="576000" y="576001"/>
+            <a:off x="576000" y="15931"/>
             <a:ext cx="11041200" cy="650366"/>
           </a:xfrm>
         </p:spPr>
@@ -4728,7 +4728,7 @@
           <a:p>
             <a:fld id="{D15822B7-9EF6-9542-AF10-CD505E021A84}" type="datetime1">
               <a:rPr lang="nl-BE" smtClean="0"/>
-              <a:t>20/09/2025</a:t>
+              <a:t>21/09/2025</a:t>
             </a:fld>
             <a:endParaRPr lang="nl-NL"/>
           </a:p>
@@ -4794,8 +4794,8 @@
         </p:nvSpPr>
         <p:spPr>
           <a:xfrm>
-            <a:off x="576000" y="2232000"/>
-            <a:ext cx="11006402" cy="3820646"/>
+            <a:off x="576000" y="708660"/>
+            <a:ext cx="11006402" cy="5343986"/>
           </a:xfrm>
         </p:spPr>
         <p:txBody>
@@ -4856,7 +4856,7 @@
         </p:nvSpPr>
         <p:spPr>
           <a:xfrm>
-            <a:off x="576000" y="576001"/>
+            <a:off x="576000" y="15931"/>
             <a:ext cx="11041200" cy="578430"/>
           </a:xfrm>
         </p:spPr>
@@ -4865,10 +4865,10 @@
           <a:lstStyle/>
           <a:p>
             <a:r>
-              <a:rPr lang="en-US"/>
+              <a:rPr lang="en-US" dirty="0"/>
               <a:t>Click to edit Master title style</a:t>
             </a:r>
-            <a:endParaRPr lang="en-GB"/>
+            <a:endParaRPr lang="en-GB" dirty="0"/>
           </a:p>
         </p:txBody>
       </p:sp>
@@ -4919,7 +4919,7 @@
           <a:p>
             <a:fld id="{D15822B7-9EF6-9542-AF10-CD505E021A84}" type="datetime1">
               <a:rPr lang="nl-BE" smtClean="0"/>
-              <a:t>20/09/2025</a:t>
+              <a:t>21/09/2025</a:t>
             </a:fld>
             <a:endParaRPr lang="nl-NL"/>
           </a:p>
@@ -4985,8 +4985,8 @@
         </p:nvSpPr>
         <p:spPr>
           <a:xfrm>
-            <a:off x="576000" y="2232000"/>
-            <a:ext cx="11006402" cy="3820646"/>
+            <a:off x="576000" y="765810"/>
+            <a:ext cx="11006402" cy="5286836"/>
           </a:xfrm>
         </p:spPr>
         <p:txBody>
@@ -5047,7 +5047,7 @@
         </p:nvSpPr>
         <p:spPr>
           <a:xfrm>
-            <a:off x="576000" y="576001"/>
+            <a:off x="576000" y="0"/>
             <a:ext cx="11041200" cy="647010"/>
           </a:xfrm>
         </p:spPr>
@@ -5277,7 +5277,7 @@
           <a:p>
             <a:fld id="{0C33DDE8-63FF-C642-9F3A-0B773DD34821}" type="datetime1">
               <a:rPr lang="nl-BE" smtClean="0"/>
-              <a:t>20/09/2025</a:t>
+              <a:t>21/09/2025</a:t>
             </a:fld>
             <a:endParaRPr lang="nl-NL"/>
           </a:p>
@@ -9498,6 +9498,26 @@
 </file>
 
 <file path=customXml/item1.xml><?xml version="1.0" encoding="utf-8"?>
+<p:properties xmlns:p="http://schemas.microsoft.com/office/2006/metadata/properties" xmlns:xsi="http://www.w3.org/2001/XMLSchema-instance" xmlns:pc="http://schemas.microsoft.com/office/infopath/2007/PartnerControls">
+  <documentManagement>
+    <lcf76f155ced4ddcb4097134ff3c332f xmlns="81d41a3b-f33d-4db6-b532-757106a7a2ae">
+      <Terms xmlns="http://schemas.microsoft.com/office/infopath/2007/PartnerControls"/>
+    </lcf76f155ced4ddcb4097134ff3c332f>
+    <TaxCatchAll xmlns="bf25a9bf-a811-4965-9d0a-b88059080fed" xsi:nil="true"/>
+  </documentManagement>
+</p:properties>
+</file>
+
+<file path=customXml/item2.xml><?xml version="1.0" encoding="utf-8"?>
+<?mso-contentType ?>
+<FormTemplates xmlns="http://schemas.microsoft.com/sharepoint/v3/contenttype/forms">
+  <Display>DocumentLibraryForm</Display>
+  <Edit>DocumentLibraryForm</Edit>
+  <New>DocumentLibraryForm</New>
+</FormTemplates>
+</file>
+
+<file path=customXml/item3.xml><?xml version="1.0" encoding="utf-8"?>
 <ct:contentTypeSchema xmlns:ct="http://schemas.microsoft.com/office/2006/metadata/contentType" xmlns:ma="http://schemas.microsoft.com/office/2006/metadata/properties/metaAttributes" ct:_="" ma:_="" ma:contentTypeName="Document" ma:contentTypeID="0x010100B8C495A181F81B4C9DE5AD85CD0F70D4" ma:contentTypeVersion="18" ma:contentTypeDescription="Een nieuw document maken." ma:contentTypeScope="" ma:versionID="6ba28a59cba4a02a693681f32745d77b">
   <xsd:schema xmlns:xsd="http://www.w3.org/2001/XMLSchema" xmlns:xs="http://www.w3.org/2001/XMLSchema" xmlns:p="http://schemas.microsoft.com/office/2006/metadata/properties" xmlns:ns2="81d41a3b-f33d-4db6-b532-757106a7a2ae" xmlns:ns3="bf25a9bf-a811-4965-9d0a-b88059080fed" targetNamespace="http://schemas.microsoft.com/office/2006/metadata/properties" ma:root="true" ma:fieldsID="b996b4a4c0d83f5cfec71b22aba921d2" ns2:_="" ns3:_="">
     <xsd:import namespace="81d41a3b-f33d-4db6-b532-757106a7a2ae"/>
@@ -9752,27 +9772,32 @@
 </ct:contentTypeSchema>
 </file>
 
-<file path=customXml/item2.xml><?xml version="1.0" encoding="utf-8"?>
-<?mso-contentType ?>
-<FormTemplates xmlns="http://schemas.microsoft.com/sharepoint/v3/contenttype/forms">
-  <Display>DocumentLibraryForm</Display>
-  <Edit>DocumentLibraryForm</Edit>
-  <New>DocumentLibraryForm</New>
-</FormTemplates>
+<file path=customXml/itemProps1.xml><?xml version="1.0" encoding="utf-8"?>
+<ds:datastoreItem xmlns:ds="http://schemas.openxmlformats.org/officeDocument/2006/customXml" ds:itemID="{5EE9034D-0B43-4AB0-9535-9A62DB37A999}">
+  <ds:schemaRefs>
+    <ds:schemaRef ds:uri="http://www.w3.org/XML/1998/namespace"/>
+    <ds:schemaRef ds:uri="81d41a3b-f33d-4db6-b532-757106a7a2ae"/>
+    <ds:schemaRef ds:uri="http://purl.org/dc/dcmitype/"/>
+    <ds:schemaRef ds:uri="http://purl.org/dc/elements/1.1/"/>
+    <ds:schemaRef ds:uri="http://schemas.microsoft.com/office/2006/documentManagement/types"/>
+    <ds:schemaRef ds:uri="bf25a9bf-a811-4965-9d0a-b88059080fed"/>
+    <ds:schemaRef ds:uri="http://purl.org/dc/terms/"/>
+    <ds:schemaRef ds:uri="http://schemas.microsoft.com/office/infopath/2007/PartnerControls"/>
+    <ds:schemaRef ds:uri="http://schemas.openxmlformats.org/package/2006/metadata/core-properties"/>
+    <ds:schemaRef ds:uri="http://schemas.microsoft.com/office/2006/metadata/properties"/>
+  </ds:schemaRefs>
+</ds:datastoreItem>
 </file>
 
-<file path=customXml/item3.xml><?xml version="1.0" encoding="utf-8"?>
-<p:properties xmlns:p="http://schemas.microsoft.com/office/2006/metadata/properties" xmlns:xsi="http://www.w3.org/2001/XMLSchema-instance" xmlns:pc="http://schemas.microsoft.com/office/infopath/2007/PartnerControls">
-  <documentManagement>
-    <lcf76f155ced4ddcb4097134ff3c332f xmlns="81d41a3b-f33d-4db6-b532-757106a7a2ae">
-      <Terms xmlns="http://schemas.microsoft.com/office/infopath/2007/PartnerControls"/>
-    </lcf76f155ced4ddcb4097134ff3c332f>
-    <TaxCatchAll xmlns="bf25a9bf-a811-4965-9d0a-b88059080fed" xsi:nil="true"/>
-  </documentManagement>
-</p:properties>
+<file path=customXml/itemProps2.xml><?xml version="1.0" encoding="utf-8"?>
+<ds:datastoreItem xmlns:ds="http://schemas.openxmlformats.org/officeDocument/2006/customXml" ds:itemID="{263A7949-1B93-457F-8888-53CC8A016F77}">
+  <ds:schemaRefs>
+    <ds:schemaRef ds:uri="http://schemas.microsoft.com/sharepoint/v3/contenttype/forms"/>
+  </ds:schemaRefs>
+</ds:datastoreItem>
 </file>
 
-<file path=customXml/itemProps1.xml><?xml version="1.0" encoding="utf-8"?>
+<file path=customXml/itemProps3.xml><?xml version="1.0" encoding="utf-8"?>
 <ds:datastoreItem xmlns:ds="http://schemas.openxmlformats.org/officeDocument/2006/customXml" ds:itemID="{2A270F01-48F1-4A41-8E26-ACAC66896963}">
   <ds:schemaRefs>
     <ds:schemaRef ds:uri="http://schemas.microsoft.com/office/2006/metadata/contentType"/>
@@ -9789,29 +9814,4 @@
     <ds:schemaRef ds:uri="http://schemas.microsoft.com/internal/obd"/>
   </ds:schemaRefs>
 </ds:datastoreItem>
-</file>
-
-<file path=customXml/itemProps2.xml><?xml version="1.0" encoding="utf-8"?>
-<ds:datastoreItem xmlns:ds="http://schemas.openxmlformats.org/officeDocument/2006/customXml" ds:itemID="{263A7949-1B93-457F-8888-53CC8A016F77}">
-  <ds:schemaRefs>
-    <ds:schemaRef ds:uri="http://schemas.microsoft.com/sharepoint/v3/contenttype/forms"/>
-  </ds:schemaRefs>
-</ds:datastoreItem>
-</file>
-
-<file path=customXml/itemProps3.xml><?xml version="1.0" encoding="utf-8"?>
-<ds:datastoreItem xmlns:ds="http://schemas.openxmlformats.org/officeDocument/2006/customXml" ds:itemID="{5EE9034D-0B43-4AB0-9535-9A62DB37A999}">
-  <ds:schemaRefs>
-    <ds:schemaRef ds:uri="http://www.w3.org/XML/1998/namespace"/>
-    <ds:schemaRef ds:uri="81d41a3b-f33d-4db6-b532-757106a7a2ae"/>
-    <ds:schemaRef ds:uri="http://purl.org/dc/dcmitype/"/>
-    <ds:schemaRef ds:uri="http://purl.org/dc/elements/1.1/"/>
-    <ds:schemaRef ds:uri="http://schemas.microsoft.com/office/2006/documentManagement/types"/>
-    <ds:schemaRef ds:uri="bf25a9bf-a811-4965-9d0a-b88059080fed"/>
-    <ds:schemaRef ds:uri="http://purl.org/dc/terms/"/>
-    <ds:schemaRef ds:uri="http://schemas.microsoft.com/office/infopath/2007/PartnerControls"/>
-    <ds:schemaRef ds:uri="http://schemas.openxmlformats.org/package/2006/metadata/core-properties"/>
-    <ds:schemaRef ds:uri="http://schemas.microsoft.com/office/2006/metadata/properties"/>
-  </ds:schemaRefs>
-</ds:datastoreItem>
 </file>
--- a/ToegepasteAnalogeElektronica/PowerPoint/Filters.pptx
+++ b/ToegepasteAnalogeElektronica/PowerPoint/Filters.pptx
@@ -5984,7 +5984,7 @@
         </p:blipFill>
         <p:spPr>
           <a:xfrm>
-            <a:off x="3148012" y="2084831"/>
+            <a:off x="3148012" y="868680"/>
             <a:ext cx="5895975" cy="1123950"/>
           </a:xfrm>
           <a:prstGeom prst="rect">
@@ -6143,7 +6143,7 @@
         </p:blipFill>
         <p:spPr>
           <a:xfrm>
-            <a:off x="2695575" y="2084831"/>
+            <a:off x="2695575" y="868680"/>
             <a:ext cx="6800850" cy="1123950"/>
           </a:xfrm>
           <a:prstGeom prst="rect">
@@ -6657,7 +6657,7 @@
         </p:blipFill>
         <p:spPr>
           <a:xfrm>
-            <a:off x="4010025" y="2084831"/>
+            <a:off x="4010025" y="868680"/>
             <a:ext cx="4171950" cy="923925"/>
           </a:xfrm>
           <a:prstGeom prst="rect">
@@ -8556,7 +8556,7 @@
         </p:blipFill>
         <p:spPr>
           <a:xfrm>
-            <a:off x="3114675" y="2084831"/>
+            <a:off x="3114675" y="868680"/>
             <a:ext cx="5962650" cy="962025"/>
           </a:xfrm>
           <a:prstGeom prst="rect">

--- a/ToegepasteAnalogeElektronica/PowerPoint/Filters.pptx
+++ b/ToegepasteAnalogeElektronica/PowerPoint/Filters.pptx
@@ -5896,8 +5896,8 @@
         </p:blipFill>
         <p:spPr>
           <a:xfrm>
-            <a:off x="2502802" y="1179576"/>
-            <a:ext cx="7186395" cy="5029200"/>
+            <a:off x="2110817" y="566928"/>
+            <a:ext cx="7970365" cy="5577840"/>
           </a:xfrm>
           <a:prstGeom prst="rect">
             <a:avLst/>
@@ -6055,8 +6055,8 @@
         </p:blipFill>
         <p:spPr>
           <a:xfrm>
-            <a:off x="2466772" y="1179576"/>
-            <a:ext cx="7258455" cy="5029200"/>
+            <a:off x="2070856" y="566928"/>
+            <a:ext cx="8050287" cy="5577840"/>
           </a:xfrm>
           <a:prstGeom prst="rect">
             <a:avLst/>
@@ -6214,8 +6214,8 @@
         </p:blipFill>
         <p:spPr>
           <a:xfrm>
-            <a:off x="3595728" y="1179576"/>
-            <a:ext cx="5000544" cy="5029200"/>
+            <a:off x="3322971" y="566928"/>
+            <a:ext cx="5546057" cy="5577840"/>
           </a:xfrm>
           <a:prstGeom prst="rect">
             <a:avLst/>
@@ -6285,8 +6285,8 @@
         </p:blipFill>
         <p:spPr>
           <a:xfrm>
-            <a:off x="2466772" y="1179576"/>
-            <a:ext cx="7258455" cy="5029200"/>
+            <a:off x="2070856" y="566928"/>
+            <a:ext cx="8050287" cy="5577840"/>
           </a:xfrm>
           <a:prstGeom prst="rect">
             <a:avLst/>
@@ -6356,8 +6356,8 @@
         </p:blipFill>
         <p:spPr>
           <a:xfrm>
-            <a:off x="2555942" y="1179576"/>
-            <a:ext cx="7080115" cy="5029200"/>
+            <a:off x="2169754" y="566928"/>
+            <a:ext cx="7852491" cy="5577840"/>
           </a:xfrm>
           <a:prstGeom prst="rect">
             <a:avLst/>
@@ -6427,8 +6427,8 @@
         </p:blipFill>
         <p:spPr>
           <a:xfrm>
-            <a:off x="0" y="1179576"/>
-            <a:ext cx="12192000" cy="5029200"/>
+            <a:off x="0" y="566928"/>
+            <a:ext cx="12192000" cy="5577840"/>
           </a:xfrm>
           <a:prstGeom prst="rect">
             <a:avLst/>
@@ -6498,8 +6498,8 @@
         </p:blipFill>
         <p:spPr>
           <a:xfrm>
-            <a:off x="2502802" y="1179576"/>
-            <a:ext cx="7186395" cy="5029200"/>
+            <a:off x="2110817" y="566928"/>
+            <a:ext cx="7970365" cy="5577840"/>
           </a:xfrm>
           <a:prstGeom prst="rect">
             <a:avLst/>
@@ -6569,8 +6569,8 @@
         </p:blipFill>
         <p:spPr>
           <a:xfrm>
-            <a:off x="2730652" y="1179576"/>
-            <a:ext cx="6730696" cy="5029200"/>
+            <a:off x="2363523" y="566928"/>
+            <a:ext cx="7464954" cy="5577840"/>
           </a:xfrm>
           <a:prstGeom prst="rect">
             <a:avLst/>
@@ -6728,8 +6728,8 @@
         </p:blipFill>
         <p:spPr>
           <a:xfrm>
-            <a:off x="2466772" y="1179576"/>
-            <a:ext cx="7258455" cy="5029200"/>
+            <a:off x="2070856" y="566928"/>
+            <a:ext cx="8050287" cy="5577840"/>
           </a:xfrm>
           <a:prstGeom prst="rect">
             <a:avLst/>
@@ -6799,8 +6799,8 @@
         </p:blipFill>
         <p:spPr>
           <a:xfrm>
-            <a:off x="3595728" y="1179576"/>
-            <a:ext cx="5000544" cy="5029200"/>
+            <a:off x="3322971" y="566928"/>
+            <a:ext cx="5546057" cy="5577840"/>
           </a:xfrm>
           <a:prstGeom prst="rect">
             <a:avLst/>
@@ -6870,8 +6870,8 @@
         </p:blipFill>
         <p:spPr>
           <a:xfrm>
-            <a:off x="2466772" y="1179576"/>
-            <a:ext cx="7258455" cy="5029200"/>
+            <a:off x="2070856" y="566928"/>
+            <a:ext cx="8050287" cy="5577840"/>
           </a:xfrm>
           <a:prstGeom prst="rect">
             <a:avLst/>
@@ -6941,8 +6941,8 @@
         </p:blipFill>
         <p:spPr>
           <a:xfrm>
-            <a:off x="0" y="1179576"/>
-            <a:ext cx="12192000" cy="5029200"/>
+            <a:off x="0" y="566928"/>
+            <a:ext cx="12192000" cy="5577840"/>
           </a:xfrm>
           <a:prstGeom prst="rect">
             <a:avLst/>
@@ -7012,8 +7012,8 @@
         </p:blipFill>
         <p:spPr>
           <a:xfrm>
-            <a:off x="2466772" y="1179576"/>
-            <a:ext cx="7258455" cy="5029200"/>
+            <a:off x="2070856" y="566928"/>
+            <a:ext cx="8050287" cy="5577840"/>
           </a:xfrm>
           <a:prstGeom prst="rect">
             <a:avLst/>
@@ -7083,8 +7083,8 @@
         </p:blipFill>
         <p:spPr>
           <a:xfrm>
-            <a:off x="2466772" y="1179576"/>
-            <a:ext cx="7258455" cy="5029200"/>
+            <a:off x="2070856" y="566928"/>
+            <a:ext cx="8050287" cy="5577840"/>
           </a:xfrm>
           <a:prstGeom prst="rect">
             <a:avLst/>
@@ -7154,8 +7154,8 @@
         </p:blipFill>
         <p:spPr>
           <a:xfrm>
-            <a:off x="3595728" y="1179576"/>
-            <a:ext cx="5000544" cy="5029200"/>
+            <a:off x="3322971" y="566928"/>
+            <a:ext cx="5546057" cy="5577840"/>
           </a:xfrm>
           <a:prstGeom prst="rect">
             <a:avLst/>
@@ -7225,8 +7225,8 @@
         </p:blipFill>
         <p:spPr>
           <a:xfrm>
-            <a:off x="2466772" y="1179576"/>
-            <a:ext cx="7258455" cy="5029200"/>
+            <a:off x="2070856" y="566928"/>
+            <a:ext cx="8050287" cy="5577840"/>
           </a:xfrm>
           <a:prstGeom prst="rect">
             <a:avLst/>
@@ -7296,8 +7296,8 @@
         </p:blipFill>
         <p:spPr>
           <a:xfrm>
-            <a:off x="2466772" y="1179576"/>
-            <a:ext cx="7258455" cy="5029200"/>
+            <a:off x="2070856" y="566928"/>
+            <a:ext cx="8050287" cy="5577840"/>
           </a:xfrm>
           <a:prstGeom prst="rect">
             <a:avLst/>
@@ -7367,8 +7367,8 @@
         </p:blipFill>
         <p:spPr>
           <a:xfrm>
-            <a:off x="3595728" y="1179576"/>
-            <a:ext cx="5000544" cy="5029200"/>
+            <a:off x="3322971" y="566928"/>
+            <a:ext cx="5546057" cy="5577840"/>
           </a:xfrm>
           <a:prstGeom prst="rect">
             <a:avLst/>
@@ -7438,8 +7438,8 @@
         </p:blipFill>
         <p:spPr>
           <a:xfrm>
-            <a:off x="2870427" y="1179576"/>
-            <a:ext cx="6451146" cy="5029200"/>
+            <a:off x="2518546" y="566928"/>
+            <a:ext cx="7154908" cy="5577840"/>
           </a:xfrm>
           <a:prstGeom prst="rect">
             <a:avLst/>
@@ -7509,8 +7509,8 @@
         </p:blipFill>
         <p:spPr>
           <a:xfrm>
-            <a:off x="2466772" y="1179576"/>
-            <a:ext cx="7258455" cy="5029200"/>
+            <a:off x="2070856" y="566928"/>
+            <a:ext cx="8050287" cy="5577840"/>
           </a:xfrm>
           <a:prstGeom prst="rect">
             <a:avLst/>
@@ -7580,8 +7580,8 @@
         </p:blipFill>
         <p:spPr>
           <a:xfrm>
-            <a:off x="2466772" y="1179576"/>
-            <a:ext cx="7258455" cy="5029200"/>
+            <a:off x="2070856" y="566928"/>
+            <a:ext cx="8050287" cy="5577840"/>
           </a:xfrm>
           <a:prstGeom prst="rect">
             <a:avLst/>
@@ -7651,8 +7651,8 @@
         </p:blipFill>
         <p:spPr>
           <a:xfrm>
-            <a:off x="2466772" y="1179576"/>
-            <a:ext cx="7258455" cy="5029200"/>
+            <a:off x="2070856" y="566928"/>
+            <a:ext cx="8050287" cy="5577840"/>
           </a:xfrm>
           <a:prstGeom prst="rect">
             <a:avLst/>
@@ -7722,8 +7722,8 @@
         </p:blipFill>
         <p:spPr>
           <a:xfrm>
-            <a:off x="3595728" y="1179576"/>
-            <a:ext cx="5000544" cy="5029200"/>
+            <a:off x="3322971" y="566928"/>
+            <a:ext cx="5546057" cy="5577840"/>
           </a:xfrm>
           <a:prstGeom prst="rect">
             <a:avLst/>
@@ -7793,8 +7793,8 @@
         </p:blipFill>
         <p:spPr>
           <a:xfrm>
-            <a:off x="2466772" y="1179576"/>
-            <a:ext cx="7258455" cy="5029200"/>
+            <a:off x="2070856" y="566928"/>
+            <a:ext cx="8050287" cy="5577840"/>
           </a:xfrm>
           <a:prstGeom prst="rect">
             <a:avLst/>
@@ -7864,8 +7864,8 @@
         </p:blipFill>
         <p:spPr>
           <a:xfrm>
-            <a:off x="2466772" y="1179576"/>
-            <a:ext cx="7258455" cy="5029200"/>
+            <a:off x="2070856" y="566928"/>
+            <a:ext cx="8050287" cy="5577840"/>
           </a:xfrm>
           <a:prstGeom prst="rect">
             <a:avLst/>
@@ -7935,8 +7935,8 @@
         </p:blipFill>
         <p:spPr>
           <a:xfrm>
-            <a:off x="3588564" y="1179576"/>
-            <a:ext cx="5014872" cy="5029200"/>
+            <a:off x="3315025" y="566928"/>
+            <a:ext cx="5561949" cy="5577840"/>
           </a:xfrm>
           <a:prstGeom prst="rect">
             <a:avLst/>
@@ -8006,8 +8006,8 @@
         </p:blipFill>
         <p:spPr>
           <a:xfrm>
-            <a:off x="2466772" y="1179576"/>
-            <a:ext cx="7258455" cy="5029200"/>
+            <a:off x="2070856" y="566928"/>
+            <a:ext cx="8050287" cy="5577840"/>
           </a:xfrm>
           <a:prstGeom prst="rect">
             <a:avLst/>
@@ -8077,8 +8077,8 @@
         </p:blipFill>
         <p:spPr>
           <a:xfrm>
-            <a:off x="2466772" y="1179576"/>
-            <a:ext cx="7258455" cy="5029200"/>
+            <a:off x="2070856" y="566928"/>
+            <a:ext cx="8050287" cy="5577840"/>
           </a:xfrm>
           <a:prstGeom prst="rect">
             <a:avLst/>
@@ -8148,8 +8148,8 @@
         </p:blipFill>
         <p:spPr>
           <a:xfrm>
-            <a:off x="3538415" y="1179576"/>
-            <a:ext cx="5115169" cy="5029200"/>
+            <a:off x="3259406" y="566928"/>
+            <a:ext cx="5673188" cy="5577840"/>
           </a:xfrm>
           <a:prstGeom prst="rect">
             <a:avLst/>
@@ -8219,8 +8219,8 @@
         </p:blipFill>
         <p:spPr>
           <a:xfrm>
-            <a:off x="2123519" y="1179576"/>
-            <a:ext cx="7944962" cy="5029200"/>
+            <a:off x="1690157" y="566928"/>
+            <a:ext cx="8811685" cy="5577840"/>
           </a:xfrm>
           <a:prstGeom prst="rect">
             <a:avLst/>
@@ -8290,8 +8290,8 @@
         </p:blipFill>
         <p:spPr>
           <a:xfrm>
-            <a:off x="2466772" y="1179576"/>
-            <a:ext cx="7258455" cy="5029200"/>
+            <a:off x="2070856" y="566928"/>
+            <a:ext cx="8050287" cy="5577840"/>
           </a:xfrm>
           <a:prstGeom prst="rect">
             <a:avLst/>
@@ -8397,8 +8397,8 @@
         </p:blipFill>
         <p:spPr>
           <a:xfrm>
-            <a:off x="2870427" y="1179576"/>
-            <a:ext cx="6451146" cy="5029200"/>
+            <a:off x="2518546" y="566928"/>
+            <a:ext cx="7154908" cy="5577840"/>
           </a:xfrm>
           <a:prstGeom prst="rect">
             <a:avLst/>
@@ -8468,8 +8468,8 @@
         </p:blipFill>
         <p:spPr>
           <a:xfrm>
-            <a:off x="2870427" y="1179576"/>
-            <a:ext cx="6451146" cy="5029200"/>
+            <a:off x="2518546" y="566928"/>
+            <a:ext cx="7154908" cy="5577840"/>
           </a:xfrm>
           <a:prstGeom prst="rect">
             <a:avLst/>
@@ -8627,8 +8627,8 @@
         </p:blipFill>
         <p:spPr>
           <a:xfrm>
-            <a:off x="0" y="1179576"/>
-            <a:ext cx="12192000" cy="5029200"/>
+            <a:off x="0" y="566928"/>
+            <a:ext cx="12192000" cy="5577840"/>
           </a:xfrm>
           <a:prstGeom prst="rect">
             <a:avLst/>
@@ -8698,8 +8698,8 @@
         </p:blipFill>
         <p:spPr>
           <a:xfrm>
-            <a:off x="1332924" y="1179576"/>
-            <a:ext cx="9526152" cy="5029200"/>
+            <a:off x="813315" y="566928"/>
+            <a:ext cx="10565369" cy="5577840"/>
           </a:xfrm>
           <a:prstGeom prst="rect">
             <a:avLst/>

--- a/ToegepasteAnalogeElektronica/PowerPoint/Filters.pptx
+++ b/ToegepasteAnalogeElektronica/PowerPoint/Filters.pptx
@@ -1,6 +1,6 @@
 
 <file path=ppt/presentation.xml><?xml version="1.0" encoding="utf-8"?>
-<p:presentation xmlns:a="http://schemas.openxmlformats.org/drawingml/2006/main" xmlns:r="http://schemas.openxmlformats.org/officeDocument/2006/relationships" xmlns:p="http://schemas.openxmlformats.org/presentationml/2006/main" saveSubsetFonts="1" autoCompressPictures="0">
+<p:presentation xmlns:a="http://schemas.openxmlformats.org/drawingml/2006/main" xmlns:r="http://schemas.openxmlformats.org/officeDocument/2006/relationships" xmlns:p="http://schemas.openxmlformats.org/presentationml/2006/main" showSpecialPlsOnTitleSld="0" saveSubsetFonts="1" autoCompressPictures="0">
   <p:sldMasterIdLst>
     <p:sldMasterId id="2147483648" r:id="rId4"/>
   </p:sldMasterIdLst>
@@ -715,7 +715,7 @@
           <a:p>
             <a:fld id="{8F591CCF-F6FD-734B-854A-5BC033593B1E}" type="datetimeFigureOut">
               <a:rPr lang="nl-NL" smtClean="0"/>
-              <a:t>21-9-2025</a:t>
+              <a:t>28-9-2025</a:t>
             </a:fld>
             <a:endParaRPr lang="nl-NL"/>
           </a:p>
@@ -880,7 +880,7 @@
           <a:p>
             <a:fld id="{23C66214-DB21-4647-B5DA-0D17CA592867}" type="datetimeFigureOut">
               <a:rPr lang="nl-NL" smtClean="0"/>
-              <a:t>21-9-2025</a:t>
+              <a:t>28-9-2025</a:t>
             </a:fld>
             <a:endParaRPr lang="nl-NL"/>
           </a:p>
@@ -1629,9 +1629,9 @@
           <a:bodyPr/>
           <a:lstStyle/>
           <a:p>
-            <a:fld id="{D15822B7-9EF6-9542-AF10-CD505E021A84}" type="datetime1">
+            <a:fld id="{39E7E716-59E8-42BC-97BF-DDA9E59ADEE7}" type="datetime1">
               <a:rPr lang="nl-BE" smtClean="0"/>
-              <a:t>21/09/2025</a:t>
+              <a:t>28/09/2025</a:t>
             </a:fld>
             <a:endParaRPr lang="nl-NL"/>
           </a:p>
@@ -1663,7 +1663,7 @@
           <a:bodyPr/>
           <a:lstStyle/>
           <a:p>
-            <a:endParaRPr lang="nl-NL"/>
+            <a:endParaRPr lang="nl-NL" dirty="0"/>
           </a:p>
         </p:txBody>
       </p:sp>
@@ -1879,9 +1879,9 @@
           <a:bodyPr/>
           <a:lstStyle/>
           <a:p>
-            <a:fld id="{D15822B7-9EF6-9542-AF10-CD505E021A84}" type="datetime1">
+            <a:fld id="{68285E84-F3E9-4DE0-AF5C-DC32311C51B6}" type="datetime1">
               <a:rPr lang="nl-BE" smtClean="0"/>
-              <a:t>21/09/2025</a:t>
+              <a:t>28/09/2025</a:t>
             </a:fld>
             <a:endParaRPr lang="nl-NL"/>
           </a:p>
@@ -2162,9 +2162,9 @@
           <a:bodyPr/>
           <a:lstStyle/>
           <a:p>
-            <a:fld id="{F52CA13D-CC20-034F-8D4D-5C3038626ED9}" type="datetime1">
+            <a:fld id="{86D712DB-13D1-48DF-8D74-EA2A0D6A1295}" type="datetime1">
               <a:rPr lang="nl-BE" smtClean="0"/>
-              <a:t>21/09/2025</a:t>
+              <a:t>28/09/2025</a:t>
             </a:fld>
             <a:endParaRPr lang="nl-NL"/>
           </a:p>
@@ -2514,9 +2514,9 @@
           <a:bodyPr/>
           <a:lstStyle/>
           <a:p>
-            <a:fld id="{F52CA13D-CC20-034F-8D4D-5C3038626ED9}" type="datetime1">
+            <a:fld id="{EE55F63B-E5C2-47C9-B767-96A09BC63624}" type="datetime1">
               <a:rPr lang="nl-BE" smtClean="0"/>
-              <a:t>21/09/2025</a:t>
+              <a:t>28/09/2025</a:t>
             </a:fld>
             <a:endParaRPr lang="nl-NL"/>
           </a:p>
@@ -3747,9 +3747,9 @@
           <a:bodyPr/>
           <a:lstStyle/>
           <a:p>
-            <a:fld id="{F52CA13D-CC20-034F-8D4D-5C3038626ED9}" type="datetime1">
+            <a:fld id="{0445AAF3-F212-43BB-932B-DD1A31841819}" type="datetime1">
               <a:rPr lang="nl-BE" smtClean="0"/>
-              <a:t>21/09/2025</a:t>
+              <a:t>28/09/2025</a:t>
             </a:fld>
             <a:endParaRPr lang="nl-NL"/>
           </a:p>
@@ -3968,9 +3968,9 @@
           <a:bodyPr/>
           <a:lstStyle/>
           <a:p>
-            <a:fld id="{F52CA13D-CC20-034F-8D4D-5C3038626ED9}" type="datetime1">
+            <a:fld id="{215EBCC0-C3A3-417F-962F-876AE60FF46F}" type="datetime1">
               <a:rPr lang="nl-BE" smtClean="0"/>
-              <a:t>21/09/2025</a:t>
+              <a:t>28/09/2025</a:t>
             </a:fld>
             <a:endParaRPr lang="nl-NL"/>
           </a:p>
@@ -4259,9 +4259,9 @@
           <a:bodyPr/>
           <a:lstStyle/>
           <a:p>
-            <a:fld id="{F52CA13D-CC20-034F-8D4D-5C3038626ED9}" type="datetime1">
+            <a:fld id="{5087A35E-C6EC-4A6C-A286-9B263B20AC20}" type="datetime1">
               <a:rPr lang="nl-BE" smtClean="0"/>
-              <a:t>21/09/2025</a:t>
+              <a:t>28/09/2025</a:t>
             </a:fld>
             <a:endParaRPr lang="nl-NL"/>
           </a:p>
@@ -4513,9 +4513,9 @@
           <a:bodyPr/>
           <a:lstStyle/>
           <a:p>
-            <a:fld id="{F52CA13D-CC20-034F-8D4D-5C3038626ED9}" type="datetime1">
+            <a:fld id="{4B9B00E3-DE57-4EA4-A886-8AA88F9577D7}" type="datetime1">
               <a:rPr lang="nl-BE" smtClean="0"/>
-              <a:t>21/09/2025</a:t>
+              <a:t>28/09/2025</a:t>
             </a:fld>
             <a:endParaRPr lang="nl-NL"/>
           </a:p>
@@ -4726,9 +4726,9 @@
           <a:bodyPr/>
           <a:lstStyle/>
           <a:p>
-            <a:fld id="{D15822B7-9EF6-9542-AF10-CD505E021A84}" type="datetime1">
+            <a:fld id="{1631A466-BC4F-407D-A3EA-76F6655478F0}" type="datetime1">
               <a:rPr lang="nl-BE" smtClean="0"/>
-              <a:t>21/09/2025</a:t>
+              <a:t>28/09/2025</a:t>
             </a:fld>
             <a:endParaRPr lang="nl-NL"/>
           </a:p>
@@ -4917,9 +4917,9 @@
           <a:bodyPr/>
           <a:lstStyle/>
           <a:p>
-            <a:fld id="{D15822B7-9EF6-9542-AF10-CD505E021A84}" type="datetime1">
+            <a:fld id="{7CF5F32B-E94B-420F-86D9-59A9E32E05E1}" type="datetime1">
               <a:rPr lang="nl-BE" smtClean="0"/>
-              <a:t>21/09/2025</a:t>
+              <a:t>28/09/2025</a:t>
             </a:fld>
             <a:endParaRPr lang="nl-NL"/>
           </a:p>
@@ -5275,9 +5275,9 @@
             </a:lvl1pPr>
           </a:lstStyle>
           <a:p>
-            <a:fld id="{0C33DDE8-63FF-C642-9F3A-0B773DD34821}" type="datetime1">
+            <a:fld id="{341CC9F9-C2CE-4031-804C-1F2576E1A82A}" type="datetime1">
               <a:rPr lang="nl-BE" smtClean="0"/>
-              <a:t>21/09/2025</a:t>
+              <a:t>28/09/2025</a:t>
             </a:fld>
             <a:endParaRPr lang="nl-NL"/>
           </a:p>
@@ -5413,7 +5413,7 @@
     <p:sldLayoutId id="2147483670" r:id="rId12"/>
     <p:sldLayoutId id="2147483651" r:id="rId13"/>
   </p:sldLayoutIdLst>
-  <p:hf hdr="0" ftr="0" dt="0"/>
+  <p:hf hdr="0" dt="0"/>
   <p:txStyles>
     <p:titleStyle>
       <a:lvl1pPr algn="l" defTabSz="914400" rtl="0" eaLnBrk="1" latinLnBrk="0" hangingPunct="1">
@@ -9498,26 +9498,6 @@
 </file>
 
 <file path=customXml/item1.xml><?xml version="1.0" encoding="utf-8"?>
-<p:properties xmlns:p="http://schemas.microsoft.com/office/2006/metadata/properties" xmlns:xsi="http://www.w3.org/2001/XMLSchema-instance" xmlns:pc="http://schemas.microsoft.com/office/infopath/2007/PartnerControls">
-  <documentManagement>
-    <lcf76f155ced4ddcb4097134ff3c332f xmlns="81d41a3b-f33d-4db6-b532-757106a7a2ae">
-      <Terms xmlns="http://schemas.microsoft.com/office/infopath/2007/PartnerControls"/>
-    </lcf76f155ced4ddcb4097134ff3c332f>
-    <TaxCatchAll xmlns="bf25a9bf-a811-4965-9d0a-b88059080fed" xsi:nil="true"/>
-  </documentManagement>
-</p:properties>
-</file>
-
-<file path=customXml/item2.xml><?xml version="1.0" encoding="utf-8"?>
-<?mso-contentType ?>
-<FormTemplates xmlns="http://schemas.microsoft.com/sharepoint/v3/contenttype/forms">
-  <Display>DocumentLibraryForm</Display>
-  <Edit>DocumentLibraryForm</Edit>
-  <New>DocumentLibraryForm</New>
-</FormTemplates>
-</file>
-
-<file path=customXml/item3.xml><?xml version="1.0" encoding="utf-8"?>
 <ct:contentTypeSchema xmlns:ct="http://schemas.microsoft.com/office/2006/metadata/contentType" xmlns:ma="http://schemas.microsoft.com/office/2006/metadata/properties/metaAttributes" ct:_="" ma:_="" ma:contentTypeName="Document" ma:contentTypeID="0x010100B8C495A181F81B4C9DE5AD85CD0F70D4" ma:contentTypeVersion="18" ma:contentTypeDescription="Een nieuw document maken." ma:contentTypeScope="" ma:versionID="6ba28a59cba4a02a693681f32745d77b">
   <xsd:schema xmlns:xsd="http://www.w3.org/2001/XMLSchema" xmlns:xs="http://www.w3.org/2001/XMLSchema" xmlns:p="http://schemas.microsoft.com/office/2006/metadata/properties" xmlns:ns2="81d41a3b-f33d-4db6-b532-757106a7a2ae" xmlns:ns3="bf25a9bf-a811-4965-9d0a-b88059080fed" targetNamespace="http://schemas.microsoft.com/office/2006/metadata/properties" ma:root="true" ma:fieldsID="b996b4a4c0d83f5cfec71b22aba921d2" ns2:_="" ns3:_="">
     <xsd:import namespace="81d41a3b-f33d-4db6-b532-757106a7a2ae"/>
@@ -9772,32 +9752,27 @@
 </ct:contentTypeSchema>
 </file>
 
-<file path=customXml/itemProps1.xml><?xml version="1.0" encoding="utf-8"?>
-<ds:datastoreItem xmlns:ds="http://schemas.openxmlformats.org/officeDocument/2006/customXml" ds:itemID="{5EE9034D-0B43-4AB0-9535-9A62DB37A999}">
-  <ds:schemaRefs>
-    <ds:schemaRef ds:uri="http://www.w3.org/XML/1998/namespace"/>
-    <ds:schemaRef ds:uri="81d41a3b-f33d-4db6-b532-757106a7a2ae"/>
-    <ds:schemaRef ds:uri="http://purl.org/dc/dcmitype/"/>
-    <ds:schemaRef ds:uri="http://purl.org/dc/elements/1.1/"/>
-    <ds:schemaRef ds:uri="http://schemas.microsoft.com/office/2006/documentManagement/types"/>
-    <ds:schemaRef ds:uri="bf25a9bf-a811-4965-9d0a-b88059080fed"/>
-    <ds:schemaRef ds:uri="http://purl.org/dc/terms/"/>
-    <ds:schemaRef ds:uri="http://schemas.microsoft.com/office/infopath/2007/PartnerControls"/>
-    <ds:schemaRef ds:uri="http://schemas.openxmlformats.org/package/2006/metadata/core-properties"/>
-    <ds:schemaRef ds:uri="http://schemas.microsoft.com/office/2006/metadata/properties"/>
-  </ds:schemaRefs>
-</ds:datastoreItem>
+<file path=customXml/item2.xml><?xml version="1.0" encoding="utf-8"?>
+<?mso-contentType ?>
+<FormTemplates xmlns="http://schemas.microsoft.com/sharepoint/v3/contenttype/forms">
+  <Display>DocumentLibraryForm</Display>
+  <Edit>DocumentLibraryForm</Edit>
+  <New>DocumentLibraryForm</New>
+</FormTemplates>
 </file>
 
-<file path=customXml/itemProps2.xml><?xml version="1.0" encoding="utf-8"?>
-<ds:datastoreItem xmlns:ds="http://schemas.openxmlformats.org/officeDocument/2006/customXml" ds:itemID="{263A7949-1B93-457F-8888-53CC8A016F77}">
-  <ds:schemaRefs>
-    <ds:schemaRef ds:uri="http://schemas.microsoft.com/sharepoint/v3/contenttype/forms"/>
-  </ds:schemaRefs>
-</ds:datastoreItem>
+<file path=customXml/item3.xml><?xml version="1.0" encoding="utf-8"?>
+<p:properties xmlns:p="http://schemas.microsoft.com/office/2006/metadata/properties" xmlns:xsi="http://www.w3.org/2001/XMLSchema-instance" xmlns:pc="http://schemas.microsoft.com/office/infopath/2007/PartnerControls">
+  <documentManagement>
+    <lcf76f155ced4ddcb4097134ff3c332f xmlns="81d41a3b-f33d-4db6-b532-757106a7a2ae">
+      <Terms xmlns="http://schemas.microsoft.com/office/infopath/2007/PartnerControls"/>
+    </lcf76f155ced4ddcb4097134ff3c332f>
+    <TaxCatchAll xmlns="bf25a9bf-a811-4965-9d0a-b88059080fed" xsi:nil="true"/>
+  </documentManagement>
+</p:properties>
 </file>
 
-<file path=customXml/itemProps3.xml><?xml version="1.0" encoding="utf-8"?>
+<file path=customXml/itemProps1.xml><?xml version="1.0" encoding="utf-8"?>
 <ds:datastoreItem xmlns:ds="http://schemas.openxmlformats.org/officeDocument/2006/customXml" ds:itemID="{2A270F01-48F1-4A41-8E26-ACAC66896963}">
   <ds:schemaRefs>
     <ds:schemaRef ds:uri="http://schemas.microsoft.com/office/2006/metadata/contentType"/>
@@ -9814,4 +9789,29 @@
     <ds:schemaRef ds:uri="http://schemas.microsoft.com/internal/obd"/>
   </ds:schemaRefs>
 </ds:datastoreItem>
+</file>
+
+<file path=customXml/itemProps2.xml><?xml version="1.0" encoding="utf-8"?>
+<ds:datastoreItem xmlns:ds="http://schemas.openxmlformats.org/officeDocument/2006/customXml" ds:itemID="{263A7949-1B93-457F-8888-53CC8A016F77}">
+  <ds:schemaRefs>
+    <ds:schemaRef ds:uri="http://schemas.microsoft.com/sharepoint/v3/contenttype/forms"/>
+  </ds:schemaRefs>
+</ds:datastoreItem>
+</file>
+
+<file path=customXml/itemProps3.xml><?xml version="1.0" encoding="utf-8"?>
+<ds:datastoreItem xmlns:ds="http://schemas.openxmlformats.org/officeDocument/2006/customXml" ds:itemID="{5EE9034D-0B43-4AB0-9535-9A62DB37A999}">
+  <ds:schemaRefs>
+    <ds:schemaRef ds:uri="http://www.w3.org/XML/1998/namespace"/>
+    <ds:schemaRef ds:uri="81d41a3b-f33d-4db6-b532-757106a7a2ae"/>
+    <ds:schemaRef ds:uri="http://purl.org/dc/dcmitype/"/>
+    <ds:schemaRef ds:uri="http://purl.org/dc/elements/1.1/"/>
+    <ds:schemaRef ds:uri="http://schemas.microsoft.com/office/2006/documentManagement/types"/>
+    <ds:schemaRef ds:uri="bf25a9bf-a811-4965-9d0a-b88059080fed"/>
+    <ds:schemaRef ds:uri="http://purl.org/dc/terms/"/>
+    <ds:schemaRef ds:uri="http://schemas.microsoft.com/office/infopath/2007/PartnerControls"/>
+    <ds:schemaRef ds:uri="http://schemas.openxmlformats.org/package/2006/metadata/core-properties"/>
+    <ds:schemaRef ds:uri="http://schemas.microsoft.com/office/2006/metadata/properties"/>
+  </ds:schemaRefs>
+</ds:datastoreItem>
 </file>
--- a/ToegepasteAnalogeElektronica/PowerPoint/Filters.pptx
+++ b/ToegepasteAnalogeElektronica/PowerPoint/Filters.pptx
@@ -53,6 +53,30 @@
     <p:sldId id="295" r:id="rId52"/>
     <p:sldId id="296" r:id="rId53"/>
     <p:sldId id="297" r:id="rId54"/>
+    <p:sldId id="298" r:id="rId55"/>
+    <p:sldId id="299" r:id="rId56"/>
+    <p:sldId id="300" r:id="rId57"/>
+    <p:sldId id="301" r:id="rId58"/>
+    <p:sldId id="302" r:id="rId59"/>
+    <p:sldId id="303" r:id="rId60"/>
+    <p:sldId id="304" r:id="rId61"/>
+    <p:sldId id="305" r:id="rId62"/>
+    <p:sldId id="306" r:id="rId63"/>
+    <p:sldId id="307" r:id="rId64"/>
+    <p:sldId id="308" r:id="rId65"/>
+    <p:sldId id="309" r:id="rId66"/>
+    <p:sldId id="310" r:id="rId67"/>
+    <p:sldId id="311" r:id="rId68"/>
+    <p:sldId id="312" r:id="rId69"/>
+    <p:sldId id="313" r:id="rId70"/>
+    <p:sldId id="314" r:id="rId71"/>
+    <p:sldId id="315" r:id="rId72"/>
+    <p:sldId id="316" r:id="rId73"/>
+    <p:sldId id="317" r:id="rId74"/>
+    <p:sldId id="318" r:id="rId75"/>
+    <p:sldId id="319" r:id="rId76"/>
+    <p:sldId id="320" r:id="rId77"/>
+    <p:sldId id="321" r:id="rId78"/>
   </p:sldIdLst>
   <p:sldSz cx="12192000" cy="6858000"/>
   <p:notesSz cx="6858000" cy="9144000"/>
@@ -5896,8 +5920,8 @@
         </p:blipFill>
         <p:spPr>
           <a:xfrm>
-            <a:off x="2110817" y="566928"/>
-            <a:ext cx="7970365" cy="5577840"/>
+            <a:off x="2045486" y="566928"/>
+            <a:ext cx="8101027" cy="5669280"/>
           </a:xfrm>
           <a:prstGeom prst="rect">
             <a:avLst/>
@@ -5984,7 +6008,7 @@
         </p:blipFill>
         <p:spPr>
           <a:xfrm>
-            <a:off x="3148012" y="868680"/>
+            <a:off x="3148012" y="566928"/>
             <a:ext cx="5895975" cy="1123950"/>
           </a:xfrm>
           <a:prstGeom prst="rect">
@@ -6012,12 +6036,12 @@
       <p:grpSpPr/>
       <p:sp>
         <p:nvSpPr>
-          <p:cNvPr id="2" name="Title 1"/>
-          <p:cNvSpPr>
-            <a:spLocks noGrp="1"/>
-          </p:cNvSpPr>
-          <p:nvPr>
-            <p:ph type="title"/>
+          <p:cNvPr id="2" name="Content Placeholder 1"/>
+          <p:cNvSpPr>
+            <a:spLocks noGrp="1"/>
+          </p:cNvSpPr>
+          <p:nvPr>
+            <p:ph idx="1"/>
           </p:nvPr>
         </p:nvSpPr>
         <p:spPr/>
@@ -6027,42 +6051,198 @@
           </a:bodyPr>
           <a:lstStyle/>
           <a:p>
-            <a:r>
-              <a:rPr sz="2600" b="1" i="0">
+            <a:pPr>
+              <a:lnSpc>
+                <a:spcPts val="2400"/>
+              </a:lnSpc>
+              <a:defRPr>
+                <a:solidFill>
+                  <a:srgbClr val="000000"/>
+                </a:solidFill>
+              </a:defRPr>
+            </a:pPr>
+            <a:r>
+              <a:rPr sz="2400" b="0" i="0">
+                <a:latin typeface="Courier"/>
+              </a:rPr>
+              <a:t>Veelterm coefficienten teller: M= 0</a:t>
+            </a:r>
+            <a:endParaRPr sz="2400" b="0" i="0">
+              <a:latin typeface="Courier"/>
+            </a:endParaRPr>
+          </a:p>
+          <a:p>
+            <a:pPr>
+              <a:lnSpc>
+                <a:spcPts val="2400"/>
+              </a:lnSpc>
+              <a:defRPr>
+                <a:solidFill>
+                  <a:srgbClr val="000000"/>
+                </a:solidFill>
+              </a:defRPr>
+            </a:pPr>
+            <a:r>
+              <a:rPr sz="2400" b="0" i="0">
+                <a:latin typeface="Courier"/>
+              </a:rPr>
+              <a:t>b[ 0 ] = 2.4805021344239852e+20</a:t>
+            </a:r>
+            <a:endParaRPr sz="2400" b="0" i="0">
+              <a:latin typeface="Courier"/>
+            </a:endParaRPr>
+          </a:p>
+          <a:p>
+            <a:pPr>
+              <a:lnSpc>
+                <a:spcPts val="2400"/>
+              </a:lnSpc>
+              <a:defRPr>
+                <a:solidFill>
+                  <a:srgbClr val="000000"/>
+                </a:solidFill>
+              </a:defRPr>
+            </a:pPr>
+            <a:r>
+              <a:rPr sz="2400" b="0" i="0">
+                <a:latin typeface="Courier"/>
+              </a:rPr>
+              <a:t>Veelterm coefficienten noemer: N= 3</a:t>
+            </a:r>
+            <a:endParaRPr sz="2400" b="0" i="0">
+              <a:latin typeface="Courier"/>
+            </a:endParaRPr>
+          </a:p>
+          <a:p>
+            <a:pPr>
+              <a:lnSpc>
+                <a:spcPts val="2400"/>
+              </a:lnSpc>
+              <a:defRPr>
+                <a:solidFill>
+                  <a:srgbClr val="000000"/>
+                </a:solidFill>
+              </a:defRPr>
+            </a:pPr>
+            <a:r>
+              <a:rPr sz="2400" b="0" i="0">
+                <a:latin typeface="Courier"/>
+              </a:rPr>
+              <a:t>a[ 3 ] = 1.0</a:t>
+            </a:r>
+            <a:endParaRPr sz="2400" b="0" i="0">
+              <a:latin typeface="Courier"/>
+            </a:endParaRPr>
+          </a:p>
+          <a:p>
+            <a:pPr>
+              <a:lnSpc>
+                <a:spcPts val="2400"/>
+              </a:lnSpc>
+              <a:defRPr>
+                <a:solidFill>
+                  <a:srgbClr val="000000"/>
+                </a:solidFill>
+              </a:defRPr>
+            </a:pPr>
+            <a:r>
+              <a:rPr sz="2400" b="0" i="0">
+                <a:latin typeface="Courier"/>
+              </a:rPr>
+              <a:t>a[ 2 ] = 12566370.614359174</a:t>
+            </a:r>
+            <a:endParaRPr sz="2400" b="0" i="0">
+              <a:latin typeface="Courier"/>
+            </a:endParaRPr>
+          </a:p>
+          <a:p>
+            <a:pPr>
+              <a:lnSpc>
+                <a:spcPts val="2400"/>
+              </a:lnSpc>
+              <a:defRPr>
+                <a:solidFill>
+                  <a:srgbClr val="000000"/>
+                </a:solidFill>
+              </a:defRPr>
+            </a:pPr>
+            <a:r>
+              <a:rPr sz="2400" b="0" i="0">
+                <a:latin typeface="Courier"/>
+              </a:rPr>
+              <a:t>a[ 1 ] = 78956835208714.88</a:t>
+            </a:r>
+            <a:endParaRPr sz="2400" b="0" i="0">
+              <a:latin typeface="Courier"/>
+            </a:endParaRPr>
+          </a:p>
+          <a:p>
+            <a:pPr>
+              <a:lnSpc>
+                <a:spcPts val="2400"/>
+              </a:lnSpc>
+              <a:defRPr>
+                <a:solidFill>
+                  <a:srgbClr val="000000"/>
+                </a:solidFill>
+              </a:defRPr>
+            </a:pPr>
+            <a:r>
+              <a:rPr sz="2400" b="0" i="0">
+                <a:latin typeface="Courier"/>
+              </a:rPr>
+              <a:t>a[ 0 ] = 2.4805021344239852e+20</a:t>
+            </a:r>
+            <a:endParaRPr sz="2400" b="0" i="0">
+              <a:latin typeface="Courier"/>
+            </a:endParaRPr>
+          </a:p>
+          <a:p>
+            <a:pPr>
+              <a:lnSpc>
+                <a:spcPts val="2400"/>
+              </a:lnSpc>
+              <a:defRPr>
+                <a:solidFill>
+                  <a:srgbClr val="000000"/>
+                </a:solidFill>
+              </a:defRPr>
+            </a:pPr>
+            <a:endParaRPr sz="2400" b="0" i="0">
+              <a:latin typeface="Courier"/>
+            </a:endParaRPr>
+          </a:p>
+        </p:txBody>
+      </p:sp>
+      <p:sp>
+        <p:nvSpPr>
+          <p:cNvPr id="3" name="Title 2"/>
+          <p:cNvSpPr>
+            <a:spLocks noGrp="1"/>
+          </p:cNvSpPr>
+          <p:nvPr>
+            <p:ph type="title"/>
+          </p:nvPr>
+        </p:nvSpPr>
+        <p:spPr/>
+        <p:txBody>
+          <a:bodyPr wrap="square">
+            <a:noAutofit/>
+          </a:bodyPr>
+          <a:lstStyle/>
+          <a:p>
+            <a:r>
+              <a:rPr sz="2800" b="1" i="0">
                 <a:latin typeface="Arial"/>
               </a:rPr>
-              <a:t>Amplitude en fase derde orde Butterworth laagdoorlaatfilter (1 MHz)</a:t>
-            </a:r>
-            <a:endParaRPr sz="2600" b="1" i="0">
+              <a:t>Coeficienten derde orde Butterworth laagdoorlaatfilter (1 MHz)</a:t>
+            </a:r>
+            <a:endParaRPr sz="2800" b="1" i="0">
               <a:latin typeface="Arial"/>
             </a:endParaRPr>
           </a:p>
         </p:txBody>
       </p:sp>
-      <p:pic>
-        <p:nvPicPr>
-          <p:cNvPr id="3" name="Picture 2" descr="image.png"/>
-          <p:cNvPicPr>
-            <a:picLocks noChangeAspect="1"/>
-          </p:cNvPicPr>
-          <p:nvPr/>
-        </p:nvPicPr>
-        <p:blipFill>
-          <a:blip r:embed="rId2"/>
-          <a:stretch>
-            <a:fillRect/>
-          </a:stretch>
-        </p:blipFill>
-        <p:spPr>
-          <a:xfrm>
-            <a:off x="2070856" y="566928"/>
-            <a:ext cx="8050287" cy="5577840"/>
-          </a:xfrm>
-          <a:prstGeom prst="rect">
-            <a:avLst/>
-          </a:prstGeom>
-        </p:spPr>
-      </p:pic>
     </p:spTree>
   </p:cSld>
   <p:clrMapOvr>
@@ -6083,24 +6263,7 @@
       <p:grpSpPr/>
       <p:sp>
         <p:nvSpPr>
-          <p:cNvPr id="2" name="Content Placeholder 1"/>
-          <p:cNvSpPr>
-            <a:spLocks noGrp="1"/>
-          </p:cNvSpPr>
-          <p:nvPr>
-            <p:ph idx="1"/>
-          </p:nvPr>
-        </p:nvSpPr>
-        <p:spPr/>
-        <p:txBody>
-          <a:bodyPr/>
-          <a:lstStyle/>
-          <a:p/>
-        </p:txBody>
-      </p:sp>
-      <p:sp>
-        <p:nvSpPr>
-          <p:cNvPr id="3" name="Title 2"/>
+          <p:cNvPr id="2" name="Title 1"/>
           <p:cNvSpPr>
             <a:spLocks noGrp="1"/>
           </p:cNvSpPr>
@@ -6116,12 +6279,12 @@
           <a:lstStyle/>
           <a:p>
             <a:r>
-              <a:rPr sz="3200" b="1" i="0">
+              <a:rPr sz="2600" b="1" i="0">
                 <a:latin typeface="Arial"/>
               </a:rPr>
-              <a:t>Transfer functie als functie van polen en nulpunten</a:t>
-            </a:r>
-            <a:endParaRPr sz="3200" b="1" i="0">
+              <a:t>Amplitude en fase derde orde Butterworth laagdoorlaatfilter (1 MHz)</a:t>
+            </a:r>
+            <a:endParaRPr sz="2600" b="1" i="0">
               <a:latin typeface="Arial"/>
             </a:endParaRPr>
           </a:p>
@@ -6129,7 +6292,7 @@
       </p:sp>
       <p:pic>
         <p:nvPicPr>
-          <p:cNvPr id="4" name="Picture 3" descr="image.png"/>
+          <p:cNvPr id="3" name="Picture 2" descr="image.png"/>
           <p:cNvPicPr>
             <a:picLocks noChangeAspect="1"/>
           </p:cNvPicPr>
@@ -6143,8 +6306,8 @@
         </p:blipFill>
         <p:spPr>
           <a:xfrm>
-            <a:off x="2695575" y="868680"/>
-            <a:ext cx="6800850" cy="1123950"/>
+            <a:off x="2004870" y="566928"/>
+            <a:ext cx="8182259" cy="5669280"/>
           </a:xfrm>
           <a:prstGeom prst="rect">
             <a:avLst/>
@@ -6171,7 +6334,24 @@
       <p:grpSpPr/>
       <p:sp>
         <p:nvSpPr>
-          <p:cNvPr id="2" name="Title 1"/>
+          <p:cNvPr id="2" name="Content Placeholder 1"/>
+          <p:cNvSpPr>
+            <a:spLocks noGrp="1"/>
+          </p:cNvSpPr>
+          <p:nvPr>
+            <p:ph idx="1"/>
+          </p:nvPr>
+        </p:nvSpPr>
+        <p:spPr/>
+        <p:txBody>
+          <a:bodyPr/>
+          <a:lstStyle/>
+          <a:p/>
+        </p:txBody>
+      </p:sp>
+      <p:sp>
+        <p:nvSpPr>
+          <p:cNvPr id="3" name="Title 2"/>
           <p:cNvSpPr>
             <a:spLocks noGrp="1"/>
           </p:cNvSpPr>
@@ -6190,7 +6370,7 @@
               <a:rPr sz="3200" b="1" i="0">
                 <a:latin typeface="Arial"/>
               </a:rPr>
-              <a:t>Polen derde orde Butterworth laagdoorlaatfilter(1 MHz)</a:t>
+              <a:t>Transfer functie als functie van polen en nulpunten</a:t>
             </a:r>
             <a:endParaRPr sz="3200" b="1" i="0">
               <a:latin typeface="Arial"/>
@@ -6200,7 +6380,7 @@
       </p:sp>
       <p:pic>
         <p:nvPicPr>
-          <p:cNvPr id="3" name="Picture 2" descr="image.png"/>
+          <p:cNvPr id="4" name="Picture 3" descr="image.png"/>
           <p:cNvPicPr>
             <a:picLocks noChangeAspect="1"/>
           </p:cNvPicPr>
@@ -6214,8 +6394,8 @@
         </p:blipFill>
         <p:spPr>
           <a:xfrm>
-            <a:off x="3322971" y="566928"/>
-            <a:ext cx="5546057" cy="5577840"/>
+            <a:off x="2695575" y="566928"/>
+            <a:ext cx="6800850" cy="1123950"/>
           </a:xfrm>
           <a:prstGeom prst="rect">
             <a:avLst/>
@@ -6242,12 +6422,12 @@
       <p:grpSpPr/>
       <p:sp>
         <p:nvSpPr>
-          <p:cNvPr id="2" name="Title 1"/>
-          <p:cNvSpPr>
-            <a:spLocks noGrp="1"/>
-          </p:cNvSpPr>
-          <p:nvPr>
-            <p:ph type="title"/>
+          <p:cNvPr id="2" name="Content Placeholder 1"/>
+          <p:cNvSpPr>
+            <a:spLocks noGrp="1"/>
+          </p:cNvSpPr>
+          <p:nvPr>
+            <p:ph idx="1"/>
           </p:nvPr>
         </p:nvSpPr>
         <p:spPr/>
@@ -6257,11 +6437,149 @@
           </a:bodyPr>
           <a:lstStyle/>
           <a:p>
+            <a:pPr>
+              <a:lnSpc>
+                <a:spcPts val="2400"/>
+              </a:lnSpc>
+              <a:defRPr>
+                <a:solidFill>
+                  <a:srgbClr val="000000"/>
+                </a:solidFill>
+              </a:defRPr>
+            </a:pPr>
+            <a:r>
+              <a:rPr sz="2400" b="0" i="0">
+                <a:latin typeface="Courier"/>
+              </a:rPr>
+              <a:t>Lijst der nullen: M= 0</a:t>
+            </a:r>
+            <a:endParaRPr sz="2400" b="0" i="0">
+              <a:latin typeface="Courier"/>
+            </a:endParaRPr>
+          </a:p>
+          <a:p>
+            <a:pPr>
+              <a:lnSpc>
+                <a:spcPts val="2400"/>
+              </a:lnSpc>
+              <a:defRPr>
+                <a:solidFill>
+                  <a:srgbClr val="000000"/>
+                </a:solidFill>
+              </a:defRPr>
+            </a:pPr>
+            <a:r>
+              <a:rPr sz="2400" b="0" i="0">
+                <a:latin typeface="Courier"/>
+              </a:rPr>
+              <a:t>Lijst der polen: N= 3</a:t>
+            </a:r>
+            <a:endParaRPr sz="2400" b="0" i="0">
+              <a:latin typeface="Courier"/>
+            </a:endParaRPr>
+          </a:p>
+          <a:p>
+            <a:pPr>
+              <a:lnSpc>
+                <a:spcPts val="2400"/>
+              </a:lnSpc>
+              <a:defRPr>
+                <a:solidFill>
+                  <a:srgbClr val="000000"/>
+                </a:solidFill>
+              </a:defRPr>
+            </a:pPr>
+            <a:r>
+              <a:rPr sz="2400" b="0" i="0">
+                <a:latin typeface="Courier"/>
+              </a:rPr>
+              <a:t>p[ 1 ] = (-3141592.6535897935+5441398.092702653j)</a:t>
+            </a:r>
+            <a:endParaRPr sz="2400" b="0" i="0">
+              <a:latin typeface="Courier"/>
+            </a:endParaRPr>
+          </a:p>
+          <a:p>
+            <a:pPr>
+              <a:lnSpc>
+                <a:spcPts val="2400"/>
+              </a:lnSpc>
+              <a:defRPr>
+                <a:solidFill>
+                  <a:srgbClr val="000000"/>
+                </a:solidFill>
+              </a:defRPr>
+            </a:pPr>
+            <a:r>
+              <a:rPr sz="2400" b="0" i="0">
+                <a:latin typeface="Courier"/>
+              </a:rPr>
+              <a:t>p[ 2 ] = (-6283185.307179586-0j)</a:t>
+            </a:r>
+            <a:endParaRPr sz="2400" b="0" i="0">
+              <a:latin typeface="Courier"/>
+            </a:endParaRPr>
+          </a:p>
+          <a:p>
+            <a:pPr>
+              <a:lnSpc>
+                <a:spcPts val="2400"/>
+              </a:lnSpc>
+              <a:defRPr>
+                <a:solidFill>
+                  <a:srgbClr val="000000"/>
+                </a:solidFill>
+              </a:defRPr>
+            </a:pPr>
+            <a:r>
+              <a:rPr sz="2400" b="0" i="0">
+                <a:latin typeface="Courier"/>
+              </a:rPr>
+              <a:t>p[ 3 ] = (-3141592.6535897935-5441398.092702653j)</a:t>
+            </a:r>
+            <a:endParaRPr sz="2400" b="0" i="0">
+              <a:latin typeface="Courier"/>
+            </a:endParaRPr>
+          </a:p>
+          <a:p>
+            <a:pPr>
+              <a:lnSpc>
+                <a:spcPts val="2400"/>
+              </a:lnSpc>
+              <a:defRPr>
+                <a:solidFill>
+                  <a:srgbClr val="000000"/>
+                </a:solidFill>
+              </a:defRPr>
+            </a:pPr>
+            <a:endParaRPr sz="2400" b="0" i="0">
+              <a:latin typeface="Courier"/>
+            </a:endParaRPr>
+          </a:p>
+        </p:txBody>
+      </p:sp>
+      <p:sp>
+        <p:nvSpPr>
+          <p:cNvPr id="3" name="Title 2"/>
+          <p:cNvSpPr>
+            <a:spLocks noGrp="1"/>
+          </p:cNvSpPr>
+          <p:nvPr>
+            <p:ph type="title"/>
+          </p:nvPr>
+        </p:nvSpPr>
+        <p:spPr/>
+        <p:txBody>
+          <a:bodyPr wrap="square">
+            <a:noAutofit/>
+          </a:bodyPr>
+          <a:lstStyle/>
+          <a:p>
             <a:r>
               <a:rPr sz="3200" b="1" i="0">
                 <a:latin typeface="Arial"/>
               </a:rPr>
-              <a:t>Opsplitsing derde orde Butterworth laagdoorlaatfilter</a:t>
+              <a:t>Polen derde orde Butterworth laagdoorlaatfilter(1 MHz)</a:t>
             </a:r>
             <a:endParaRPr sz="3200" b="1" i="0">
               <a:latin typeface="Arial"/>
@@ -6269,30 +6587,6 @@
           </a:p>
         </p:txBody>
       </p:sp>
-      <p:pic>
-        <p:nvPicPr>
-          <p:cNvPr id="3" name="Picture 2" descr="image.png"/>
-          <p:cNvPicPr>
-            <a:picLocks noChangeAspect="1"/>
-          </p:cNvPicPr>
-          <p:nvPr/>
-        </p:nvPicPr>
-        <p:blipFill>
-          <a:blip r:embed="rId2"/>
-          <a:stretch>
-            <a:fillRect/>
-          </a:stretch>
-        </p:blipFill>
-        <p:spPr>
-          <a:xfrm>
-            <a:off x="2070856" y="566928"/>
-            <a:ext cx="8050287" cy="5577840"/>
-          </a:xfrm>
-          <a:prstGeom prst="rect">
-            <a:avLst/>
-          </a:prstGeom>
-        </p:spPr>
-      </p:pic>
     </p:spTree>
   </p:cSld>
   <p:clrMapOvr>
@@ -6332,7 +6626,7 @@
               <a:rPr sz="3200" b="1" i="0">
                 <a:latin typeface="Arial"/>
               </a:rPr>
-              <a:t>Detail rond de afsnijfrequentie</a:t>
+              <a:t>Polen derde orde Butterworth laagdoorlaatfilter(1 MHz)</a:t>
             </a:r>
             <a:endParaRPr sz="3200" b="1" i="0">
               <a:latin typeface="Arial"/>
@@ -6356,8 +6650,8 @@
         </p:blipFill>
         <p:spPr>
           <a:xfrm>
-            <a:off x="2169754" y="566928"/>
-            <a:ext cx="7852491" cy="5577840"/>
+            <a:off x="3277512" y="566928"/>
+            <a:ext cx="5636976" cy="5669280"/>
           </a:xfrm>
           <a:prstGeom prst="rect">
             <a:avLst/>
@@ -6403,7 +6697,7 @@
               <a:rPr sz="3200" b="1" i="0">
                 <a:latin typeface="Arial"/>
               </a:rPr>
-              <a:t>Opsplitsing in de bouwblokken H1 en H2</a:t>
+              <a:t>Opsplitsing derde orde Butterworth laagdoorlaatfilter</a:t>
             </a:r>
             <a:endParaRPr sz="3200" b="1" i="0">
               <a:latin typeface="Arial"/>
@@ -6427,8 +6721,8 @@
         </p:blipFill>
         <p:spPr>
           <a:xfrm>
-            <a:off x="0" y="566928"/>
-            <a:ext cx="12192000" cy="5577840"/>
+            <a:off x="2004870" y="566928"/>
+            <a:ext cx="8182259" cy="5669280"/>
           </a:xfrm>
           <a:prstGeom prst="rect">
             <a:avLst/>
@@ -6474,7 +6768,7 @@
               <a:rPr sz="3200" b="1" i="0">
                 <a:latin typeface="Arial"/>
               </a:rPr>
-              <a:t>Implementatie tweede orde filter H1</a:t>
+              <a:t>Detail rond de afsnijfrequentie</a:t>
             </a:r>
             <a:endParaRPr sz="3200" b="1" i="0">
               <a:latin typeface="Arial"/>
@@ -6498,8 +6792,8 @@
         </p:blipFill>
         <p:spPr>
           <a:xfrm>
-            <a:off x="2110817" y="566928"/>
-            <a:ext cx="7970365" cy="5577840"/>
+            <a:off x="2105390" y="566928"/>
+            <a:ext cx="7981220" cy="5669280"/>
           </a:xfrm>
           <a:prstGeom prst="rect">
             <a:avLst/>
@@ -6545,7 +6839,7 @@
               <a:rPr sz="3200" b="1" i="0">
                 <a:latin typeface="Arial"/>
               </a:rPr>
-              <a:t>Implementatie eerste orde filter H2</a:t>
+              <a:t>Opsplitsing in de bouwblokken H1 en H2</a:t>
             </a:r>
             <a:endParaRPr sz="3200" b="1" i="0">
               <a:latin typeface="Arial"/>
@@ -6569,8 +6863,8 @@
         </p:blipFill>
         <p:spPr>
           <a:xfrm>
-            <a:off x="2363523" y="566928"/>
-            <a:ext cx="7464954" cy="5577840"/>
+            <a:off x="0" y="566928"/>
+            <a:ext cx="12192000" cy="5669280"/>
           </a:xfrm>
           <a:prstGeom prst="rect">
             <a:avLst/>
@@ -6657,7 +6951,7 @@
         </p:blipFill>
         <p:spPr>
           <a:xfrm>
-            <a:off x="4010025" y="868680"/>
+            <a:off x="4010025" y="566928"/>
             <a:ext cx="4171950" cy="923925"/>
           </a:xfrm>
           <a:prstGeom prst="rect">
@@ -6701,12 +6995,12 @@
           <a:lstStyle/>
           <a:p>
             <a:r>
-              <a:rPr sz="2600" b="1" i="0">
+              <a:rPr sz="3200" b="1" i="0">
                 <a:latin typeface="Arial"/>
               </a:rPr>
-              <a:t>Amplitude en fase vijfde orde Butterworth laagdoorlaatfilter (1 MHz)</a:t>
-            </a:r>
-            <a:endParaRPr sz="2600" b="1" i="0">
+              <a:t>Implementatie tweede orde filter H1</a:t>
+            </a:r>
+            <a:endParaRPr sz="3200" b="1" i="0">
               <a:latin typeface="Arial"/>
             </a:endParaRPr>
           </a:p>
@@ -6728,8 +7022,8 @@
         </p:blipFill>
         <p:spPr>
           <a:xfrm>
-            <a:off x="2070856" y="566928"/>
-            <a:ext cx="8050287" cy="5577840"/>
+            <a:off x="2045486" y="566928"/>
+            <a:ext cx="8101027" cy="5669280"/>
           </a:xfrm>
           <a:prstGeom prst="rect">
             <a:avLst/>
@@ -6775,7 +7069,7 @@
               <a:rPr sz="3200" b="1" i="0">
                 <a:latin typeface="Arial"/>
               </a:rPr>
-              <a:t>Polen vijfde orde Butterworth laagdoorlaatfilter (1 MHz)</a:t>
+              <a:t>Implementatie eerste orde filter H2</a:t>
             </a:r>
             <a:endParaRPr sz="3200" b="1" i="0">
               <a:latin typeface="Arial"/>
@@ -6799,8 +7093,8 @@
         </p:blipFill>
         <p:spPr>
           <a:xfrm>
-            <a:off x="3322971" y="566928"/>
-            <a:ext cx="5546057" cy="5577840"/>
+            <a:off x="2302335" y="566928"/>
+            <a:ext cx="7587330" cy="5669280"/>
           </a:xfrm>
           <a:prstGeom prst="rect">
             <a:avLst/>
@@ -6827,12 +7121,12 @@
       <p:grpSpPr/>
       <p:sp>
         <p:nvSpPr>
-          <p:cNvPr id="2" name="Title 1"/>
-          <p:cNvSpPr>
-            <a:spLocks noGrp="1"/>
-          </p:cNvSpPr>
-          <p:nvPr>
-            <p:ph type="title"/>
+          <p:cNvPr id="2" name="Content Placeholder 1"/>
+          <p:cNvSpPr>
+            <a:spLocks noGrp="1"/>
+          </p:cNvSpPr>
+          <p:nvPr>
+            <p:ph idx="1"/>
           </p:nvPr>
         </p:nvSpPr>
         <p:spPr/>
@@ -6842,42 +7136,240 @@
           </a:bodyPr>
           <a:lstStyle/>
           <a:p>
-            <a:r>
-              <a:rPr sz="3200" b="1" i="0">
+            <a:pPr>
+              <a:lnSpc>
+                <a:spcPts val="2400"/>
+              </a:lnSpc>
+              <a:defRPr>
+                <a:solidFill>
+                  <a:srgbClr val="000000"/>
+                </a:solidFill>
+              </a:defRPr>
+            </a:pPr>
+            <a:r>
+              <a:rPr sz="2400" b="0" i="0">
+                <a:latin typeface="Courier"/>
+              </a:rPr>
+              <a:t>Veelterm coefficienten teller: M= 0</a:t>
+            </a:r>
+            <a:endParaRPr sz="2400" b="0" i="0">
+              <a:latin typeface="Courier"/>
+            </a:endParaRPr>
+          </a:p>
+          <a:p>
+            <a:pPr>
+              <a:lnSpc>
+                <a:spcPts val="2400"/>
+              </a:lnSpc>
+              <a:defRPr>
+                <a:solidFill>
+                  <a:srgbClr val="000000"/>
+                </a:solidFill>
+              </a:defRPr>
+            </a:pPr>
+            <a:r>
+              <a:rPr sz="2400" b="0" i="0">
+                <a:latin typeface="Courier"/>
+              </a:rPr>
+              <a:t>b[ 0 ] = 9.792629913129003e+33</a:t>
+            </a:r>
+            <a:endParaRPr sz="2400" b="0" i="0">
+              <a:latin typeface="Courier"/>
+            </a:endParaRPr>
+          </a:p>
+          <a:p>
+            <a:pPr>
+              <a:lnSpc>
+                <a:spcPts val="2400"/>
+              </a:lnSpc>
+              <a:defRPr>
+                <a:solidFill>
+                  <a:srgbClr val="000000"/>
+                </a:solidFill>
+              </a:defRPr>
+            </a:pPr>
+            <a:r>
+              <a:rPr sz="2400" b="0" i="0">
+                <a:latin typeface="Courier"/>
+              </a:rPr>
+              <a:t>Veelterm coefficienten noemer: N= 5</a:t>
+            </a:r>
+            <a:endParaRPr sz="2400" b="0" i="0">
+              <a:latin typeface="Courier"/>
+            </a:endParaRPr>
+          </a:p>
+          <a:p>
+            <a:pPr>
+              <a:lnSpc>
+                <a:spcPts val="2400"/>
+              </a:lnSpc>
+              <a:defRPr>
+                <a:solidFill>
+                  <a:srgbClr val="000000"/>
+                </a:solidFill>
+              </a:defRPr>
+            </a:pPr>
+            <a:r>
+              <a:rPr sz="2400" b="0" i="0">
+                <a:latin typeface="Courier"/>
+              </a:rPr>
+              <a:t>a[ 5 ] = 1.0</a:t>
+            </a:r>
+            <a:endParaRPr sz="2400" b="0" i="0">
+              <a:latin typeface="Courier"/>
+            </a:endParaRPr>
+          </a:p>
+          <a:p>
+            <a:pPr>
+              <a:lnSpc>
+                <a:spcPts val="2400"/>
+              </a:lnSpc>
+              <a:defRPr>
+                <a:solidFill>
+                  <a:srgbClr val="000000"/>
+                </a:solidFill>
+              </a:defRPr>
+            </a:pPr>
+            <a:r>
+              <a:rPr sz="2400" b="0" i="0">
+                <a:latin typeface="Courier"/>
+              </a:rPr>
+              <a:t>a[ 4 ] = 20332814.76926104</a:t>
+            </a:r>
+            <a:endParaRPr sz="2400" b="0" i="0">
+              <a:latin typeface="Courier"/>
+            </a:endParaRPr>
+          </a:p>
+          <a:p>
+            <a:pPr>
+              <a:lnSpc>
+                <a:spcPts val="2400"/>
+              </a:lnSpc>
+              <a:defRPr>
+                <a:solidFill>
+                  <a:srgbClr val="000000"/>
+                </a:solidFill>
+              </a:defRPr>
+            </a:pPr>
+            <a:r>
+              <a:rPr sz="2400" b="0" i="0">
+                <a:latin typeface="Courier"/>
+              </a:rPr>
+              <a:t>a[ 3 ] = 206711678220539.9</a:t>
+            </a:r>
+            <a:endParaRPr sz="2400" b="0" i="0">
+              <a:latin typeface="Courier"/>
+            </a:endParaRPr>
+          </a:p>
+          <a:p>
+            <a:pPr>
+              <a:lnSpc>
+                <a:spcPts val="2400"/>
+              </a:lnSpc>
+              <a:defRPr>
+                <a:solidFill>
+                  <a:srgbClr val="000000"/>
+                </a:solidFill>
+              </a:defRPr>
+            </a:pPr>
+            <a:r>
+              <a:rPr sz="2400" b="0" i="0">
+                <a:latin typeface="Courier"/>
+              </a:rPr>
+              <a:t>a[ 2 ] = 1.2988077794177306e+21</a:t>
+            </a:r>
+            <a:endParaRPr sz="2400" b="0" i="0">
+              <a:latin typeface="Courier"/>
+            </a:endParaRPr>
+          </a:p>
+          <a:p>
+            <a:pPr>
+              <a:lnSpc>
+                <a:spcPts val="2400"/>
+              </a:lnSpc>
+              <a:defRPr>
+                <a:solidFill>
+                  <a:srgbClr val="000000"/>
+                </a:solidFill>
+              </a:defRPr>
+            </a:pPr>
+            <a:r>
+              <a:rPr sz="2400" b="0" i="0">
+                <a:latin typeface="Courier"/>
+              </a:rPr>
+              <a:t>a[ 1 ] = 5.043559043399954e+27</a:t>
+            </a:r>
+            <a:endParaRPr sz="2400" b="0" i="0">
+              <a:latin typeface="Courier"/>
+            </a:endParaRPr>
+          </a:p>
+          <a:p>
+            <a:pPr>
+              <a:lnSpc>
+                <a:spcPts val="2400"/>
+              </a:lnSpc>
+              <a:defRPr>
+                <a:solidFill>
+                  <a:srgbClr val="000000"/>
+                </a:solidFill>
+              </a:defRPr>
+            </a:pPr>
+            <a:r>
+              <a:rPr sz="2400" b="0" i="0">
+                <a:latin typeface="Courier"/>
+              </a:rPr>
+              <a:t>a[ 0 ] = 9.792629913129004e+33</a:t>
+            </a:r>
+            <a:endParaRPr sz="2400" b="0" i="0">
+              <a:latin typeface="Courier"/>
+            </a:endParaRPr>
+          </a:p>
+          <a:p>
+            <a:pPr>
+              <a:lnSpc>
+                <a:spcPts val="2400"/>
+              </a:lnSpc>
+              <a:defRPr>
+                <a:solidFill>
+                  <a:srgbClr val="000000"/>
+                </a:solidFill>
+              </a:defRPr>
+            </a:pPr>
+            <a:endParaRPr sz="2400" b="0" i="0">
+              <a:latin typeface="Courier"/>
+            </a:endParaRPr>
+          </a:p>
+        </p:txBody>
+      </p:sp>
+      <p:sp>
+        <p:nvSpPr>
+          <p:cNvPr id="3" name="Title 2"/>
+          <p:cNvSpPr>
+            <a:spLocks noGrp="1"/>
+          </p:cNvSpPr>
+          <p:nvPr>
+            <p:ph type="title"/>
+          </p:nvPr>
+        </p:nvSpPr>
+        <p:spPr/>
+        <p:txBody>
+          <a:bodyPr wrap="square">
+            <a:noAutofit/>
+          </a:bodyPr>
+          <a:lstStyle/>
+          <a:p>
+            <a:r>
+              <a:rPr sz="2400" b="1" i="0">
                 <a:latin typeface="Arial"/>
               </a:rPr>
-              <a:t>Opsplitsing in 3 transferfunkties</a:t>
-            </a:r>
-            <a:endParaRPr sz="3200" b="1" i="0">
+              <a:t>Coefficienten transferfunctie vijfde orde Butterworth laagdoorlaatfilter (1 MHz)</a:t>
+            </a:r>
+            <a:endParaRPr sz="2400" b="1" i="0">
               <a:latin typeface="Arial"/>
             </a:endParaRPr>
           </a:p>
         </p:txBody>
       </p:sp>
-      <p:pic>
-        <p:nvPicPr>
-          <p:cNvPr id="3" name="Picture 2" descr="image.png"/>
-          <p:cNvPicPr>
-            <a:picLocks noChangeAspect="1"/>
-          </p:cNvPicPr>
-          <p:nvPr/>
-        </p:nvPicPr>
-        <p:blipFill>
-          <a:blip r:embed="rId2"/>
-          <a:stretch>
-            <a:fillRect/>
-          </a:stretch>
-        </p:blipFill>
-        <p:spPr>
-          <a:xfrm>
-            <a:off x="2070856" y="566928"/>
-            <a:ext cx="8050287" cy="5577840"/>
-          </a:xfrm>
-          <a:prstGeom prst="rect">
-            <a:avLst/>
-          </a:prstGeom>
-        </p:spPr>
-      </p:pic>
     </p:spTree>
   </p:cSld>
   <p:clrMapOvr>
@@ -6914,12 +7406,12 @@
           <a:lstStyle/>
           <a:p>
             <a:r>
-              <a:rPr sz="3200" b="1" i="0">
+              <a:rPr sz="2600" b="1" i="0">
                 <a:latin typeface="Arial"/>
               </a:rPr>
-              <a:t>Hardware implementatie in 3 building blocks</a:t>
-            </a:r>
-            <a:endParaRPr sz="3200" b="1" i="0">
+              <a:t>Amplitude en fase vijfde orde Butterworth laagdoorlaatfilter (1 MHz)</a:t>
+            </a:r>
+            <a:endParaRPr sz="2600" b="1" i="0">
               <a:latin typeface="Arial"/>
             </a:endParaRPr>
           </a:p>
@@ -6941,8 +7433,8 @@
         </p:blipFill>
         <p:spPr>
           <a:xfrm>
-            <a:off x="0" y="566928"/>
-            <a:ext cx="12192000" cy="5577840"/>
+            <a:off x="2004870" y="566928"/>
+            <a:ext cx="8182259" cy="5669280"/>
           </a:xfrm>
           <a:prstGeom prst="rect">
             <a:avLst/>
@@ -6969,12 +7461,12 @@
       <p:grpSpPr/>
       <p:sp>
         <p:nvSpPr>
-          <p:cNvPr id="2" name="Title 1"/>
-          <p:cNvSpPr>
-            <a:spLocks noGrp="1"/>
-          </p:cNvSpPr>
-          <p:nvPr>
-            <p:ph type="title"/>
+          <p:cNvPr id="2" name="Content Placeholder 1"/>
+          <p:cNvSpPr>
+            <a:spLocks noGrp="1"/>
+          </p:cNvSpPr>
+          <p:nvPr>
+            <p:ph idx="1"/>
           </p:nvPr>
         </p:nvSpPr>
         <p:spPr/>
@@ -6984,42 +7476,198 @@
           </a:bodyPr>
           <a:lstStyle/>
           <a:p>
-            <a:r>
-              <a:rPr sz="2800" b="1" i="0">
+            <a:pPr>
+              <a:lnSpc>
+                <a:spcPts val="2400"/>
+              </a:lnSpc>
+              <a:defRPr>
+                <a:solidFill>
+                  <a:srgbClr val="000000"/>
+                </a:solidFill>
+              </a:defRPr>
+            </a:pPr>
+            <a:r>
+              <a:rPr sz="2400" b="0" i="0">
+                <a:latin typeface="Courier"/>
+              </a:rPr>
+              <a:t>Lijst der nullen: M= 0</a:t>
+            </a:r>
+            <a:endParaRPr sz="2400" b="0" i="0">
+              <a:latin typeface="Courier"/>
+            </a:endParaRPr>
+          </a:p>
+          <a:p>
+            <a:pPr>
+              <a:lnSpc>
+                <a:spcPts val="2400"/>
+              </a:lnSpc>
+              <a:defRPr>
+                <a:solidFill>
+                  <a:srgbClr val="000000"/>
+                </a:solidFill>
+              </a:defRPr>
+            </a:pPr>
+            <a:r>
+              <a:rPr sz="2400" b="0" i="0">
+                <a:latin typeface="Courier"/>
+              </a:rPr>
+              <a:t>Lijst der polen: N= 5</a:t>
+            </a:r>
+            <a:endParaRPr sz="2400" b="0" i="0">
+              <a:latin typeface="Courier"/>
+            </a:endParaRPr>
+          </a:p>
+          <a:p>
+            <a:pPr>
+              <a:lnSpc>
+                <a:spcPts val="2400"/>
+              </a:lnSpc>
+              <a:defRPr>
+                <a:solidFill>
+                  <a:srgbClr val="000000"/>
+                </a:solidFill>
+              </a:defRPr>
+            </a:pPr>
+            <a:r>
+              <a:rPr sz="2400" b="0" i="0">
+                <a:latin typeface="Courier"/>
+              </a:rPr>
+              <a:t>p[ 1 ] = (-1941611.0387254667+5975664.329483111j)</a:t>
+            </a:r>
+            <a:endParaRPr sz="2400" b="0" i="0">
+              <a:latin typeface="Courier"/>
+            </a:endParaRPr>
+          </a:p>
+          <a:p>
+            <a:pPr>
+              <a:lnSpc>
+                <a:spcPts val="2400"/>
+              </a:lnSpc>
+              <a:defRPr>
+                <a:solidFill>
+                  <a:srgbClr val="000000"/>
+                </a:solidFill>
+              </a:defRPr>
+            </a:pPr>
+            <a:r>
+              <a:rPr sz="2400" b="0" i="0">
+                <a:latin typeface="Courier"/>
+              </a:rPr>
+              <a:t>p[ 2 ] = (-5083203.69231526+3693163.6609809133j)</a:t>
+            </a:r>
+            <a:endParaRPr sz="2400" b="0" i="0">
+              <a:latin typeface="Courier"/>
+            </a:endParaRPr>
+          </a:p>
+          <a:p>
+            <a:pPr>
+              <a:lnSpc>
+                <a:spcPts val="2400"/>
+              </a:lnSpc>
+              <a:defRPr>
+                <a:solidFill>
+                  <a:srgbClr val="000000"/>
+                </a:solidFill>
+              </a:defRPr>
+            </a:pPr>
+            <a:r>
+              <a:rPr sz="2400" b="0" i="0">
+                <a:latin typeface="Courier"/>
+              </a:rPr>
+              <a:t>p[ 3 ] = (-6283185.307179586-0j)</a:t>
+            </a:r>
+            <a:endParaRPr sz="2400" b="0" i="0">
+              <a:latin typeface="Courier"/>
+            </a:endParaRPr>
+          </a:p>
+          <a:p>
+            <a:pPr>
+              <a:lnSpc>
+                <a:spcPts val="2400"/>
+              </a:lnSpc>
+              <a:defRPr>
+                <a:solidFill>
+                  <a:srgbClr val="000000"/>
+                </a:solidFill>
+              </a:defRPr>
+            </a:pPr>
+            <a:r>
+              <a:rPr sz="2400" b="0" i="0">
+                <a:latin typeface="Courier"/>
+              </a:rPr>
+              <a:t>p[ 4 ] = (-5083203.69231526-3693163.6609809133j)</a:t>
+            </a:r>
+            <a:endParaRPr sz="2400" b="0" i="0">
+              <a:latin typeface="Courier"/>
+            </a:endParaRPr>
+          </a:p>
+          <a:p>
+            <a:pPr>
+              <a:lnSpc>
+                <a:spcPts val="2400"/>
+              </a:lnSpc>
+              <a:defRPr>
+                <a:solidFill>
+                  <a:srgbClr val="000000"/>
+                </a:solidFill>
+              </a:defRPr>
+            </a:pPr>
+            <a:r>
+              <a:rPr sz="2400" b="0" i="0">
+                <a:latin typeface="Courier"/>
+              </a:rPr>
+              <a:t>p[ 5 ] = (-1941611.0387254667-5975664.329483111j)</a:t>
+            </a:r>
+            <a:endParaRPr sz="2400" b="0" i="0">
+              <a:latin typeface="Courier"/>
+            </a:endParaRPr>
+          </a:p>
+          <a:p>
+            <a:pPr>
+              <a:lnSpc>
+                <a:spcPts val="2400"/>
+              </a:lnSpc>
+              <a:defRPr>
+                <a:solidFill>
+                  <a:srgbClr val="000000"/>
+                </a:solidFill>
+              </a:defRPr>
+            </a:pPr>
+            <a:endParaRPr sz="2400" b="0" i="0">
+              <a:latin typeface="Courier"/>
+            </a:endParaRPr>
+          </a:p>
+        </p:txBody>
+      </p:sp>
+      <p:sp>
+        <p:nvSpPr>
+          <p:cNvPr id="3" name="Title 2"/>
+          <p:cNvSpPr>
+            <a:spLocks noGrp="1"/>
+          </p:cNvSpPr>
+          <p:nvPr>
+            <p:ph type="title"/>
+          </p:nvPr>
+        </p:nvSpPr>
+        <p:spPr/>
+        <p:txBody>
+          <a:bodyPr wrap="square">
+            <a:noAutofit/>
+          </a:bodyPr>
+          <a:lstStyle/>
+          <a:p>
+            <a:r>
+              <a:rPr sz="3200" b="1" i="0">
                 <a:latin typeface="Arial"/>
               </a:rPr>
-              <a:t>Vergelijking derde en vijfde orde Butterworth laagdoorlaatfilter</a:t>
-            </a:r>
-            <a:endParaRPr sz="2800" b="1" i="0">
+              <a:t>Polen vijfde orde Butterworth laagdoorlaatfilter (1 MHz)</a:t>
+            </a:r>
+            <a:endParaRPr sz="3200" b="1" i="0">
               <a:latin typeface="Arial"/>
             </a:endParaRPr>
           </a:p>
         </p:txBody>
       </p:sp>
-      <p:pic>
-        <p:nvPicPr>
-          <p:cNvPr id="3" name="Picture 2" descr="image.png"/>
-          <p:cNvPicPr>
-            <a:picLocks noChangeAspect="1"/>
-          </p:cNvPicPr>
-          <p:nvPr/>
-        </p:nvPicPr>
-        <p:blipFill>
-          <a:blip r:embed="rId2"/>
-          <a:stretch>
-            <a:fillRect/>
-          </a:stretch>
-        </p:blipFill>
-        <p:spPr>
-          <a:xfrm>
-            <a:off x="2070856" y="566928"/>
-            <a:ext cx="8050287" cy="5577840"/>
-          </a:xfrm>
-          <a:prstGeom prst="rect">
-            <a:avLst/>
-          </a:prstGeom>
-        </p:spPr>
-      </p:pic>
     </p:spTree>
   </p:cSld>
   <p:clrMapOvr>
@@ -7059,7 +7707,7 @@
               <a:rPr sz="3200" b="1" i="0">
                 <a:latin typeface="Arial"/>
               </a:rPr>
-              <a:t>7de orde Butterworth banddoorlaatfilter</a:t>
+              <a:t>Polen vijfde orde Butterworth laagdoorlaatfilter (1 MHz)</a:t>
             </a:r>
             <a:endParaRPr sz="3200" b="1" i="0">
               <a:latin typeface="Arial"/>
@@ -7083,8 +7731,8 @@
         </p:blipFill>
         <p:spPr>
           <a:xfrm>
-            <a:off x="2070856" y="566928"/>
-            <a:ext cx="8050287" cy="5577840"/>
+            <a:off x="3277512" y="566928"/>
+            <a:ext cx="5636976" cy="5669280"/>
           </a:xfrm>
           <a:prstGeom prst="rect">
             <a:avLst/>
@@ -7130,7 +7778,7 @@
               <a:rPr sz="3200" b="1" i="0">
                 <a:latin typeface="Arial"/>
               </a:rPr>
-              <a:t>Polen van een 7de orde Butterworth banddoorlaatfilter</a:t>
+              <a:t>Opsplitsing in 3 transferfunkties</a:t>
             </a:r>
             <a:endParaRPr sz="3200" b="1" i="0">
               <a:latin typeface="Arial"/>
@@ -7154,8 +7802,8 @@
         </p:blipFill>
         <p:spPr>
           <a:xfrm>
-            <a:off x="3322971" y="566928"/>
-            <a:ext cx="5546057" cy="5577840"/>
+            <a:off x="2004870" y="566928"/>
+            <a:ext cx="8182259" cy="5669280"/>
           </a:xfrm>
           <a:prstGeom prst="rect">
             <a:avLst/>
@@ -7198,12 +7846,12 @@
           <a:lstStyle/>
           <a:p>
             <a:r>
-              <a:rPr sz="2200" b="1" i="0">
+              <a:rPr sz="3200" b="1" i="0">
                 <a:latin typeface="Arial"/>
               </a:rPr>
-              <a:t>Vergelijking banddoorlaatfilter en opeenvolging laagdoorlaat- en hoogdoorlaatfilter</a:t>
-            </a:r>
-            <a:endParaRPr sz="2200" b="1" i="0">
+              <a:t>Hardware implementatie in 3 building blocks</a:t>
+            </a:r>
+            <a:endParaRPr sz="3200" b="1" i="0">
               <a:latin typeface="Arial"/>
             </a:endParaRPr>
           </a:p>
@@ -7225,8 +7873,8 @@
         </p:blipFill>
         <p:spPr>
           <a:xfrm>
-            <a:off x="2070856" y="566928"/>
-            <a:ext cx="8050287" cy="5577840"/>
+            <a:off x="0" y="566928"/>
+            <a:ext cx="12192000" cy="5669280"/>
           </a:xfrm>
           <a:prstGeom prst="rect">
             <a:avLst/>
@@ -7269,12 +7917,12 @@
           <a:lstStyle/>
           <a:p>
             <a:r>
-              <a:rPr sz="3200" b="1" i="0">
+              <a:rPr sz="2800" b="1" i="0">
                 <a:latin typeface="Arial"/>
               </a:rPr>
-              <a:t>Transferfunctie 7de orde Butterworth banddoorlaatfilter</a:t>
-            </a:r>
-            <a:endParaRPr sz="3200" b="1" i="0">
+              <a:t>Vergelijking derde en vijfde orde Butterworth laagdoorlaatfilter</a:t>
+            </a:r>
+            <a:endParaRPr sz="2800" b="1" i="0">
               <a:latin typeface="Arial"/>
             </a:endParaRPr>
           </a:p>
@@ -7296,8 +7944,8 @@
         </p:blipFill>
         <p:spPr>
           <a:xfrm>
-            <a:off x="2070856" y="566928"/>
-            <a:ext cx="8050287" cy="5577840"/>
+            <a:off x="2004870" y="566928"/>
+            <a:ext cx="8182259" cy="5669280"/>
           </a:xfrm>
           <a:prstGeom prst="rect">
             <a:avLst/>
@@ -7324,12 +7972,12 @@
       <p:grpSpPr/>
       <p:sp>
         <p:nvSpPr>
-          <p:cNvPr id="2" name="Title 1"/>
-          <p:cNvSpPr>
-            <a:spLocks noGrp="1"/>
-          </p:cNvSpPr>
-          <p:nvPr>
-            <p:ph type="title"/>
+          <p:cNvPr id="2" name="Content Placeholder 1"/>
+          <p:cNvSpPr>
+            <a:spLocks noGrp="1"/>
+          </p:cNvSpPr>
+          <p:nvPr>
+            <p:ph idx="1"/>
           </p:nvPr>
         </p:nvSpPr>
         <p:spPr/>
@@ -7339,11 +7987,260 @@
           </a:bodyPr>
           <a:lstStyle/>
           <a:p>
+            <a:pPr>
+              <a:lnSpc>
+                <a:spcPts val="2400"/>
+              </a:lnSpc>
+              <a:defRPr>
+                <a:solidFill>
+                  <a:srgbClr val="000000"/>
+                </a:solidFill>
+              </a:defRPr>
+            </a:pPr>
+            <a:r>
+              <a:rPr sz="2400" b="0" i="0">
+                <a:latin typeface="Courier"/>
+              </a:rPr>
+              <a:t>Veelterm coefficienten teller: M= 7</a:t>
+            </a:r>
+            <a:endParaRPr sz="2400" b="0" i="0">
+              <a:latin typeface="Courier"/>
+            </a:endParaRPr>
+          </a:p>
+          <a:p>
+            <a:pPr>
+              <a:lnSpc>
+                <a:spcPts val="2400"/>
+              </a:lnSpc>
+              <a:defRPr>
+                <a:solidFill>
+                  <a:srgbClr val="000000"/>
+                </a:solidFill>
+              </a:defRPr>
+            </a:pPr>
+            <a:r>
+              <a:rPr sz="2400" b="0" i="0">
+                <a:latin typeface="Courier"/>
+              </a:rPr>
+              <a:t>b[ 7 ] = 6.334013983218556e+58</a:t>
+            </a:r>
+            <a:endParaRPr sz="2400" b="0" i="0">
+              <a:latin typeface="Courier"/>
+            </a:endParaRPr>
+          </a:p>
+          <a:p>
+            <a:pPr>
+              <a:lnSpc>
+                <a:spcPts val="2400"/>
+              </a:lnSpc>
+              <a:defRPr>
+                <a:solidFill>
+                  <a:srgbClr val="000000"/>
+                </a:solidFill>
+              </a:defRPr>
+            </a:pPr>
+            <a:r>
+              <a:rPr sz="2400" b="0" i="0">
+                <a:latin typeface="Courier"/>
+              </a:rPr>
+              <a:t>b[ 6 ] = 0.0</a:t>
+            </a:r>
+            <a:endParaRPr sz="2400" b="0" i="0">
+              <a:latin typeface="Courier"/>
+            </a:endParaRPr>
+          </a:p>
+          <a:p>
+            <a:pPr>
+              <a:lnSpc>
+                <a:spcPts val="2400"/>
+              </a:lnSpc>
+              <a:defRPr>
+                <a:solidFill>
+                  <a:srgbClr val="000000"/>
+                </a:solidFill>
+              </a:defRPr>
+            </a:pPr>
+            <a:r>
+              <a:rPr sz="2400" b="0" i="0">
+                <a:latin typeface="Courier"/>
+              </a:rPr>
+              <a:t>b[ 5 ] = 0.0</a:t>
+            </a:r>
+            <a:endParaRPr sz="2400" b="0" i="0">
+              <a:latin typeface="Courier"/>
+            </a:endParaRPr>
+          </a:p>
+          <a:p>
+            <a:pPr>
+              <a:lnSpc>
+                <a:spcPts val="2400"/>
+              </a:lnSpc>
+              <a:defRPr>
+                <a:solidFill>
+                  <a:srgbClr val="000000"/>
+                </a:solidFill>
+              </a:defRPr>
+            </a:pPr>
+            <a:r>
+              <a:rPr sz="2400" b="0" i="0">
+                <a:latin typeface="Courier"/>
+              </a:rPr>
+              <a:t>b[ 4 ] = 0.0</a:t>
+            </a:r>
+            <a:endParaRPr sz="2400" b="0" i="0">
+              <a:latin typeface="Courier"/>
+            </a:endParaRPr>
+          </a:p>
+          <a:p>
+            <a:pPr>
+              <a:lnSpc>
+                <a:spcPts val="2400"/>
+              </a:lnSpc>
+              <a:defRPr>
+                <a:solidFill>
+                  <a:srgbClr val="000000"/>
+                </a:solidFill>
+              </a:defRPr>
+            </a:pPr>
+            <a:r>
+              <a:rPr sz="2400" b="0" i="0">
+                <a:latin typeface="Courier"/>
+              </a:rPr>
+              <a:t>b[ 3 ] = 0.0</a:t>
+            </a:r>
+            <a:endParaRPr sz="2400" b="0" i="0">
+              <a:latin typeface="Courier"/>
+            </a:endParaRPr>
+          </a:p>
+          <a:p>
+            <a:pPr>
+              <a:lnSpc>
+                <a:spcPts val="2400"/>
+              </a:lnSpc>
+              <a:defRPr>
+                <a:solidFill>
+                  <a:srgbClr val="000000"/>
+                </a:solidFill>
+              </a:defRPr>
+            </a:pPr>
+            <a:r>
+              <a:rPr sz="2400" b="0" i="0">
+                <a:latin typeface="Courier"/>
+              </a:rPr>
+              <a:t>b[ 2 ] = 0.0</a:t>
+            </a:r>
+            <a:endParaRPr sz="2400" b="0" i="0">
+              <a:latin typeface="Courier"/>
+            </a:endParaRPr>
+          </a:p>
+          <a:p>
+            <a:pPr>
+              <a:lnSpc>
+                <a:spcPts val="2400"/>
+              </a:lnSpc>
+              <a:defRPr>
+                <a:solidFill>
+                  <a:srgbClr val="000000"/>
+                </a:solidFill>
+              </a:defRPr>
+            </a:pPr>
+            <a:r>
+              <a:rPr sz="2400" b="0" i="0">
+                <a:latin typeface="Courier"/>
+              </a:rPr>
+              <a:t>b[ 1 ] = 0.0</a:t>
+            </a:r>
+            <a:endParaRPr sz="2400" b="0" i="0">
+              <a:latin typeface="Courier"/>
+            </a:endParaRPr>
+          </a:p>
+          <a:p>
+            <a:pPr>
+              <a:lnSpc>
+                <a:spcPts val="2400"/>
+              </a:lnSpc>
+              <a:defRPr>
+                <a:solidFill>
+                  <a:srgbClr val="000000"/>
+                </a:solidFill>
+              </a:defRPr>
+            </a:pPr>
+            <a:r>
+              <a:rPr sz="2400" b="0" i="0">
+                <a:latin typeface="Courier"/>
+              </a:rPr>
+              <a:t>b[ 0 ] = 0.0</a:t>
+            </a:r>
+            <a:endParaRPr sz="2400" b="0" i="0">
+              <a:latin typeface="Courier"/>
+            </a:endParaRPr>
+          </a:p>
+          <a:p>
+            <a:pPr>
+              <a:lnSpc>
+                <a:spcPts val="2400"/>
+              </a:lnSpc>
+              <a:defRPr>
+                <a:solidFill>
+                  <a:srgbClr val="000000"/>
+                </a:solidFill>
+              </a:defRPr>
+            </a:pPr>
+            <a:r>
+              <a:rPr sz="2400" b="0" i="0">
+                <a:latin typeface="Courier"/>
+              </a:rPr>
+              <a:t>Veelterm coefficienten noemer: N= 14</a:t>
+            </a:r>
+            <a:endParaRPr sz="2400" b="0" i="0">
+              <a:latin typeface="Courier"/>
+            </a:endParaRPr>
+          </a:p>
+          <a:p>
+            <a:pPr>
+              <a:lnSpc>
+                <a:spcPts val="2400"/>
+              </a:lnSpc>
+              <a:defRPr>
+                <a:solidFill>
+                  <a:srgbClr val="000000"/>
+                </a:solidFill>
+              </a:defRPr>
+            </a:pPr>
+            <a:r>
+              <a:rPr sz="2400" b="0" i="0">
+                <a:latin typeface="Courier"/>
+              </a:rPr>
+              <a:t>a[ 14 ] = 1.0</a:t>
+            </a:r>
+            <a:endParaRPr sz="2400" b="0" i="0">
+              <a:latin typeface="Courier"/>
+            </a:endParaRPr>
+          </a:p>
+        </p:txBody>
+      </p:sp>
+      <p:sp>
+        <p:nvSpPr>
+          <p:cNvPr id="3" name="Title 2"/>
+          <p:cNvSpPr>
+            <a:spLocks noGrp="1"/>
+          </p:cNvSpPr>
+          <p:nvPr>
+            <p:ph type="title"/>
+          </p:nvPr>
+        </p:nvSpPr>
+        <p:spPr/>
+        <p:txBody>
+          <a:bodyPr wrap="square">
+            <a:noAutofit/>
+          </a:bodyPr>
+          <a:lstStyle/>
+          <a:p>
             <a:r>
               <a:rPr sz="3200" b="1" i="0">
                 <a:latin typeface="Arial"/>
               </a:rPr>
-              <a:t>Polen van een 7de orde Butterworth banddoorlaatfilter</a:t>
+              <a:t>7de orde Butterworth banddoorlaatfilter</a:t>
             </a:r>
             <a:endParaRPr sz="3200" b="1" i="0">
               <a:latin typeface="Arial"/>
@@ -7351,30 +8248,6 @@
           </a:p>
         </p:txBody>
       </p:sp>
-      <p:pic>
-        <p:nvPicPr>
-          <p:cNvPr id="3" name="Picture 2" descr="image.png"/>
-          <p:cNvPicPr>
-            <a:picLocks noChangeAspect="1"/>
-          </p:cNvPicPr>
-          <p:nvPr/>
-        </p:nvPicPr>
-        <p:blipFill>
-          <a:blip r:embed="rId2"/>
-          <a:stretch>
-            <a:fillRect/>
-          </a:stretch>
-        </p:blipFill>
-        <p:spPr>
-          <a:xfrm>
-            <a:off x="3322971" y="566928"/>
-            <a:ext cx="5546057" cy="5577840"/>
-          </a:xfrm>
-          <a:prstGeom prst="rect">
-            <a:avLst/>
-          </a:prstGeom>
-        </p:spPr>
-      </p:pic>
     </p:spTree>
   </p:cSld>
   <p:clrMapOvr>
@@ -7438,8 +8311,8 @@
         </p:blipFill>
         <p:spPr>
           <a:xfrm>
-            <a:off x="2518546" y="566928"/>
-            <a:ext cx="7154908" cy="5577840"/>
+            <a:off x="2459899" y="566928"/>
+            <a:ext cx="7272201" cy="5669280"/>
           </a:xfrm>
           <a:prstGeom prst="rect">
             <a:avLst/>
@@ -7466,12 +8339,12 @@
       <p:grpSpPr/>
       <p:sp>
         <p:nvSpPr>
-          <p:cNvPr id="2" name="Title 1"/>
-          <p:cNvSpPr>
-            <a:spLocks noGrp="1"/>
-          </p:cNvSpPr>
-          <p:nvPr>
-            <p:ph type="title"/>
+          <p:cNvPr id="2" name="Content Placeholder 1"/>
+          <p:cNvSpPr>
+            <a:spLocks noGrp="1"/>
+          </p:cNvSpPr>
+          <p:nvPr>
+            <p:ph idx="1"/>
           </p:nvPr>
         </p:nvSpPr>
         <p:spPr/>
@@ -7481,42 +8354,267 @@
           </a:bodyPr>
           <a:lstStyle/>
           <a:p>
-            <a:r>
-              <a:rPr sz="2200" b="1" i="0">
+            <a:pPr>
+              <a:lnSpc>
+                <a:spcPts val="2400"/>
+              </a:lnSpc>
+              <a:defRPr>
+                <a:solidFill>
+                  <a:srgbClr val="000000"/>
+                </a:solidFill>
+              </a:defRPr>
+            </a:pPr>
+            <a:r>
+              <a:rPr sz="2400" b="0" i="0">
+                <a:latin typeface="Courier"/>
+              </a:rPr>
+              <a:t>a[ 13 ] = 1129455138.528784</a:t>
+            </a:r>
+            <a:endParaRPr sz="2400" b="0" i="0">
+              <a:latin typeface="Courier"/>
+            </a:endParaRPr>
+          </a:p>
+          <a:p>
+            <a:pPr>
+              <a:lnSpc>
+                <a:spcPts val="2400"/>
+              </a:lnSpc>
+              <a:defRPr>
+                <a:solidFill>
+                  <a:srgbClr val="000000"/>
+                </a:solidFill>
+              </a:defRPr>
+            </a:pPr>
+            <a:r>
+              <a:rPr sz="2400" b="0" i="0">
+                <a:latin typeface="Courier"/>
+              </a:rPr>
+              <a:t>a[ 12 ] = 7.760089165897884e+17</a:t>
+            </a:r>
+            <a:endParaRPr sz="2400" b="0" i="0">
+              <a:latin typeface="Courier"/>
+            </a:endParaRPr>
+          </a:p>
+          <a:p>
+            <a:pPr>
+              <a:lnSpc>
+                <a:spcPts val="2400"/>
+              </a:lnSpc>
+              <a:defRPr>
+                <a:solidFill>
+                  <a:srgbClr val="000000"/>
+                </a:solidFill>
+              </a:defRPr>
+            </a:pPr>
+            <a:r>
+              <a:rPr sz="2400" b="0" i="0">
+                <a:latin typeface="Courier"/>
+              </a:rPr>
+              <a:t>a[ 11 ] = 3.654151505077993e+26</a:t>
+            </a:r>
+            <a:endParaRPr sz="2400" b="0" i="0">
+              <a:latin typeface="Courier"/>
+            </a:endParaRPr>
+          </a:p>
+          <a:p>
+            <a:pPr>
+              <a:lnSpc>
+                <a:spcPts val="2400"/>
+              </a:lnSpc>
+              <a:defRPr>
+                <a:solidFill>
+                  <a:srgbClr val="000000"/>
+                </a:solidFill>
+              </a:defRPr>
+            </a:pPr>
+            <a:r>
+              <a:rPr sz="2400" b="0" i="0">
+                <a:latin typeface="Courier"/>
+              </a:rPr>
+              <a:t>a[ 10 ] = 1.293535546920629e+35</a:t>
+            </a:r>
+            <a:endParaRPr sz="2400" b="0" i="0">
+              <a:latin typeface="Courier"/>
+            </a:endParaRPr>
+          </a:p>
+          <a:p>
+            <a:pPr>
+              <a:lnSpc>
+                <a:spcPts val="2400"/>
+              </a:lnSpc>
+              <a:defRPr>
+                <a:solidFill>
+                  <a:srgbClr val="000000"/>
+                </a:solidFill>
+              </a:defRPr>
+            </a:pPr>
+            <a:r>
+              <a:rPr sz="2400" b="0" i="0">
+                <a:latin typeface="Courier"/>
+              </a:rPr>
+              <a:t>a[ 9 ] = 3.5017090931362664e+43</a:t>
+            </a:r>
+            <a:endParaRPr sz="2400" b="0" i="0">
+              <a:latin typeface="Courier"/>
+            </a:endParaRPr>
+          </a:p>
+          <a:p>
+            <a:pPr>
+              <a:lnSpc>
+                <a:spcPts val="2400"/>
+              </a:lnSpc>
+              <a:defRPr>
+                <a:solidFill>
+                  <a:srgbClr val="000000"/>
+                </a:solidFill>
+              </a:defRPr>
+            </a:pPr>
+            <a:r>
+              <a:rPr sz="2400" b="0" i="0">
+                <a:latin typeface="Courier"/>
+              </a:rPr>
+              <a:t>a[ 8 ] = 7.334620231296047e+51</a:t>
+            </a:r>
+            <a:endParaRPr sz="2400" b="0" i="0">
+              <a:latin typeface="Courier"/>
+            </a:endParaRPr>
+          </a:p>
+          <a:p>
+            <a:pPr>
+              <a:lnSpc>
+                <a:spcPts val="2400"/>
+              </a:lnSpc>
+              <a:defRPr>
+                <a:solidFill>
+                  <a:srgbClr val="000000"/>
+                </a:solidFill>
+              </a:defRPr>
+            </a:pPr>
+            <a:r>
+              <a:rPr sz="2400" b="0" i="0">
+                <a:latin typeface="Courier"/>
+              </a:rPr>
+              <a:t>a[ 7 ] = 1.1783749530590898e+60</a:t>
+            </a:r>
+            <a:endParaRPr sz="2400" b="0" i="0">
+              <a:latin typeface="Courier"/>
+            </a:endParaRPr>
+          </a:p>
+          <a:p>
+            <a:pPr>
+              <a:lnSpc>
+                <a:spcPts val="2400"/>
+              </a:lnSpc>
+              <a:defRPr>
+                <a:solidFill>
+                  <a:srgbClr val="000000"/>
+                </a:solidFill>
+              </a:defRPr>
+            </a:pPr>
+            <a:r>
+              <a:rPr sz="2400" b="0" i="0">
+                <a:latin typeface="Courier"/>
+              </a:rPr>
+              <a:t>a[ 6 ] = 1.4477960023023706e+68</a:t>
+            </a:r>
+            <a:endParaRPr sz="2400" b="0" i="0">
+              <a:latin typeface="Courier"/>
+            </a:endParaRPr>
+          </a:p>
+          <a:p>
+            <a:pPr>
+              <a:lnSpc>
+                <a:spcPts val="2400"/>
+              </a:lnSpc>
+              <a:defRPr>
+                <a:solidFill>
+                  <a:srgbClr val="000000"/>
+                </a:solidFill>
+              </a:defRPr>
+            </a:pPr>
+            <a:r>
+              <a:rPr sz="2400" b="0" i="0">
+                <a:latin typeface="Courier"/>
+              </a:rPr>
+              <a:t>a[ 5 ] = 1.3643931993116192e+76</a:t>
+            </a:r>
+            <a:endParaRPr sz="2400" b="0" i="0">
+              <a:latin typeface="Courier"/>
+            </a:endParaRPr>
+          </a:p>
+          <a:p>
+            <a:pPr>
+              <a:lnSpc>
+                <a:spcPts val="2400"/>
+              </a:lnSpc>
+              <a:defRPr>
+                <a:solidFill>
+                  <a:srgbClr val="000000"/>
+                </a:solidFill>
+              </a:defRPr>
+            </a:pPr>
+            <a:r>
+              <a:rPr sz="2400" b="0" i="0">
+                <a:latin typeface="Courier"/>
+              </a:rPr>
+              <a:t>a[ 4 ] = 9.948728770520122e+83</a:t>
+            </a:r>
+            <a:endParaRPr sz="2400" b="0" i="0">
+              <a:latin typeface="Courier"/>
+            </a:endParaRPr>
+          </a:p>
+          <a:p>
+            <a:pPr>
+              <a:lnSpc>
+                <a:spcPts val="2400"/>
+              </a:lnSpc>
+              <a:defRPr>
+                <a:solidFill>
+                  <a:srgbClr val="000000"/>
+                </a:solidFill>
+              </a:defRPr>
+            </a:pPr>
+            <a:r>
+              <a:rPr sz="2400" b="0" i="0">
+                <a:latin typeface="Courier"/>
+              </a:rPr>
+              <a:t>a[ 3 ] = 5.547604782936569e+91</a:t>
+            </a:r>
+            <a:endParaRPr sz="2400" b="0" i="0">
+              <a:latin typeface="Courier"/>
+            </a:endParaRPr>
+          </a:p>
+        </p:txBody>
+      </p:sp>
+      <p:sp>
+        <p:nvSpPr>
+          <p:cNvPr id="3" name="Title 2"/>
+          <p:cNvSpPr>
+            <a:spLocks noGrp="1"/>
+          </p:cNvSpPr>
+          <p:nvPr>
+            <p:ph type="title"/>
+          </p:nvPr>
+        </p:nvSpPr>
+        <p:spPr/>
+        <p:txBody>
+          <a:bodyPr wrap="square">
+            <a:noAutofit/>
+          </a:bodyPr>
+          <a:lstStyle/>
+          <a:p>
+            <a:r>
+              <a:rPr sz="3200" b="1" i="0">
                 <a:latin typeface="Arial"/>
               </a:rPr>
-              <a:t>Vergelijking 7de orde banddoorlaatfilter en opeenvolging laagdoorlaat- en hoogdoorlaatfilter</a:t>
-            </a:r>
-            <a:endParaRPr sz="2200" b="1" i="0">
+              <a:t>7de orde Butterworth banddoorlaatfilter</a:t>
+            </a:r>
+            <a:endParaRPr sz="3200" b="1" i="0">
               <a:latin typeface="Arial"/>
             </a:endParaRPr>
           </a:p>
         </p:txBody>
       </p:sp>
-      <p:pic>
-        <p:nvPicPr>
-          <p:cNvPr id="3" name="Picture 2" descr="image.png"/>
-          <p:cNvPicPr>
-            <a:picLocks noChangeAspect="1"/>
-          </p:cNvPicPr>
-          <p:nvPr/>
-        </p:nvPicPr>
-        <p:blipFill>
-          <a:blip r:embed="rId2"/>
-          <a:stretch>
-            <a:fillRect/>
-          </a:stretch>
-        </p:blipFill>
-        <p:spPr>
-          <a:xfrm>
-            <a:off x="2070856" y="566928"/>
-            <a:ext cx="8050287" cy="5577840"/>
-          </a:xfrm>
-          <a:prstGeom prst="rect">
-            <a:avLst/>
-          </a:prstGeom>
-        </p:spPr>
-      </p:pic>
     </p:spTree>
   </p:cSld>
   <p:clrMapOvr>
@@ -7537,12 +8635,12 @@
       <p:grpSpPr/>
       <p:sp>
         <p:nvSpPr>
-          <p:cNvPr id="2" name="Title 1"/>
-          <p:cNvSpPr>
-            <a:spLocks noGrp="1"/>
-          </p:cNvSpPr>
-          <p:nvPr>
-            <p:ph type="title"/>
+          <p:cNvPr id="2" name="Content Placeholder 1"/>
+          <p:cNvSpPr>
+            <a:spLocks noGrp="1"/>
+          </p:cNvSpPr>
+          <p:nvPr>
+            <p:ph idx="1"/>
           </p:nvPr>
         </p:nvSpPr>
         <p:spPr/>
@@ -7552,11 +8650,107 @@
           </a:bodyPr>
           <a:lstStyle/>
           <a:p>
+            <a:pPr>
+              <a:lnSpc>
+                <a:spcPts val="2400"/>
+              </a:lnSpc>
+              <a:defRPr>
+                <a:solidFill>
+                  <a:srgbClr val="000000"/>
+                </a:solidFill>
+              </a:defRPr>
+            </a:pPr>
+            <a:r>
+              <a:rPr sz="2400" b="0" i="0">
+                <a:latin typeface="Courier"/>
+              </a:rPr>
+              <a:t>a[ 2 ] = 2.325495035605259e+99</a:t>
+            </a:r>
+            <a:endParaRPr sz="2400" b="0" i="0">
+              <a:latin typeface="Courier"/>
+            </a:endParaRPr>
+          </a:p>
+          <a:p>
+            <a:pPr>
+              <a:lnSpc>
+                <a:spcPts val="2400"/>
+              </a:lnSpc>
+              <a:defRPr>
+                <a:solidFill>
+                  <a:srgbClr val="000000"/>
+                </a:solidFill>
+              </a:defRPr>
+            </a:pPr>
+            <a:r>
+              <a:rPr sz="2400" b="0" i="0">
+                <a:latin typeface="Courier"/>
+              </a:rPr>
+              <a:t>a[ 1 ] = 6.681091689314365e+106</a:t>
+            </a:r>
+            <a:endParaRPr sz="2400" b="0" i="0">
+              <a:latin typeface="Courier"/>
+            </a:endParaRPr>
+          </a:p>
+          <a:p>
+            <a:pPr>
+              <a:lnSpc>
+                <a:spcPts val="2400"/>
+              </a:lnSpc>
+              <a:defRPr>
+                <a:solidFill>
+                  <a:srgbClr val="000000"/>
+                </a:solidFill>
+              </a:defRPr>
+            </a:pPr>
+            <a:r>
+              <a:rPr sz="2400" b="0" i="0">
+                <a:latin typeface="Courier"/>
+              </a:rPr>
+              <a:t>a[ 0 ] = 1.1676379112645588e+114</a:t>
+            </a:r>
+            <a:endParaRPr sz="2400" b="0" i="0">
+              <a:latin typeface="Courier"/>
+            </a:endParaRPr>
+          </a:p>
+          <a:p>
+            <a:pPr>
+              <a:lnSpc>
+                <a:spcPts val="2400"/>
+              </a:lnSpc>
+              <a:defRPr>
+                <a:solidFill>
+                  <a:srgbClr val="000000"/>
+                </a:solidFill>
+              </a:defRPr>
+            </a:pPr>
+            <a:endParaRPr sz="2400" b="0" i="0">
+              <a:latin typeface="Courier"/>
+            </a:endParaRPr>
+          </a:p>
+        </p:txBody>
+      </p:sp>
+      <p:sp>
+        <p:nvSpPr>
+          <p:cNvPr id="3" name="Title 2"/>
+          <p:cNvSpPr>
+            <a:spLocks noGrp="1"/>
+          </p:cNvSpPr>
+          <p:nvPr>
+            <p:ph type="title"/>
+          </p:nvPr>
+        </p:nvSpPr>
+        <p:spPr/>
+        <p:txBody>
+          <a:bodyPr wrap="square">
+            <a:noAutofit/>
+          </a:bodyPr>
+          <a:lstStyle/>
+          <a:p>
             <a:r>
               <a:rPr sz="3200" b="1" i="0">
                 <a:latin typeface="Arial"/>
               </a:rPr>
-              <a:t>40 MHz Chebyshev laagdoorlaatfilter</a:t>
+              <a:t>7de orde Butterworth banddoorlaatfilter</a:t>
             </a:r>
             <a:endParaRPr sz="3200" b="1" i="0">
               <a:latin typeface="Arial"/>
@@ -7564,30 +8758,6 @@
           </a:p>
         </p:txBody>
       </p:sp>
-      <p:pic>
-        <p:nvPicPr>
-          <p:cNvPr id="3" name="Picture 2" descr="image.png"/>
-          <p:cNvPicPr>
-            <a:picLocks noChangeAspect="1"/>
-          </p:cNvPicPr>
-          <p:nvPr/>
-        </p:nvPicPr>
-        <p:blipFill>
-          <a:blip r:embed="rId2"/>
-          <a:stretch>
-            <a:fillRect/>
-          </a:stretch>
-        </p:blipFill>
-        <p:spPr>
-          <a:xfrm>
-            <a:off x="2070856" y="566928"/>
-            <a:ext cx="8050287" cy="5577840"/>
-          </a:xfrm>
-          <a:prstGeom prst="rect">
-            <a:avLst/>
-          </a:prstGeom>
-        </p:spPr>
-      </p:pic>
     </p:spTree>
   </p:cSld>
   <p:clrMapOvr>
@@ -7627,7 +8797,7 @@
               <a:rPr sz="3200" b="1" i="0">
                 <a:latin typeface="Arial"/>
               </a:rPr>
-              <a:t>detail van de 6dB passband</a:t>
+              <a:t>7de orde Butterworth banddoorlaatfilter</a:t>
             </a:r>
             <a:endParaRPr sz="3200" b="1" i="0">
               <a:latin typeface="Arial"/>
@@ -7651,8 +8821,8 @@
         </p:blipFill>
         <p:spPr>
           <a:xfrm>
-            <a:off x="2070856" y="566928"/>
-            <a:ext cx="8050287" cy="5577840"/>
+            <a:off x="2004870" y="566928"/>
+            <a:ext cx="8182259" cy="5669280"/>
           </a:xfrm>
           <a:prstGeom prst="rect">
             <a:avLst/>
@@ -7679,12 +8849,12 @@
       <p:grpSpPr/>
       <p:sp>
         <p:nvSpPr>
-          <p:cNvPr id="2" name="Title 1"/>
-          <p:cNvSpPr>
-            <a:spLocks noGrp="1"/>
-          </p:cNvSpPr>
-          <p:nvPr>
-            <p:ph type="title"/>
+          <p:cNvPr id="2" name="Content Placeholder 1"/>
+          <p:cNvSpPr>
+            <a:spLocks noGrp="1"/>
+          </p:cNvSpPr>
+          <p:nvPr>
+            <p:ph idx="1"/>
           </p:nvPr>
         </p:nvSpPr>
         <p:spPr/>
@@ -7694,11 +8864,260 @@
           </a:bodyPr>
           <a:lstStyle/>
           <a:p>
+            <a:pPr>
+              <a:lnSpc>
+                <a:spcPts val="2400"/>
+              </a:lnSpc>
+              <a:defRPr>
+                <a:solidFill>
+                  <a:srgbClr val="000000"/>
+                </a:solidFill>
+              </a:defRPr>
+            </a:pPr>
+            <a:r>
+              <a:rPr sz="2400" b="0" i="0">
+                <a:latin typeface="Courier"/>
+              </a:rPr>
+              <a:t>Lijst der nullen: M= 7</a:t>
+            </a:r>
+            <a:endParaRPr sz="2400" b="0" i="0">
+              <a:latin typeface="Courier"/>
+            </a:endParaRPr>
+          </a:p>
+          <a:p>
+            <a:pPr>
+              <a:lnSpc>
+                <a:spcPts val="2400"/>
+              </a:lnSpc>
+              <a:defRPr>
+                <a:solidFill>
+                  <a:srgbClr val="000000"/>
+                </a:solidFill>
+              </a:defRPr>
+            </a:pPr>
+            <a:r>
+              <a:rPr sz="2400" b="0" i="0">
+                <a:latin typeface="Courier"/>
+              </a:rPr>
+              <a:t>z[ 1 ] = 0j</a:t>
+            </a:r>
+            <a:endParaRPr sz="2400" b="0" i="0">
+              <a:latin typeface="Courier"/>
+            </a:endParaRPr>
+          </a:p>
+          <a:p>
+            <a:pPr>
+              <a:lnSpc>
+                <a:spcPts val="2400"/>
+              </a:lnSpc>
+              <a:defRPr>
+                <a:solidFill>
+                  <a:srgbClr val="000000"/>
+                </a:solidFill>
+              </a:defRPr>
+            </a:pPr>
+            <a:r>
+              <a:rPr sz="2400" b="0" i="0">
+                <a:latin typeface="Courier"/>
+              </a:rPr>
+              <a:t>z[ 2 ] = 0j</a:t>
+            </a:r>
+            <a:endParaRPr sz="2400" b="0" i="0">
+              <a:latin typeface="Courier"/>
+            </a:endParaRPr>
+          </a:p>
+          <a:p>
+            <a:pPr>
+              <a:lnSpc>
+                <a:spcPts val="2400"/>
+              </a:lnSpc>
+              <a:defRPr>
+                <a:solidFill>
+                  <a:srgbClr val="000000"/>
+                </a:solidFill>
+              </a:defRPr>
+            </a:pPr>
+            <a:r>
+              <a:rPr sz="2400" b="0" i="0">
+                <a:latin typeface="Courier"/>
+              </a:rPr>
+              <a:t>z[ 3 ] = 0j</a:t>
+            </a:r>
+            <a:endParaRPr sz="2400" b="0" i="0">
+              <a:latin typeface="Courier"/>
+            </a:endParaRPr>
+          </a:p>
+          <a:p>
+            <a:pPr>
+              <a:lnSpc>
+                <a:spcPts val="2400"/>
+              </a:lnSpc>
+              <a:defRPr>
+                <a:solidFill>
+                  <a:srgbClr val="000000"/>
+                </a:solidFill>
+              </a:defRPr>
+            </a:pPr>
+            <a:r>
+              <a:rPr sz="2400" b="0" i="0">
+                <a:latin typeface="Courier"/>
+              </a:rPr>
+              <a:t>z[ 4 ] = 0j</a:t>
+            </a:r>
+            <a:endParaRPr sz="2400" b="0" i="0">
+              <a:latin typeface="Courier"/>
+            </a:endParaRPr>
+          </a:p>
+          <a:p>
+            <a:pPr>
+              <a:lnSpc>
+                <a:spcPts val="2400"/>
+              </a:lnSpc>
+              <a:defRPr>
+                <a:solidFill>
+                  <a:srgbClr val="000000"/>
+                </a:solidFill>
+              </a:defRPr>
+            </a:pPr>
+            <a:r>
+              <a:rPr sz="2400" b="0" i="0">
+                <a:latin typeface="Courier"/>
+              </a:rPr>
+              <a:t>z[ 5 ] = 0j</a:t>
+            </a:r>
+            <a:endParaRPr sz="2400" b="0" i="0">
+              <a:latin typeface="Courier"/>
+            </a:endParaRPr>
+          </a:p>
+          <a:p>
+            <a:pPr>
+              <a:lnSpc>
+                <a:spcPts val="2400"/>
+              </a:lnSpc>
+              <a:defRPr>
+                <a:solidFill>
+                  <a:srgbClr val="000000"/>
+                </a:solidFill>
+              </a:defRPr>
+            </a:pPr>
+            <a:r>
+              <a:rPr sz="2400" b="0" i="0">
+                <a:latin typeface="Courier"/>
+              </a:rPr>
+              <a:t>z[ 6 ] = 0j</a:t>
+            </a:r>
+            <a:endParaRPr sz="2400" b="0" i="0">
+              <a:latin typeface="Courier"/>
+            </a:endParaRPr>
+          </a:p>
+          <a:p>
+            <a:pPr>
+              <a:lnSpc>
+                <a:spcPts val="2400"/>
+              </a:lnSpc>
+              <a:defRPr>
+                <a:solidFill>
+                  <a:srgbClr val="000000"/>
+                </a:solidFill>
+              </a:defRPr>
+            </a:pPr>
+            <a:r>
+              <a:rPr sz="2400" b="0" i="0">
+                <a:latin typeface="Courier"/>
+              </a:rPr>
+              <a:t>z[ 7 ] = 0j</a:t>
+            </a:r>
+            <a:endParaRPr sz="2400" b="0" i="0">
+              <a:latin typeface="Courier"/>
+            </a:endParaRPr>
+          </a:p>
+          <a:p>
+            <a:pPr>
+              <a:lnSpc>
+                <a:spcPts val="2400"/>
+              </a:lnSpc>
+              <a:defRPr>
+                <a:solidFill>
+                  <a:srgbClr val="000000"/>
+                </a:solidFill>
+              </a:defRPr>
+            </a:pPr>
+            <a:r>
+              <a:rPr sz="2400" b="0" i="0">
+                <a:latin typeface="Courier"/>
+              </a:rPr>
+              <a:t>Lijst der polen: N= 14</a:t>
+            </a:r>
+            <a:endParaRPr sz="2400" b="0" i="0">
+              <a:latin typeface="Courier"/>
+            </a:endParaRPr>
+          </a:p>
+          <a:p>
+            <a:pPr>
+              <a:lnSpc>
+                <a:spcPts val="2400"/>
+              </a:lnSpc>
+              <a:defRPr>
+                <a:solidFill>
+                  <a:srgbClr val="000000"/>
+                </a:solidFill>
+              </a:defRPr>
+            </a:pPr>
+            <a:r>
+              <a:rPr sz="2400" b="0" i="0">
+                <a:latin typeface="Courier"/>
+              </a:rPr>
+              <a:t>p[ 1 ] = (-9467553.01746494-62713329.10036281j)</a:t>
+            </a:r>
+            <a:endParaRPr sz="2400" b="0" i="0">
+              <a:latin typeface="Courier"/>
+            </a:endParaRPr>
+          </a:p>
+          <a:p>
+            <a:pPr>
+              <a:lnSpc>
+                <a:spcPts val="2400"/>
+              </a:lnSpc>
+              <a:defRPr>
+                <a:solidFill>
+                  <a:srgbClr val="000000"/>
+                </a:solidFill>
+              </a:defRPr>
+            </a:pPr>
+            <a:r>
+              <a:rPr sz="2400" b="0" i="0">
+                <a:latin typeface="Courier"/>
+              </a:rPr>
+              <a:t>p[ 2 ] = (-30211474.606362037-61659756.49600357j)</a:t>
+            </a:r>
+            <a:endParaRPr sz="2400" b="0" i="0">
+              <a:latin typeface="Courier"/>
+            </a:endParaRPr>
+          </a:p>
+        </p:txBody>
+      </p:sp>
+      <p:sp>
+        <p:nvSpPr>
+          <p:cNvPr id="3" name="Title 2"/>
+          <p:cNvSpPr>
+            <a:spLocks noGrp="1"/>
+          </p:cNvSpPr>
+          <p:nvPr>
+            <p:ph type="title"/>
+          </p:nvPr>
+        </p:nvSpPr>
+        <p:spPr/>
+        <p:txBody>
+          <a:bodyPr wrap="square">
+            <a:noAutofit/>
+          </a:bodyPr>
+          <a:lstStyle/>
+          <a:p>
             <a:r>
               <a:rPr sz="3200" b="1" i="0">
                 <a:latin typeface="Arial"/>
               </a:rPr>
-              <a:t>Polen derde orde 40 MHz Chebyshev laagdoorlaatfilter</a:t>
+              <a:t>polen van een 7de orde Butterworth banddoorlaatfilter</a:t>
             </a:r>
             <a:endParaRPr sz="3200" b="1" i="0">
               <a:latin typeface="Arial"/>
@@ -7706,30 +9125,6 @@
           </a:p>
         </p:txBody>
       </p:sp>
-      <p:pic>
-        <p:nvPicPr>
-          <p:cNvPr id="3" name="Picture 2" descr="image.png"/>
-          <p:cNvPicPr>
-            <a:picLocks noChangeAspect="1"/>
-          </p:cNvPicPr>
-          <p:nvPr/>
-        </p:nvPicPr>
-        <p:blipFill>
-          <a:blip r:embed="rId2"/>
-          <a:stretch>
-            <a:fillRect/>
-          </a:stretch>
-        </p:blipFill>
-        <p:spPr>
-          <a:xfrm>
-            <a:off x="3322971" y="566928"/>
-            <a:ext cx="5546057" cy="5577840"/>
-          </a:xfrm>
-          <a:prstGeom prst="rect">
-            <a:avLst/>
-          </a:prstGeom>
-        </p:spPr>
-      </p:pic>
     </p:spTree>
   </p:cSld>
   <p:clrMapOvr>
@@ -7750,12 +9145,12 @@
       <p:grpSpPr/>
       <p:sp>
         <p:nvSpPr>
-          <p:cNvPr id="2" name="Title 1"/>
-          <p:cNvSpPr>
-            <a:spLocks noGrp="1"/>
-          </p:cNvSpPr>
-          <p:nvPr>
-            <p:ph type="title"/>
+          <p:cNvPr id="2" name="Content Placeholder 1"/>
+          <p:cNvSpPr>
+            <a:spLocks noGrp="1"/>
+          </p:cNvSpPr>
+          <p:nvPr>
+            <p:ph idx="1"/>
           </p:nvPr>
         </p:nvSpPr>
         <p:spPr/>
@@ -7765,11 +9160,260 @@
           </a:bodyPr>
           <a:lstStyle/>
           <a:p>
+            <a:pPr>
+              <a:lnSpc>
+                <a:spcPts val="2400"/>
+              </a:lnSpc>
+              <a:defRPr>
+                <a:solidFill>
+                  <a:srgbClr val="000000"/>
+                </a:solidFill>
+              </a:defRPr>
+            </a:pPr>
+            <a:r>
+              <a:rPr sz="2400" b="0" i="0">
+                <a:latin typeface="Courier"/>
+              </a:rPr>
+              <a:t>p[ 3 ] = (-58777850.02496373-58866599.60061156j)</a:t>
+            </a:r>
+            <a:endParaRPr sz="2400" b="0" i="0">
+              <a:latin typeface="Courier"/>
+            </a:endParaRPr>
+          </a:p>
+          <a:p>
+            <a:pPr>
+              <a:lnSpc>
+                <a:spcPts val="2400"/>
+              </a:lnSpc>
+              <a:defRPr>
+                <a:solidFill>
+                  <a:srgbClr val="000000"/>
+                </a:solidFill>
+              </a:defRPr>
+            </a:pPr>
+            <a:r>
+              <a:rPr sz="2400" b="0" i="0">
+                <a:latin typeface="Courier"/>
+              </a:rPr>
+              <a:t>p[ 4 ] = (-125663706.14359173-62831853.07179589j)</a:t>
+            </a:r>
+            <a:endParaRPr sz="2400" b="0" i="0">
+              <a:latin typeface="Courier"/>
+            </a:endParaRPr>
+          </a:p>
+          <a:p>
+            <a:pPr>
+              <a:lnSpc>
+                <a:spcPts val="2400"/>
+              </a:lnSpc>
+              <a:defRPr>
+                <a:solidFill>
+                  <a:srgbClr val="000000"/>
+                </a:solidFill>
+              </a:defRPr>
+            </a:pPr>
+            <a:r>
+              <a:rPr sz="2400" b="0" i="0">
+                <a:latin typeface="Courier"/>
+              </a:rPr>
+              <a:t>p[ 5 ] = (-58777850.02496373+58866599.60061156j)</a:t>
+            </a:r>
+            <a:endParaRPr sz="2400" b="0" i="0">
+              <a:latin typeface="Courier"/>
+            </a:endParaRPr>
+          </a:p>
+          <a:p>
+            <a:pPr>
+              <a:lnSpc>
+                <a:spcPts val="2400"/>
+              </a:lnSpc>
+              <a:defRPr>
+                <a:solidFill>
+                  <a:srgbClr val="000000"/>
+                </a:solidFill>
+              </a:defRPr>
+            </a:pPr>
+            <a:r>
+              <a:rPr sz="2400" b="0" i="0">
+                <a:latin typeface="Courier"/>
+              </a:rPr>
+              <a:t>p[ 6 ] = (-30211474.606362037+61659756.49600357j)</a:t>
+            </a:r>
+            <a:endParaRPr sz="2400" b="0" i="0">
+              <a:latin typeface="Courier"/>
+            </a:endParaRPr>
+          </a:p>
+          <a:p>
+            <a:pPr>
+              <a:lnSpc>
+                <a:spcPts val="2400"/>
+              </a:lnSpc>
+              <a:defRPr>
+                <a:solidFill>
+                  <a:srgbClr val="000000"/>
+                </a:solidFill>
+              </a:defRPr>
+            </a:pPr>
+            <a:r>
+              <a:rPr sz="2400" b="0" i="0">
+                <a:latin typeface="Courier"/>
+              </a:rPr>
+              <a:t>p[ 7 ] = (-9467553.01746494+62713329.10036281j)</a:t>
+            </a:r>
+            <a:endParaRPr sz="2400" b="0" i="0">
+              <a:latin typeface="Courier"/>
+            </a:endParaRPr>
+          </a:p>
+          <a:p>
+            <a:pPr>
+              <a:lnSpc>
+                <a:spcPts val="2400"/>
+              </a:lnSpc>
+              <a:defRPr>
+                <a:solidFill>
+                  <a:srgbClr val="000000"/>
+                </a:solidFill>
+              </a:defRPr>
+            </a:pPr>
+            <a:r>
+              <a:rPr sz="2400" b="0" i="0">
+                <a:latin typeface="Courier"/>
+              </a:rPr>
+              <a:t>p[ 8 ] = (-46458057.493502825+307739438.435567j)</a:t>
+            </a:r>
+            <a:endParaRPr sz="2400" b="0" i="0">
+              <a:latin typeface="Courier"/>
+            </a:endParaRPr>
+          </a:p>
+          <a:p>
+            <a:pPr>
+              <a:lnSpc>
+                <a:spcPts val="2400"/>
+              </a:lnSpc>
+              <a:defRPr>
+                <a:solidFill>
+                  <a:srgbClr val="000000"/>
+                </a:solidFill>
+              </a:defRPr>
+            </a:pPr>
+            <a:r>
+              <a:rPr sz="2400" b="0" i="0">
+                <a:latin typeface="Courier"/>
+              </a:rPr>
+              <a:t>p[ 9 ] = (-126488603.88224223+258155439.82934594j)</a:t>
+            </a:r>
+            <a:endParaRPr sz="2400" b="0" i="0">
+              <a:latin typeface="Courier"/>
+            </a:endParaRPr>
+          </a:p>
+          <a:p>
+            <a:pPr>
+              <a:lnSpc>
+                <a:spcPts val="2400"/>
+              </a:lnSpc>
+              <a:defRPr>
+                <a:solidFill>
+                  <a:srgbClr val="000000"/>
+                </a:solidFill>
+              </a:defRPr>
+            </a:pPr>
+            <a:r>
+              <a:rPr sz="2400" b="0" i="0">
+                <a:latin typeface="Courier"/>
+              </a:rPr>
+              <a:t>p[ 10 ] = (-167660324.09626448+167913476.98651484j)</a:t>
+            </a:r>
+            <a:endParaRPr sz="2400" b="0" i="0">
+              <a:latin typeface="Courier"/>
+            </a:endParaRPr>
+          </a:p>
+          <a:p>
+            <a:pPr>
+              <a:lnSpc>
+                <a:spcPts val="2400"/>
+              </a:lnSpc>
+              <a:defRPr>
+                <a:solidFill>
+                  <a:srgbClr val="000000"/>
+                </a:solidFill>
+              </a:defRPr>
+            </a:pPr>
+            <a:r>
+              <a:rPr sz="2400" b="0" i="0">
+                <a:latin typeface="Courier"/>
+              </a:rPr>
+              <a:t>p[ 11 ] = (-125663706.14359173+62831853.07179589j)</a:t>
+            </a:r>
+            <a:endParaRPr sz="2400" b="0" i="0">
+              <a:latin typeface="Courier"/>
+            </a:endParaRPr>
+          </a:p>
+          <a:p>
+            <a:pPr>
+              <a:lnSpc>
+                <a:spcPts val="2400"/>
+              </a:lnSpc>
+              <a:defRPr>
+                <a:solidFill>
+                  <a:srgbClr val="000000"/>
+                </a:solidFill>
+              </a:defRPr>
+            </a:pPr>
+            <a:r>
+              <a:rPr sz="2400" b="0" i="0">
+                <a:latin typeface="Courier"/>
+              </a:rPr>
+              <a:t>p[ 12 ] = (-167660324.09626448-167913476.98651484j)</a:t>
+            </a:r>
+            <a:endParaRPr sz="2400" b="0" i="0">
+              <a:latin typeface="Courier"/>
+            </a:endParaRPr>
+          </a:p>
+          <a:p>
+            <a:pPr>
+              <a:lnSpc>
+                <a:spcPts val="2400"/>
+              </a:lnSpc>
+              <a:defRPr>
+                <a:solidFill>
+                  <a:srgbClr val="000000"/>
+                </a:solidFill>
+              </a:defRPr>
+            </a:pPr>
+            <a:r>
+              <a:rPr sz="2400" b="0" i="0">
+                <a:latin typeface="Courier"/>
+              </a:rPr>
+              <a:t>p[ 13 ] = (-126488603.88224223-258155439.82934594j)</a:t>
+            </a:r>
+            <a:endParaRPr sz="2400" b="0" i="0">
+              <a:latin typeface="Courier"/>
+            </a:endParaRPr>
+          </a:p>
+        </p:txBody>
+      </p:sp>
+      <p:sp>
+        <p:nvSpPr>
+          <p:cNvPr id="3" name="Title 2"/>
+          <p:cNvSpPr>
+            <a:spLocks noGrp="1"/>
+          </p:cNvSpPr>
+          <p:nvPr>
+            <p:ph type="title"/>
+          </p:nvPr>
+        </p:nvSpPr>
+        <p:spPr/>
+        <p:txBody>
+          <a:bodyPr wrap="square">
+            <a:noAutofit/>
+          </a:bodyPr>
+          <a:lstStyle/>
+          <a:p>
             <a:r>
               <a:rPr sz="3200" b="1" i="0">
                 <a:latin typeface="Arial"/>
               </a:rPr>
-              <a:t>120 MHz 8ste orde Chebyshev laagdoorlaatfilter</a:t>
+              <a:t>polen van een 7de orde Butterworth banddoorlaatfilter</a:t>
             </a:r>
             <a:endParaRPr sz="3200" b="1" i="0">
               <a:latin typeface="Arial"/>
@@ -7777,30 +9421,6 @@
           </a:p>
         </p:txBody>
       </p:sp>
-      <p:pic>
-        <p:nvPicPr>
-          <p:cNvPr id="3" name="Picture 2" descr="image.png"/>
-          <p:cNvPicPr>
-            <a:picLocks noChangeAspect="1"/>
-          </p:cNvPicPr>
-          <p:nvPr/>
-        </p:nvPicPr>
-        <p:blipFill>
-          <a:blip r:embed="rId2"/>
-          <a:stretch>
-            <a:fillRect/>
-          </a:stretch>
-        </p:blipFill>
-        <p:spPr>
-          <a:xfrm>
-            <a:off x="2070856" y="566928"/>
-            <a:ext cx="8050287" cy="5577840"/>
-          </a:xfrm>
-          <a:prstGeom prst="rect">
-            <a:avLst/>
-          </a:prstGeom>
-        </p:spPr>
-      </p:pic>
     </p:spTree>
   </p:cSld>
   <p:clrMapOvr>
@@ -7821,12 +9441,12 @@
       <p:grpSpPr/>
       <p:sp>
         <p:nvSpPr>
-          <p:cNvPr id="2" name="Title 1"/>
-          <p:cNvSpPr>
-            <a:spLocks noGrp="1"/>
-          </p:cNvSpPr>
-          <p:nvPr>
-            <p:ph type="title"/>
+          <p:cNvPr id="2" name="Content Placeholder 1"/>
+          <p:cNvSpPr>
+            <a:spLocks noGrp="1"/>
+          </p:cNvSpPr>
+          <p:nvPr>
+            <p:ph idx="1"/>
           </p:nvPr>
         </p:nvSpPr>
         <p:spPr/>
@@ -7836,11 +9456,65 @@
           </a:bodyPr>
           <a:lstStyle/>
           <a:p>
+            <a:pPr>
+              <a:lnSpc>
+                <a:spcPts val="2400"/>
+              </a:lnSpc>
+              <a:defRPr>
+                <a:solidFill>
+                  <a:srgbClr val="000000"/>
+                </a:solidFill>
+              </a:defRPr>
+            </a:pPr>
+            <a:r>
+              <a:rPr sz="2400" b="0" i="0">
+                <a:latin typeface="Courier"/>
+              </a:rPr>
+              <a:t>p[ 14 ] = (-46458057.493502825-307739438.435567j)</a:t>
+            </a:r>
+            <a:endParaRPr sz="2400" b="0" i="0">
+              <a:latin typeface="Courier"/>
+            </a:endParaRPr>
+          </a:p>
+          <a:p>
+            <a:pPr>
+              <a:lnSpc>
+                <a:spcPts val="2400"/>
+              </a:lnSpc>
+              <a:defRPr>
+                <a:solidFill>
+                  <a:srgbClr val="000000"/>
+                </a:solidFill>
+              </a:defRPr>
+            </a:pPr>
+            <a:endParaRPr sz="2400" b="0" i="0">
+              <a:latin typeface="Courier"/>
+            </a:endParaRPr>
+          </a:p>
+        </p:txBody>
+      </p:sp>
+      <p:sp>
+        <p:nvSpPr>
+          <p:cNvPr id="3" name="Title 2"/>
+          <p:cNvSpPr>
+            <a:spLocks noGrp="1"/>
+          </p:cNvSpPr>
+          <p:nvPr>
+            <p:ph type="title"/>
+          </p:nvPr>
+        </p:nvSpPr>
+        <p:spPr/>
+        <p:txBody>
+          <a:bodyPr wrap="square">
+            <a:noAutofit/>
+          </a:bodyPr>
+          <a:lstStyle/>
+          <a:p>
             <a:r>
               <a:rPr sz="3200" b="1" i="0">
                 <a:latin typeface="Arial"/>
               </a:rPr>
-              <a:t>Detail van de 2dB passband</a:t>
+              <a:t>polen van een 7de orde Butterworth banddoorlaatfilter</a:t>
             </a:r>
             <a:endParaRPr sz="3200" b="1" i="0">
               <a:latin typeface="Arial"/>
@@ -7848,30 +9522,6 @@
           </a:p>
         </p:txBody>
       </p:sp>
-      <p:pic>
-        <p:nvPicPr>
-          <p:cNvPr id="3" name="Picture 2" descr="image.png"/>
-          <p:cNvPicPr>
-            <a:picLocks noChangeAspect="1"/>
-          </p:cNvPicPr>
-          <p:nvPr/>
-        </p:nvPicPr>
-        <p:blipFill>
-          <a:blip r:embed="rId2"/>
-          <a:stretch>
-            <a:fillRect/>
-          </a:stretch>
-        </p:blipFill>
-        <p:spPr>
-          <a:xfrm>
-            <a:off x="2070856" y="566928"/>
-            <a:ext cx="8050287" cy="5577840"/>
-          </a:xfrm>
-          <a:prstGeom prst="rect">
-            <a:avLst/>
-          </a:prstGeom>
-        </p:spPr>
-      </p:pic>
     </p:spTree>
   </p:cSld>
   <p:clrMapOvr>
@@ -7911,7 +9561,7 @@
               <a:rPr sz="3200" b="1" i="0">
                 <a:latin typeface="Arial"/>
               </a:rPr>
-              <a:t>Polen 120 MHz Chebyshev laagdoorlaatfilter</a:t>
+              <a:t>Polen van een 7de orde Butterworth banddoorlaatfilter</a:t>
             </a:r>
             <a:endParaRPr sz="3200" b="1" i="0">
               <a:latin typeface="Arial"/>
@@ -7935,8 +9585,8 @@
         </p:blipFill>
         <p:spPr>
           <a:xfrm>
-            <a:off x="3315025" y="566928"/>
-            <a:ext cx="5561949" cy="5577840"/>
+            <a:off x="3277512" y="566928"/>
+            <a:ext cx="5636976" cy="5669280"/>
           </a:xfrm>
           <a:prstGeom prst="rect">
             <a:avLst/>
@@ -7979,12 +9629,12 @@
           <a:lstStyle/>
           <a:p>
             <a:r>
-              <a:rPr sz="2500" b="1" i="0">
+              <a:rPr sz="2200" b="1" i="0">
                 <a:latin typeface="Arial"/>
               </a:rPr>
-              <a:t>Vergelijking Butterworth en Chebyshev laagdoorlaatfilters (8ste orde)</a:t>
-            </a:r>
-            <a:endParaRPr sz="2500" b="1" i="0">
+              <a:t>Vergelijking banddoorlaatfilter en opeenvolging laagdoorlaat- en hoogdoorlaatfilter</a:t>
+            </a:r>
+            <a:endParaRPr sz="2200" b="1" i="0">
               <a:latin typeface="Arial"/>
             </a:endParaRPr>
           </a:p>
@@ -8006,8 +9656,8 @@
         </p:blipFill>
         <p:spPr>
           <a:xfrm>
-            <a:off x="2070856" y="566928"/>
-            <a:ext cx="8050287" cy="5577840"/>
+            <a:off x="2004870" y="566928"/>
+            <a:ext cx="8182259" cy="5669280"/>
           </a:xfrm>
           <a:prstGeom prst="rect">
             <a:avLst/>
@@ -8034,12 +9684,12 @@
       <p:grpSpPr/>
       <p:sp>
         <p:nvSpPr>
-          <p:cNvPr id="2" name="Title 1"/>
-          <p:cNvSpPr>
-            <a:spLocks noGrp="1"/>
-          </p:cNvSpPr>
-          <p:nvPr>
-            <p:ph type="title"/>
+          <p:cNvPr id="2" name="Content Placeholder 1"/>
+          <p:cNvSpPr>
+            <a:spLocks noGrp="1"/>
+          </p:cNvSpPr>
+          <p:nvPr>
+            <p:ph idx="1"/>
           </p:nvPr>
         </p:nvSpPr>
         <p:spPr/>
@@ -8049,11 +9699,260 @@
           </a:bodyPr>
           <a:lstStyle/>
           <a:p>
+            <a:pPr>
+              <a:lnSpc>
+                <a:spcPts val="2400"/>
+              </a:lnSpc>
+              <a:defRPr>
+                <a:solidFill>
+                  <a:srgbClr val="000000"/>
+                </a:solidFill>
+              </a:defRPr>
+            </a:pPr>
+            <a:r>
+              <a:rPr sz="2400" b="0" i="0">
+                <a:latin typeface="Courier"/>
+              </a:rPr>
+              <a:t>Veelterm coefficienten teller: M= 7</a:t>
+            </a:r>
+            <a:endParaRPr sz="2400" b="0" i="0">
+              <a:latin typeface="Courier"/>
+            </a:endParaRPr>
+          </a:p>
+          <a:p>
+            <a:pPr>
+              <a:lnSpc>
+                <a:spcPts val="2400"/>
+              </a:lnSpc>
+              <a:defRPr>
+                <a:solidFill>
+                  <a:srgbClr val="000000"/>
+                </a:solidFill>
+              </a:defRPr>
+            </a:pPr>
+            <a:r>
+              <a:rPr sz="2400" b="0" i="0">
+                <a:latin typeface="Courier"/>
+              </a:rPr>
+              <a:t>b[ 7 ] = 1.082225670413975e+53</a:t>
+            </a:r>
+            <a:endParaRPr sz="2400" b="0" i="0">
+              <a:latin typeface="Courier"/>
+            </a:endParaRPr>
+          </a:p>
+          <a:p>
+            <a:pPr>
+              <a:lnSpc>
+                <a:spcPts val="2400"/>
+              </a:lnSpc>
+              <a:defRPr>
+                <a:solidFill>
+                  <a:srgbClr val="000000"/>
+                </a:solidFill>
+              </a:defRPr>
+            </a:pPr>
+            <a:r>
+              <a:rPr sz="2400" b="0" i="0">
+                <a:latin typeface="Courier"/>
+              </a:rPr>
+              <a:t>b[ 6 ] = 0.0</a:t>
+            </a:r>
+            <a:endParaRPr sz="2400" b="0" i="0">
+              <a:latin typeface="Courier"/>
+            </a:endParaRPr>
+          </a:p>
+          <a:p>
+            <a:pPr>
+              <a:lnSpc>
+                <a:spcPts val="2400"/>
+              </a:lnSpc>
+              <a:defRPr>
+                <a:solidFill>
+                  <a:srgbClr val="000000"/>
+                </a:solidFill>
+              </a:defRPr>
+            </a:pPr>
+            <a:r>
+              <a:rPr sz="2400" b="0" i="0">
+                <a:latin typeface="Courier"/>
+              </a:rPr>
+              <a:t>b[ 5 ] = 0.0</a:t>
+            </a:r>
+            <a:endParaRPr sz="2400" b="0" i="0">
+              <a:latin typeface="Courier"/>
+            </a:endParaRPr>
+          </a:p>
+          <a:p>
+            <a:pPr>
+              <a:lnSpc>
+                <a:spcPts val="2400"/>
+              </a:lnSpc>
+              <a:defRPr>
+                <a:solidFill>
+                  <a:srgbClr val="000000"/>
+                </a:solidFill>
+              </a:defRPr>
+            </a:pPr>
+            <a:r>
+              <a:rPr sz="2400" b="0" i="0">
+                <a:latin typeface="Courier"/>
+              </a:rPr>
+              <a:t>b[ 4 ] = 0.0</a:t>
+            </a:r>
+            <a:endParaRPr sz="2400" b="0" i="0">
+              <a:latin typeface="Courier"/>
+            </a:endParaRPr>
+          </a:p>
+          <a:p>
+            <a:pPr>
+              <a:lnSpc>
+                <a:spcPts val="2400"/>
+              </a:lnSpc>
+              <a:defRPr>
+                <a:solidFill>
+                  <a:srgbClr val="000000"/>
+                </a:solidFill>
+              </a:defRPr>
+            </a:pPr>
+            <a:r>
+              <a:rPr sz="2400" b="0" i="0">
+                <a:latin typeface="Courier"/>
+              </a:rPr>
+              <a:t>b[ 3 ] = 0.0</a:t>
+            </a:r>
+            <a:endParaRPr sz="2400" b="0" i="0">
+              <a:latin typeface="Courier"/>
+            </a:endParaRPr>
+          </a:p>
+          <a:p>
+            <a:pPr>
+              <a:lnSpc>
+                <a:spcPts val="2400"/>
+              </a:lnSpc>
+              <a:defRPr>
+                <a:solidFill>
+                  <a:srgbClr val="000000"/>
+                </a:solidFill>
+              </a:defRPr>
+            </a:pPr>
+            <a:r>
+              <a:rPr sz="2400" b="0" i="0">
+                <a:latin typeface="Courier"/>
+              </a:rPr>
+              <a:t>b[ 2 ] = 0.0</a:t>
+            </a:r>
+            <a:endParaRPr sz="2400" b="0" i="0">
+              <a:latin typeface="Courier"/>
+            </a:endParaRPr>
+          </a:p>
+          <a:p>
+            <a:pPr>
+              <a:lnSpc>
+                <a:spcPts val="2400"/>
+              </a:lnSpc>
+              <a:defRPr>
+                <a:solidFill>
+                  <a:srgbClr val="000000"/>
+                </a:solidFill>
+              </a:defRPr>
+            </a:pPr>
+            <a:r>
+              <a:rPr sz="2400" b="0" i="0">
+                <a:latin typeface="Courier"/>
+              </a:rPr>
+              <a:t>b[ 1 ] = 0.0</a:t>
+            </a:r>
+            <a:endParaRPr sz="2400" b="0" i="0">
+              <a:latin typeface="Courier"/>
+            </a:endParaRPr>
+          </a:p>
+          <a:p>
+            <a:pPr>
+              <a:lnSpc>
+                <a:spcPts val="2400"/>
+              </a:lnSpc>
+              <a:defRPr>
+                <a:solidFill>
+                  <a:srgbClr val="000000"/>
+                </a:solidFill>
+              </a:defRPr>
+            </a:pPr>
+            <a:r>
+              <a:rPr sz="2400" b="0" i="0">
+                <a:latin typeface="Courier"/>
+              </a:rPr>
+              <a:t>b[ 0 ] = 0.0</a:t>
+            </a:r>
+            <a:endParaRPr sz="2400" b="0" i="0">
+              <a:latin typeface="Courier"/>
+            </a:endParaRPr>
+          </a:p>
+          <a:p>
+            <a:pPr>
+              <a:lnSpc>
+                <a:spcPts val="2400"/>
+              </a:lnSpc>
+              <a:defRPr>
+                <a:solidFill>
+                  <a:srgbClr val="000000"/>
+                </a:solidFill>
+              </a:defRPr>
+            </a:pPr>
+            <a:r>
+              <a:rPr sz="2400" b="0" i="0">
+                <a:latin typeface="Courier"/>
+              </a:rPr>
+              <a:t>Veelterm coefficienten noemer: N= 14</a:t>
+            </a:r>
+            <a:endParaRPr sz="2400" b="0" i="0">
+              <a:latin typeface="Courier"/>
+            </a:endParaRPr>
+          </a:p>
+          <a:p>
+            <a:pPr>
+              <a:lnSpc>
+                <a:spcPts val="2400"/>
+              </a:lnSpc>
+              <a:defRPr>
+                <a:solidFill>
+                  <a:srgbClr val="000000"/>
+                </a:solidFill>
+              </a:defRPr>
+            </a:pPr>
+            <a:r>
+              <a:rPr sz="2400" b="0" i="0">
+                <a:latin typeface="Courier"/>
+              </a:rPr>
+              <a:t>a[ 14 ] = 1.0</a:t>
+            </a:r>
+            <a:endParaRPr sz="2400" b="0" i="0">
+              <a:latin typeface="Courier"/>
+            </a:endParaRPr>
+          </a:p>
+        </p:txBody>
+      </p:sp>
+      <p:sp>
+        <p:nvSpPr>
+          <p:cNvPr id="3" name="Title 2"/>
+          <p:cNvSpPr>
+            <a:spLocks noGrp="1"/>
+          </p:cNvSpPr>
+          <p:nvPr>
+            <p:ph type="title"/>
+          </p:nvPr>
+        </p:nvSpPr>
+        <p:spPr/>
+        <p:txBody>
+          <a:bodyPr wrap="square">
+            <a:noAutofit/>
+          </a:bodyPr>
+          <a:lstStyle/>
+          <a:p>
             <a:r>
               <a:rPr sz="3200" b="1" i="0">
                 <a:latin typeface="Arial"/>
               </a:rPr>
-              <a:t>Transferfunctie Chebyshev 30 MHz laagdoorlaatfilter</a:t>
+              <a:t>Transferfunctie 7de orde Butterworth banddoorlaatfilter</a:t>
             </a:r>
             <a:endParaRPr sz="3200" b="1" i="0">
               <a:latin typeface="Arial"/>
@@ -8061,30 +9960,6 @@
           </a:p>
         </p:txBody>
       </p:sp>
-      <p:pic>
-        <p:nvPicPr>
-          <p:cNvPr id="3" name="Picture 2" descr="image.png"/>
-          <p:cNvPicPr>
-            <a:picLocks noChangeAspect="1"/>
-          </p:cNvPicPr>
-          <p:nvPr/>
-        </p:nvPicPr>
-        <p:blipFill>
-          <a:blip r:embed="rId2"/>
-          <a:stretch>
-            <a:fillRect/>
-          </a:stretch>
-        </p:blipFill>
-        <p:spPr>
-          <a:xfrm>
-            <a:off x="2070856" y="566928"/>
-            <a:ext cx="8050287" cy="5577840"/>
-          </a:xfrm>
-          <a:prstGeom prst="rect">
-            <a:avLst/>
-          </a:prstGeom>
-        </p:spPr>
-      </p:pic>
     </p:spTree>
   </p:cSld>
   <p:clrMapOvr>
@@ -8105,12 +9980,12 @@
       <p:grpSpPr/>
       <p:sp>
         <p:nvSpPr>
-          <p:cNvPr id="2" name="Title 1"/>
-          <p:cNvSpPr>
-            <a:spLocks noGrp="1"/>
-          </p:cNvSpPr>
-          <p:nvPr>
-            <p:ph type="title"/>
+          <p:cNvPr id="2" name="Content Placeholder 1"/>
+          <p:cNvSpPr>
+            <a:spLocks noGrp="1"/>
+          </p:cNvSpPr>
+          <p:nvPr>
+            <p:ph idx="1"/>
           </p:nvPr>
         </p:nvSpPr>
         <p:spPr/>
@@ -8120,11 +9995,260 @@
           </a:bodyPr>
           <a:lstStyle/>
           <a:p>
+            <a:pPr>
+              <a:lnSpc>
+                <a:spcPts val="2400"/>
+              </a:lnSpc>
+              <a:defRPr>
+                <a:solidFill>
+                  <a:srgbClr val="000000"/>
+                </a:solidFill>
+              </a:defRPr>
+            </a:pPr>
+            <a:r>
+              <a:rPr sz="2400" b="0" i="0">
+                <a:latin typeface="Courier"/>
+              </a:rPr>
+              <a:t>a[ 13 ] = 169418270.77931747</a:t>
+            </a:r>
+            <a:endParaRPr sz="2400" b="0" i="0">
+              <a:latin typeface="Courier"/>
+            </a:endParaRPr>
+          </a:p>
+          <a:p>
+            <a:pPr>
+              <a:lnSpc>
+                <a:spcPts val="2400"/>
+              </a:lnSpc>
+              <a:defRPr>
+                <a:solidFill>
+                  <a:srgbClr val="000000"/>
+                </a:solidFill>
+              </a:defRPr>
+            </a:pPr>
+            <a:r>
+              <a:rPr sz="2400" b="0" i="0">
+                <a:latin typeface="Courier"/>
+              </a:rPr>
+              <a:t>a[ 12 ] = 7.027364430041076e+17</a:t>
+            </a:r>
+            <a:endParaRPr sz="2400" b="0" i="0">
+              <a:latin typeface="Courier"/>
+            </a:endParaRPr>
+          </a:p>
+          <a:p>
+            <a:pPr>
+              <a:lnSpc>
+                <a:spcPts val="2400"/>
+              </a:lnSpc>
+              <a:defRPr>
+                <a:solidFill>
+                  <a:srgbClr val="000000"/>
+                </a:solidFill>
+              </a:defRPr>
+            </a:pPr>
+            <a:r>
+              <a:rPr sz="2400" b="0" i="0">
+                <a:latin typeface="Courier"/>
+              </a:rPr>
+              <a:t>a[ 11 ] = 1.0074611841037228e+26</a:t>
+            </a:r>
+            <a:endParaRPr sz="2400" b="0" i="0">
+              <a:latin typeface="Courier"/>
+            </a:endParaRPr>
+          </a:p>
+          <a:p>
+            <a:pPr>
+              <a:lnSpc>
+                <a:spcPts val="2400"/>
+              </a:lnSpc>
+              <a:defRPr>
+                <a:solidFill>
+                  <a:srgbClr val="000000"/>
+                </a:solidFill>
+              </a:defRPr>
+            </a:pPr>
+            <a:r>
+              <a:rPr sz="2400" b="0" i="0">
+                <a:latin typeface="Courier"/>
+              </a:rPr>
+              <a:t>a[ 10 ] = 2.1017496540749808e+35</a:t>
+            </a:r>
+            <a:endParaRPr sz="2400" b="0" i="0">
+              <a:latin typeface="Courier"/>
+            </a:endParaRPr>
+          </a:p>
+          <a:p>
+            <a:pPr>
+              <a:lnSpc>
+                <a:spcPts val="2400"/>
+              </a:lnSpc>
+              <a:defRPr>
+                <a:solidFill>
+                  <a:srgbClr val="000000"/>
+                </a:solidFill>
+              </a:defRPr>
+            </a:pPr>
+            <a:r>
+              <a:rPr sz="2400" b="0" i="0">
+                <a:latin typeface="Courier"/>
+              </a:rPr>
+              <a:t>a[ 9 ] = 2.488471395316168e+43</a:t>
+            </a:r>
+            <a:endParaRPr sz="2400" b="0" i="0">
+              <a:latin typeface="Courier"/>
+            </a:endParaRPr>
+          </a:p>
+          <a:p>
+            <a:pPr>
+              <a:lnSpc>
+                <a:spcPts val="2400"/>
+              </a:lnSpc>
+              <a:defRPr>
+                <a:solidFill>
+                  <a:srgbClr val="000000"/>
+                </a:solidFill>
+              </a:defRPr>
+            </a:pPr>
+            <a:r>
+              <a:rPr sz="2400" b="0" i="0">
+                <a:latin typeface="Courier"/>
+              </a:rPr>
+              <a:t>a[ 8 ] = 3.4683129207221617e+52</a:t>
+            </a:r>
+            <a:endParaRPr sz="2400" b="0" i="0">
+              <a:latin typeface="Courier"/>
+            </a:endParaRPr>
+          </a:p>
+          <a:p>
+            <a:pPr>
+              <a:lnSpc>
+                <a:spcPts val="2400"/>
+              </a:lnSpc>
+              <a:defRPr>
+                <a:solidFill>
+                  <a:srgbClr val="000000"/>
+                </a:solidFill>
+              </a:defRPr>
+            </a:pPr>
+            <a:r>
+              <a:rPr sz="2400" b="0" i="0">
+                <a:latin typeface="Courier"/>
+              </a:rPr>
+              <a:t>a[ 7 ] = 3.2679992552874596e+60</a:t>
+            </a:r>
+            <a:endParaRPr sz="2400" b="0" i="0">
+              <a:latin typeface="Courier"/>
+            </a:endParaRPr>
+          </a:p>
+          <a:p>
+            <a:pPr>
+              <a:lnSpc>
+                <a:spcPts val="2400"/>
+              </a:lnSpc>
+              <a:defRPr>
+                <a:solidFill>
+                  <a:srgbClr val="000000"/>
+                </a:solidFill>
+              </a:defRPr>
+            </a:pPr>
+            <a:r>
+              <a:rPr sz="2400" b="0" i="0">
+                <a:latin typeface="Courier"/>
+              </a:rPr>
+              <a:t>a[ 6 ] = 3.4107645311434367e+69</a:t>
+            </a:r>
+            <a:endParaRPr sz="2400" b="0" i="0">
+              <a:latin typeface="Courier"/>
+            </a:endParaRPr>
+          </a:p>
+          <a:p>
+            <a:pPr>
+              <a:lnSpc>
+                <a:spcPts val="2400"/>
+              </a:lnSpc>
+              <a:defRPr>
+                <a:solidFill>
+                  <a:srgbClr val="000000"/>
+                </a:solidFill>
+              </a:defRPr>
+            </a:pPr>
+            <a:r>
+              <a:rPr sz="2400" b="0" i="0">
+                <a:latin typeface="Courier"/>
+              </a:rPr>
+              <a:t>a[ 5 ] = 2.406576000783415e+77</a:t>
+            </a:r>
+            <a:endParaRPr sz="2400" b="0" i="0">
+              <a:latin typeface="Courier"/>
+            </a:endParaRPr>
+          </a:p>
+          <a:p>
+            <a:pPr>
+              <a:lnSpc>
+                <a:spcPts val="2400"/>
+              </a:lnSpc>
+              <a:defRPr>
+                <a:solidFill>
+                  <a:srgbClr val="000000"/>
+                </a:solidFill>
+              </a:defRPr>
+            </a:pPr>
+            <a:r>
+              <a:rPr sz="2400" b="0" i="0">
+                <a:latin typeface="Courier"/>
+              </a:rPr>
+              <a:t>a[ 4 ] = 1.998855398085796e+86</a:t>
+            </a:r>
+            <a:endParaRPr sz="2400" b="0" i="0">
+              <a:latin typeface="Courier"/>
+            </a:endParaRPr>
+          </a:p>
+          <a:p>
+            <a:pPr>
+              <a:lnSpc>
+                <a:spcPts val="2400"/>
+              </a:lnSpc>
+              <a:defRPr>
+                <a:solidFill>
+                  <a:srgbClr val="000000"/>
+                </a:solidFill>
+              </a:defRPr>
+            </a:pPr>
+            <a:r>
+              <a:rPr sz="2400" b="0" i="0">
+                <a:latin typeface="Courier"/>
+              </a:rPr>
+              <a:t>a[ 3 ] = 9.422413939327687e+93</a:t>
+            </a:r>
+            <a:endParaRPr sz="2400" b="0" i="0">
+              <a:latin typeface="Courier"/>
+            </a:endParaRPr>
+          </a:p>
+        </p:txBody>
+      </p:sp>
+      <p:sp>
+        <p:nvSpPr>
+          <p:cNvPr id="3" name="Title 2"/>
+          <p:cNvSpPr>
+            <a:spLocks noGrp="1"/>
+          </p:cNvSpPr>
+          <p:nvPr>
+            <p:ph type="title"/>
+          </p:nvPr>
+        </p:nvSpPr>
+        <p:spPr/>
+        <p:txBody>
+          <a:bodyPr wrap="square">
+            <a:noAutofit/>
+          </a:bodyPr>
+          <a:lstStyle/>
+          <a:p>
             <a:r>
               <a:rPr sz="3200" b="1" i="0">
                 <a:latin typeface="Arial"/>
               </a:rPr>
-              <a:t>Polen van de Chebyshev 30 MHz laagdoorlaatfilter</a:t>
+              <a:t>Transferfunctie 7de orde Butterworth banddoorlaatfilter</a:t>
             </a:r>
             <a:endParaRPr sz="3200" b="1" i="0">
               <a:latin typeface="Arial"/>
@@ -8132,30 +10256,6 @@
           </a:p>
         </p:txBody>
       </p:sp>
-      <p:pic>
-        <p:nvPicPr>
-          <p:cNvPr id="3" name="Picture 2" descr="image.png"/>
-          <p:cNvPicPr>
-            <a:picLocks noChangeAspect="1"/>
-          </p:cNvPicPr>
-          <p:nvPr/>
-        </p:nvPicPr>
-        <p:blipFill>
-          <a:blip r:embed="rId2"/>
-          <a:stretch>
-            <a:fillRect/>
-          </a:stretch>
-        </p:blipFill>
-        <p:spPr>
-          <a:xfrm>
-            <a:off x="3259406" y="566928"/>
-            <a:ext cx="5673188" cy="5577840"/>
-          </a:xfrm>
-          <a:prstGeom prst="rect">
-            <a:avLst/>
-          </a:prstGeom>
-        </p:spPr>
-      </p:pic>
     </p:spTree>
   </p:cSld>
   <p:clrMapOvr>
@@ -8219,8 +10319,8 @@
         </p:blipFill>
         <p:spPr>
           <a:xfrm>
-            <a:off x="1690157" y="566928"/>
-            <a:ext cx="8811685" cy="5577840"/>
+            <a:off x="1617930" y="566928"/>
+            <a:ext cx="8956139" cy="5669280"/>
           </a:xfrm>
           <a:prstGeom prst="rect">
             <a:avLst/>
@@ -8247,12 +10347,12 @@
       <p:grpSpPr/>
       <p:sp>
         <p:nvSpPr>
-          <p:cNvPr id="2" name="Title 1"/>
-          <p:cNvSpPr>
-            <a:spLocks noGrp="1"/>
-          </p:cNvSpPr>
-          <p:nvPr>
-            <p:ph type="title"/>
+          <p:cNvPr id="2" name="Content Placeholder 1"/>
+          <p:cNvSpPr>
+            <a:spLocks noGrp="1"/>
+          </p:cNvSpPr>
+          <p:nvPr>
+            <p:ph idx="1"/>
           </p:nvPr>
         </p:nvSpPr>
         <p:spPr/>
@@ -8262,42 +10362,114 @@
           </a:bodyPr>
           <a:lstStyle/>
           <a:p>
-            <a:r>
-              <a:rPr sz="2600" b="1" i="0">
+            <a:pPr>
+              <a:lnSpc>
+                <a:spcPts val="2400"/>
+              </a:lnSpc>
+              <a:defRPr>
+                <a:solidFill>
+                  <a:srgbClr val="000000"/>
+                </a:solidFill>
+              </a:defRPr>
+            </a:pPr>
+            <a:r>
+              <a:rPr sz="2400" b="0" i="0">
+                <a:latin typeface="Courier"/>
+              </a:rPr>
+              <a:t>a[ 2 ] = 6.463381596708082e+102</a:t>
+            </a:r>
+            <a:endParaRPr sz="2400" b="0" i="0">
+              <a:latin typeface="Courier"/>
+            </a:endParaRPr>
+          </a:p>
+          <a:p>
+            <a:pPr>
+              <a:lnSpc>
+                <a:spcPts val="2400"/>
+              </a:lnSpc>
+              <a:defRPr>
+                <a:solidFill>
+                  <a:srgbClr val="000000"/>
+                </a:solidFill>
+              </a:defRPr>
+            </a:pPr>
+            <a:r>
+              <a:rPr sz="2400" b="0" i="0">
+                <a:latin typeface="Courier"/>
+              </a:rPr>
+              <a:t>a[ 1 ] = 1.5323607880306775e+110</a:t>
+            </a:r>
+            <a:endParaRPr sz="2400" b="0" i="0">
+              <a:latin typeface="Courier"/>
+            </a:endParaRPr>
+          </a:p>
+          <a:p>
+            <a:pPr>
+              <a:lnSpc>
+                <a:spcPts val="2400"/>
+              </a:lnSpc>
+              <a:defRPr>
+                <a:solidFill>
+                  <a:srgbClr val="000000"/>
+                </a:solidFill>
+              </a:defRPr>
+            </a:pPr>
+            <a:r>
+              <a:rPr sz="2400" b="0" i="0">
+                <a:latin typeface="Courier"/>
+              </a:rPr>
+              <a:t>a[ 0 ] = 8.894760315452719e+118</a:t>
+            </a:r>
+            <a:endParaRPr sz="2400" b="0" i="0">
+              <a:latin typeface="Courier"/>
+            </a:endParaRPr>
+          </a:p>
+          <a:p>
+            <a:pPr>
+              <a:lnSpc>
+                <a:spcPts val="2400"/>
+              </a:lnSpc>
+              <a:defRPr>
+                <a:solidFill>
+                  <a:srgbClr val="000000"/>
+                </a:solidFill>
+              </a:defRPr>
+            </a:pPr>
+            <a:endParaRPr sz="2400" b="0" i="0">
+              <a:latin typeface="Courier"/>
+            </a:endParaRPr>
+          </a:p>
+        </p:txBody>
+      </p:sp>
+      <p:sp>
+        <p:nvSpPr>
+          <p:cNvPr id="3" name="Title 2"/>
+          <p:cNvSpPr>
+            <a:spLocks noGrp="1"/>
+          </p:cNvSpPr>
+          <p:nvPr>
+            <p:ph type="title"/>
+          </p:nvPr>
+        </p:nvSpPr>
+        <p:spPr/>
+        <p:txBody>
+          <a:bodyPr wrap="square">
+            <a:noAutofit/>
+          </a:bodyPr>
+          <a:lstStyle/>
+          <a:p>
+            <a:r>
+              <a:rPr sz="3200" b="1" i="0">
                 <a:latin typeface="Arial"/>
               </a:rPr>
-              <a:t>Transferfunktie van een Bessel Thomson hoogdoorlaatfilter (1 kHz)</a:t>
-            </a:r>
-            <a:endParaRPr sz="2600" b="1" i="0">
+              <a:t>Transferfunctie 7de orde Butterworth banddoorlaatfilter</a:t>
+            </a:r>
+            <a:endParaRPr sz="3200" b="1" i="0">
               <a:latin typeface="Arial"/>
             </a:endParaRPr>
           </a:p>
         </p:txBody>
       </p:sp>
-      <p:pic>
-        <p:nvPicPr>
-          <p:cNvPr id="3" name="Picture 2" descr="image.png"/>
-          <p:cNvPicPr>
-            <a:picLocks noChangeAspect="1"/>
-          </p:cNvPicPr>
-          <p:nvPr/>
-        </p:nvPicPr>
-        <p:blipFill>
-          <a:blip r:embed="rId2"/>
-          <a:stretch>
-            <a:fillRect/>
-          </a:stretch>
-        </p:blipFill>
-        <p:spPr>
-          <a:xfrm>
-            <a:off x="2070856" y="566928"/>
-            <a:ext cx="8050287" cy="5577840"/>
-          </a:xfrm>
-          <a:prstGeom prst="rect">
-            <a:avLst/>
-          </a:prstGeom>
-        </p:spPr>
-      </p:pic>
     </p:spTree>
   </p:cSld>
   <p:clrMapOvr>
@@ -8316,6 +10488,59 @@
         <p:nvPr/>
       </p:nvGrpSpPr>
       <p:grpSpPr/>
+      <p:sp>
+        <p:nvSpPr>
+          <p:cNvPr id="2" name="Title 1"/>
+          <p:cNvSpPr>
+            <a:spLocks noGrp="1"/>
+          </p:cNvSpPr>
+          <p:nvPr>
+            <p:ph type="title"/>
+          </p:nvPr>
+        </p:nvSpPr>
+        <p:spPr/>
+        <p:txBody>
+          <a:bodyPr wrap="square">
+            <a:noAutofit/>
+          </a:bodyPr>
+          <a:lstStyle/>
+          <a:p>
+            <a:r>
+              <a:rPr sz="3200" b="1" i="0">
+                <a:latin typeface="Arial"/>
+              </a:rPr>
+              <a:t>Transferfunctie 7de orde Butterworth banddoorlaatfilter</a:t>
+            </a:r>
+            <a:endParaRPr sz="3200" b="1" i="0">
+              <a:latin typeface="Arial"/>
+            </a:endParaRPr>
+          </a:p>
+        </p:txBody>
+      </p:sp>
+      <p:pic>
+        <p:nvPicPr>
+          <p:cNvPr id="3" name="Picture 2" descr="image.png"/>
+          <p:cNvPicPr>
+            <a:picLocks noChangeAspect="1"/>
+          </p:cNvPicPr>
+          <p:nvPr/>
+        </p:nvPicPr>
+        <p:blipFill>
+          <a:blip r:embed="rId2"/>
+          <a:stretch>
+            <a:fillRect/>
+          </a:stretch>
+        </p:blipFill>
+        <p:spPr>
+          <a:xfrm>
+            <a:off x="2004870" y="566928"/>
+            <a:ext cx="8182259" cy="5669280"/>
+          </a:xfrm>
+          <a:prstGeom prst="rect">
+            <a:avLst/>
+          </a:prstGeom>
+        </p:spPr>
+      </p:pic>
     </p:spTree>
   </p:cSld>
   <p:clrMapOvr>
@@ -8334,6 +10559,1192 @@
         <p:nvPr/>
       </p:nvGrpSpPr>
       <p:grpSpPr/>
+      <p:sp>
+        <p:nvSpPr>
+          <p:cNvPr id="2" name="Content Placeholder 1"/>
+          <p:cNvSpPr>
+            <a:spLocks noGrp="1"/>
+          </p:cNvSpPr>
+          <p:nvPr>
+            <p:ph idx="1"/>
+          </p:nvPr>
+        </p:nvSpPr>
+        <p:spPr/>
+        <p:txBody>
+          <a:bodyPr wrap="square">
+            <a:noAutofit/>
+          </a:bodyPr>
+          <a:lstStyle/>
+          <a:p>
+            <a:pPr>
+              <a:lnSpc>
+                <a:spcPts val="2400"/>
+              </a:lnSpc>
+              <a:defRPr>
+                <a:solidFill>
+                  <a:srgbClr val="000000"/>
+                </a:solidFill>
+              </a:defRPr>
+            </a:pPr>
+            <a:r>
+              <a:rPr sz="2400" b="0" i="0">
+                <a:latin typeface="Courier"/>
+              </a:rPr>
+              <a:t>Lijst der nullen: M= 7</a:t>
+            </a:r>
+            <a:endParaRPr sz="2400" b="0" i="0">
+              <a:latin typeface="Courier"/>
+            </a:endParaRPr>
+          </a:p>
+          <a:p>
+            <a:pPr>
+              <a:lnSpc>
+                <a:spcPts val="2400"/>
+              </a:lnSpc>
+              <a:defRPr>
+                <a:solidFill>
+                  <a:srgbClr val="000000"/>
+                </a:solidFill>
+              </a:defRPr>
+            </a:pPr>
+            <a:r>
+              <a:rPr sz="2400" b="0" i="0">
+                <a:latin typeface="Courier"/>
+              </a:rPr>
+              <a:t>z[ 1 ] = 0j</a:t>
+            </a:r>
+            <a:endParaRPr sz="2400" b="0" i="0">
+              <a:latin typeface="Courier"/>
+            </a:endParaRPr>
+          </a:p>
+          <a:p>
+            <a:pPr>
+              <a:lnSpc>
+                <a:spcPts val="2400"/>
+              </a:lnSpc>
+              <a:defRPr>
+                <a:solidFill>
+                  <a:srgbClr val="000000"/>
+                </a:solidFill>
+              </a:defRPr>
+            </a:pPr>
+            <a:r>
+              <a:rPr sz="2400" b="0" i="0">
+                <a:latin typeface="Courier"/>
+              </a:rPr>
+              <a:t>z[ 2 ] = 0j</a:t>
+            </a:r>
+            <a:endParaRPr sz="2400" b="0" i="0">
+              <a:latin typeface="Courier"/>
+            </a:endParaRPr>
+          </a:p>
+          <a:p>
+            <a:pPr>
+              <a:lnSpc>
+                <a:spcPts val="2400"/>
+              </a:lnSpc>
+              <a:defRPr>
+                <a:solidFill>
+                  <a:srgbClr val="000000"/>
+                </a:solidFill>
+              </a:defRPr>
+            </a:pPr>
+            <a:r>
+              <a:rPr sz="2400" b="0" i="0">
+                <a:latin typeface="Courier"/>
+              </a:rPr>
+              <a:t>z[ 3 ] = 0j</a:t>
+            </a:r>
+            <a:endParaRPr sz="2400" b="0" i="0">
+              <a:latin typeface="Courier"/>
+            </a:endParaRPr>
+          </a:p>
+          <a:p>
+            <a:pPr>
+              <a:lnSpc>
+                <a:spcPts val="2400"/>
+              </a:lnSpc>
+              <a:defRPr>
+                <a:solidFill>
+                  <a:srgbClr val="000000"/>
+                </a:solidFill>
+              </a:defRPr>
+            </a:pPr>
+            <a:r>
+              <a:rPr sz="2400" b="0" i="0">
+                <a:latin typeface="Courier"/>
+              </a:rPr>
+              <a:t>z[ 4 ] = 0j</a:t>
+            </a:r>
+            <a:endParaRPr sz="2400" b="0" i="0">
+              <a:latin typeface="Courier"/>
+            </a:endParaRPr>
+          </a:p>
+          <a:p>
+            <a:pPr>
+              <a:lnSpc>
+                <a:spcPts val="2400"/>
+              </a:lnSpc>
+              <a:defRPr>
+                <a:solidFill>
+                  <a:srgbClr val="000000"/>
+                </a:solidFill>
+              </a:defRPr>
+            </a:pPr>
+            <a:r>
+              <a:rPr sz="2400" b="0" i="0">
+                <a:latin typeface="Courier"/>
+              </a:rPr>
+              <a:t>z[ 5 ] = 0j</a:t>
+            </a:r>
+            <a:endParaRPr sz="2400" b="0" i="0">
+              <a:latin typeface="Courier"/>
+            </a:endParaRPr>
+          </a:p>
+          <a:p>
+            <a:pPr>
+              <a:lnSpc>
+                <a:spcPts val="2400"/>
+              </a:lnSpc>
+              <a:defRPr>
+                <a:solidFill>
+                  <a:srgbClr val="000000"/>
+                </a:solidFill>
+              </a:defRPr>
+            </a:pPr>
+            <a:r>
+              <a:rPr sz="2400" b="0" i="0">
+                <a:latin typeface="Courier"/>
+              </a:rPr>
+              <a:t>z[ 6 ] = 0j</a:t>
+            </a:r>
+            <a:endParaRPr sz="2400" b="0" i="0">
+              <a:latin typeface="Courier"/>
+            </a:endParaRPr>
+          </a:p>
+          <a:p>
+            <a:pPr>
+              <a:lnSpc>
+                <a:spcPts val="2400"/>
+              </a:lnSpc>
+              <a:defRPr>
+                <a:solidFill>
+                  <a:srgbClr val="000000"/>
+                </a:solidFill>
+              </a:defRPr>
+            </a:pPr>
+            <a:r>
+              <a:rPr sz="2400" b="0" i="0">
+                <a:latin typeface="Courier"/>
+              </a:rPr>
+              <a:t>z[ 7 ] = 0j</a:t>
+            </a:r>
+            <a:endParaRPr sz="2400" b="0" i="0">
+              <a:latin typeface="Courier"/>
+            </a:endParaRPr>
+          </a:p>
+          <a:p>
+            <a:pPr>
+              <a:lnSpc>
+                <a:spcPts val="2400"/>
+              </a:lnSpc>
+              <a:defRPr>
+                <a:solidFill>
+                  <a:srgbClr val="000000"/>
+                </a:solidFill>
+              </a:defRPr>
+            </a:pPr>
+            <a:r>
+              <a:rPr sz="2400" b="0" i="0">
+                <a:latin typeface="Courier"/>
+              </a:rPr>
+              <a:t>Lijst der polen: N= 14</a:t>
+            </a:r>
+            <a:endParaRPr sz="2400" b="0" i="0">
+              <a:latin typeface="Courier"/>
+            </a:endParaRPr>
+          </a:p>
+          <a:p>
+            <a:pPr>
+              <a:lnSpc>
+                <a:spcPts val="2400"/>
+              </a:lnSpc>
+              <a:defRPr>
+                <a:solidFill>
+                  <a:srgbClr val="000000"/>
+                </a:solidFill>
+              </a:defRPr>
+            </a:pPr>
+            <a:r>
+              <a:rPr sz="2400" b="0" i="0">
+                <a:latin typeface="Courier"/>
+              </a:rPr>
+              <a:t>p[ 1 ] = (-3949021.641305336-295726397.242198j)</a:t>
+            </a:r>
+            <a:endParaRPr sz="2400" b="0" i="0">
+              <a:latin typeface="Courier"/>
+            </a:endParaRPr>
+          </a:p>
+          <a:p>
+            <a:pPr>
+              <a:lnSpc>
+                <a:spcPts val="2400"/>
+              </a:lnSpc>
+              <a:defRPr>
+                <a:solidFill>
+                  <a:srgbClr val="000000"/>
+                </a:solidFill>
+              </a:defRPr>
+            </a:pPr>
+            <a:r>
+              <a:rPr sz="2400" b="0" i="0">
+                <a:latin typeface="Courier"/>
+              </a:rPr>
+              <a:t>p[ 2 ] = (-11200424.836296545-298982612.7578789j)</a:t>
+            </a:r>
+            <a:endParaRPr sz="2400" b="0" i="0">
+              <a:latin typeface="Courier"/>
+            </a:endParaRPr>
+          </a:p>
+        </p:txBody>
+      </p:sp>
+      <p:sp>
+        <p:nvSpPr>
+          <p:cNvPr id="3" name="Title 2"/>
+          <p:cNvSpPr>
+            <a:spLocks noGrp="1"/>
+          </p:cNvSpPr>
+          <p:nvPr>
+            <p:ph type="title"/>
+          </p:nvPr>
+        </p:nvSpPr>
+        <p:spPr/>
+        <p:txBody>
+          <a:bodyPr wrap="square">
+            <a:noAutofit/>
+          </a:bodyPr>
+          <a:lstStyle/>
+          <a:p>
+            <a:r>
+              <a:rPr sz="3200" b="1" i="0">
+                <a:latin typeface="Arial"/>
+              </a:rPr>
+              <a:t>Polen van een 7de orde Butterworth banddoorlaatfilter</a:t>
+            </a:r>
+            <a:endParaRPr sz="3200" b="1" i="0">
+              <a:latin typeface="Arial"/>
+            </a:endParaRPr>
+          </a:p>
+        </p:txBody>
+      </p:sp>
+    </p:spTree>
+  </p:cSld>
+  <p:clrMapOvr>
+    <a:masterClrMapping/>
+  </p:clrMapOvr>
+</p:sld>
+</file>
+
+<file path=ppt/slides/slide43.xml><?xml version="1.0" encoding="utf-8"?>
+<p:sld xmlns:a="http://schemas.openxmlformats.org/drawingml/2006/main" xmlns:p="http://schemas.openxmlformats.org/presentationml/2006/main" xmlns:r="http://schemas.openxmlformats.org/officeDocument/2006/relationships">
+  <p:cSld>
+    <p:spTree>
+      <p:nvGrpSpPr>
+        <p:cNvPr id="1" name=""/>
+        <p:cNvGrpSpPr/>
+        <p:nvPr/>
+      </p:nvGrpSpPr>
+      <p:grpSpPr/>
+      <p:sp>
+        <p:nvSpPr>
+          <p:cNvPr id="2" name="Content Placeholder 1"/>
+          <p:cNvSpPr>
+            <a:spLocks noGrp="1"/>
+          </p:cNvSpPr>
+          <p:nvPr>
+            <p:ph idx="1"/>
+          </p:nvPr>
+        </p:nvSpPr>
+        <p:spPr/>
+        <p:txBody>
+          <a:bodyPr wrap="square">
+            <a:noAutofit/>
+          </a:bodyPr>
+          <a:lstStyle/>
+          <a:p>
+            <a:pPr>
+              <a:lnSpc>
+                <a:spcPts val="2400"/>
+              </a:lnSpc>
+              <a:defRPr>
+                <a:solidFill>
+                  <a:srgbClr val="000000"/>
+                </a:solidFill>
+              </a:defRPr>
+            </a:pPr>
+            <a:r>
+              <a:rPr sz="2400" b="0" i="0">
+                <a:latin typeface="Courier"/>
+              </a:rPr>
+              <a:t>p[ 3 ] = (-16539450.539423024-305061656.189032j)</a:t>
+            </a:r>
+            <a:endParaRPr sz="2400" b="0" i="0">
+              <a:latin typeface="Courier"/>
+            </a:endParaRPr>
+          </a:p>
+          <a:p>
+            <a:pPr>
+              <a:lnSpc>
+                <a:spcPts val="2400"/>
+              </a:lnSpc>
+              <a:defRPr>
+                <a:solidFill>
+                  <a:srgbClr val="000000"/>
+                </a:solidFill>
+              </a:defRPr>
+            </a:pPr>
+            <a:r>
+              <a:rPr sz="2400" b="0" i="0">
+                <a:latin typeface="Courier"/>
+              </a:rPr>
+              <a:t>p[ 4 ] = (-18849555.92153874-313026248.8897938j)</a:t>
+            </a:r>
+            <a:endParaRPr sz="2400" b="0" i="0">
+              <a:latin typeface="Courier"/>
+            </a:endParaRPr>
+          </a:p>
+          <a:p>
+            <a:pPr>
+              <a:lnSpc>
+                <a:spcPts val="2400"/>
+              </a:lnSpc>
+              <a:defRPr>
+                <a:solidFill>
+                  <a:srgbClr val="000000"/>
+                </a:solidFill>
+              </a:defRPr>
+            </a:pPr>
+            <a:r>
+              <a:rPr sz="2400" b="0" i="0">
+                <a:latin typeface="Courier"/>
+              </a:rPr>
+              <a:t>p[ 5 ] = (-16539450.539423024+305061656.189032j)</a:t>
+            </a:r>
+            <a:endParaRPr sz="2400" b="0" i="0">
+              <a:latin typeface="Courier"/>
+            </a:endParaRPr>
+          </a:p>
+          <a:p>
+            <a:pPr>
+              <a:lnSpc>
+                <a:spcPts val="2400"/>
+              </a:lnSpc>
+              <a:defRPr>
+                <a:solidFill>
+                  <a:srgbClr val="000000"/>
+                </a:solidFill>
+              </a:defRPr>
+            </a:pPr>
+            <a:r>
+              <a:rPr sz="2400" b="0" i="0">
+                <a:latin typeface="Courier"/>
+              </a:rPr>
+              <a:t>p[ 6 ] = (-11200424.836296545+298982612.7578789j)</a:t>
+            </a:r>
+            <a:endParaRPr sz="2400" b="0" i="0">
+              <a:latin typeface="Courier"/>
+            </a:endParaRPr>
+          </a:p>
+          <a:p>
+            <a:pPr>
+              <a:lnSpc>
+                <a:spcPts val="2400"/>
+              </a:lnSpc>
+              <a:defRPr>
+                <a:solidFill>
+                  <a:srgbClr val="000000"/>
+                </a:solidFill>
+              </a:defRPr>
+            </a:pPr>
+            <a:r>
+              <a:rPr sz="2400" b="0" i="0">
+                <a:latin typeface="Courier"/>
+              </a:rPr>
+              <a:t>p[ 7 ] = (-3949021.641305336+295726397.242198j)</a:t>
+            </a:r>
+            <a:endParaRPr sz="2400" b="0" i="0">
+              <a:latin typeface="Courier"/>
+            </a:endParaRPr>
+          </a:p>
+          <a:p>
+            <a:pPr>
+              <a:lnSpc>
+                <a:spcPts val="2400"/>
+              </a:lnSpc>
+              <a:defRPr>
+                <a:solidFill>
+                  <a:srgbClr val="000000"/>
+                </a:solidFill>
+              </a:defRPr>
+            </a:pPr>
+            <a:r>
+              <a:rPr sz="2400" b="0" i="0">
+                <a:latin typeface="Courier"/>
+              </a:rPr>
+              <a:t>p[ 8 ] = (-4439819.935339821+332480313.6424786j)</a:t>
+            </a:r>
+            <a:endParaRPr sz="2400" b="0" i="0">
+              <a:latin typeface="Courier"/>
+            </a:endParaRPr>
+          </a:p>
+          <a:p>
+            <a:pPr>
+              <a:lnSpc>
+                <a:spcPts val="2400"/>
+              </a:lnSpc>
+              <a:defRPr>
+                <a:solidFill>
+                  <a:srgbClr val="000000"/>
+                </a:solidFill>
+              </a:defRPr>
+            </a:pPr>
+            <a:r>
+              <a:rPr sz="2400" b="0" i="0">
+                <a:latin typeface="Courier"/>
+              </a:rPr>
+              <a:t>p[ 9 ] = (-12304586.93699407+328456965.2578802j)</a:t>
+            </a:r>
+            <a:endParaRPr sz="2400" b="0" i="0">
+              <a:latin typeface="Courier"/>
+            </a:endParaRPr>
+          </a:p>
+          <a:p>
+            <a:pPr>
+              <a:lnSpc>
+                <a:spcPts val="2400"/>
+              </a:lnSpc>
+              <a:defRPr>
+                <a:solidFill>
+                  <a:srgbClr val="000000"/>
+                </a:solidFill>
+              </a:defRPr>
+            </a:pPr>
+            <a:r>
+              <a:rPr sz="2400" b="0" i="0">
+                <a:latin typeface="Courier"/>
+              </a:rPr>
+              <a:t>p[ 10 ] = (-17426275.57876118+321418687.7969175j)</a:t>
+            </a:r>
+            <a:endParaRPr sz="2400" b="0" i="0">
+              <a:latin typeface="Courier"/>
+            </a:endParaRPr>
+          </a:p>
+          <a:p>
+            <a:pPr>
+              <a:lnSpc>
+                <a:spcPts val="2400"/>
+              </a:lnSpc>
+              <a:defRPr>
+                <a:solidFill>
+                  <a:srgbClr val="000000"/>
+                </a:solidFill>
+              </a:defRPr>
+            </a:pPr>
+            <a:r>
+              <a:rPr sz="2400" b="0" i="0">
+                <a:latin typeface="Courier"/>
+              </a:rPr>
+              <a:t>p[ 11 ] = (-18849555.92153874+313026248.8897938j)</a:t>
+            </a:r>
+            <a:endParaRPr sz="2400" b="0" i="0">
+              <a:latin typeface="Courier"/>
+            </a:endParaRPr>
+          </a:p>
+          <a:p>
+            <a:pPr>
+              <a:lnSpc>
+                <a:spcPts val="2400"/>
+              </a:lnSpc>
+              <a:defRPr>
+                <a:solidFill>
+                  <a:srgbClr val="000000"/>
+                </a:solidFill>
+              </a:defRPr>
+            </a:pPr>
+            <a:r>
+              <a:rPr sz="2400" b="0" i="0">
+                <a:latin typeface="Courier"/>
+              </a:rPr>
+              <a:t>p[ 12 ] = (-17426275.57876118-321418687.7969175j)</a:t>
+            </a:r>
+            <a:endParaRPr sz="2400" b="0" i="0">
+              <a:latin typeface="Courier"/>
+            </a:endParaRPr>
+          </a:p>
+          <a:p>
+            <a:pPr>
+              <a:lnSpc>
+                <a:spcPts val="2400"/>
+              </a:lnSpc>
+              <a:defRPr>
+                <a:solidFill>
+                  <a:srgbClr val="000000"/>
+                </a:solidFill>
+              </a:defRPr>
+            </a:pPr>
+            <a:r>
+              <a:rPr sz="2400" b="0" i="0">
+                <a:latin typeface="Courier"/>
+              </a:rPr>
+              <a:t>p[ 13 ] = (-12304586.93699407-328456965.2578802j)</a:t>
+            </a:r>
+            <a:endParaRPr sz="2400" b="0" i="0">
+              <a:latin typeface="Courier"/>
+            </a:endParaRPr>
+          </a:p>
+        </p:txBody>
+      </p:sp>
+      <p:sp>
+        <p:nvSpPr>
+          <p:cNvPr id="3" name="Title 2"/>
+          <p:cNvSpPr>
+            <a:spLocks noGrp="1"/>
+          </p:cNvSpPr>
+          <p:nvPr>
+            <p:ph type="title"/>
+          </p:nvPr>
+        </p:nvSpPr>
+        <p:spPr/>
+        <p:txBody>
+          <a:bodyPr wrap="square">
+            <a:noAutofit/>
+          </a:bodyPr>
+          <a:lstStyle/>
+          <a:p>
+            <a:r>
+              <a:rPr sz="3200" b="1" i="0">
+                <a:latin typeface="Arial"/>
+              </a:rPr>
+              <a:t>Polen van een 7de orde Butterworth banddoorlaatfilter</a:t>
+            </a:r>
+            <a:endParaRPr sz="3200" b="1" i="0">
+              <a:latin typeface="Arial"/>
+            </a:endParaRPr>
+          </a:p>
+        </p:txBody>
+      </p:sp>
+    </p:spTree>
+  </p:cSld>
+  <p:clrMapOvr>
+    <a:masterClrMapping/>
+  </p:clrMapOvr>
+</p:sld>
+</file>
+
+<file path=ppt/slides/slide44.xml><?xml version="1.0" encoding="utf-8"?>
+<p:sld xmlns:a="http://schemas.openxmlformats.org/drawingml/2006/main" xmlns:p="http://schemas.openxmlformats.org/presentationml/2006/main" xmlns:r="http://schemas.openxmlformats.org/officeDocument/2006/relationships">
+  <p:cSld>
+    <p:spTree>
+      <p:nvGrpSpPr>
+        <p:cNvPr id="1" name=""/>
+        <p:cNvGrpSpPr/>
+        <p:nvPr/>
+      </p:nvGrpSpPr>
+      <p:grpSpPr/>
+      <p:sp>
+        <p:nvSpPr>
+          <p:cNvPr id="2" name="Content Placeholder 1"/>
+          <p:cNvSpPr>
+            <a:spLocks noGrp="1"/>
+          </p:cNvSpPr>
+          <p:nvPr>
+            <p:ph idx="1"/>
+          </p:nvPr>
+        </p:nvSpPr>
+        <p:spPr/>
+        <p:txBody>
+          <a:bodyPr wrap="square">
+            <a:noAutofit/>
+          </a:bodyPr>
+          <a:lstStyle/>
+          <a:p>
+            <a:pPr>
+              <a:lnSpc>
+                <a:spcPts val="2400"/>
+              </a:lnSpc>
+              <a:defRPr>
+                <a:solidFill>
+                  <a:srgbClr val="000000"/>
+                </a:solidFill>
+              </a:defRPr>
+            </a:pPr>
+            <a:r>
+              <a:rPr sz="2400" b="0" i="0">
+                <a:latin typeface="Courier"/>
+              </a:rPr>
+              <a:t>p[ 14 ] = (-4439819.935339821-332480313.6424786j)</a:t>
+            </a:r>
+            <a:endParaRPr sz="2400" b="0" i="0">
+              <a:latin typeface="Courier"/>
+            </a:endParaRPr>
+          </a:p>
+          <a:p>
+            <a:pPr>
+              <a:lnSpc>
+                <a:spcPts val="2400"/>
+              </a:lnSpc>
+              <a:defRPr>
+                <a:solidFill>
+                  <a:srgbClr val="000000"/>
+                </a:solidFill>
+              </a:defRPr>
+            </a:pPr>
+            <a:endParaRPr sz="2400" b="0" i="0">
+              <a:latin typeface="Courier"/>
+            </a:endParaRPr>
+          </a:p>
+        </p:txBody>
+      </p:sp>
+      <p:sp>
+        <p:nvSpPr>
+          <p:cNvPr id="3" name="Title 2"/>
+          <p:cNvSpPr>
+            <a:spLocks noGrp="1"/>
+          </p:cNvSpPr>
+          <p:nvPr>
+            <p:ph type="title"/>
+          </p:nvPr>
+        </p:nvSpPr>
+        <p:spPr/>
+        <p:txBody>
+          <a:bodyPr wrap="square">
+            <a:noAutofit/>
+          </a:bodyPr>
+          <a:lstStyle/>
+          <a:p>
+            <a:r>
+              <a:rPr sz="3200" b="1" i="0">
+                <a:latin typeface="Arial"/>
+              </a:rPr>
+              <a:t>Polen van een 7de orde Butterworth banddoorlaatfilter</a:t>
+            </a:r>
+            <a:endParaRPr sz="3200" b="1" i="0">
+              <a:latin typeface="Arial"/>
+            </a:endParaRPr>
+          </a:p>
+        </p:txBody>
+      </p:sp>
+    </p:spTree>
+  </p:cSld>
+  <p:clrMapOvr>
+    <a:masterClrMapping/>
+  </p:clrMapOvr>
+</p:sld>
+</file>
+
+<file path=ppt/slides/slide45.xml><?xml version="1.0" encoding="utf-8"?>
+<p:sld xmlns:a="http://schemas.openxmlformats.org/drawingml/2006/main" xmlns:p="http://schemas.openxmlformats.org/presentationml/2006/main" xmlns:r="http://schemas.openxmlformats.org/officeDocument/2006/relationships">
+  <p:cSld>
+    <p:spTree>
+      <p:nvGrpSpPr>
+        <p:cNvPr id="1" name=""/>
+        <p:cNvGrpSpPr/>
+        <p:nvPr/>
+      </p:nvGrpSpPr>
+      <p:grpSpPr/>
+      <p:sp>
+        <p:nvSpPr>
+          <p:cNvPr id="2" name="Title 1"/>
+          <p:cNvSpPr>
+            <a:spLocks noGrp="1"/>
+          </p:cNvSpPr>
+          <p:nvPr>
+            <p:ph type="title"/>
+          </p:nvPr>
+        </p:nvSpPr>
+        <p:spPr/>
+        <p:txBody>
+          <a:bodyPr wrap="square">
+            <a:noAutofit/>
+          </a:bodyPr>
+          <a:lstStyle/>
+          <a:p>
+            <a:r>
+              <a:rPr sz="3200" b="1" i="0">
+                <a:latin typeface="Arial"/>
+              </a:rPr>
+              <a:t>Polen van een 7de orde Butterworth banddoorlaatfilter</a:t>
+            </a:r>
+            <a:endParaRPr sz="3200" b="1" i="0">
+              <a:latin typeface="Arial"/>
+            </a:endParaRPr>
+          </a:p>
+        </p:txBody>
+      </p:sp>
+      <p:pic>
+        <p:nvPicPr>
+          <p:cNvPr id="3" name="Picture 2" descr="image.png"/>
+          <p:cNvPicPr>
+            <a:picLocks noChangeAspect="1"/>
+          </p:cNvPicPr>
+          <p:nvPr/>
+        </p:nvPicPr>
+        <p:blipFill>
+          <a:blip r:embed="rId2"/>
+          <a:stretch>
+            <a:fillRect/>
+          </a:stretch>
+        </p:blipFill>
+        <p:spPr>
+          <a:xfrm>
+            <a:off x="3277512" y="566928"/>
+            <a:ext cx="5636976" cy="5669280"/>
+          </a:xfrm>
+          <a:prstGeom prst="rect">
+            <a:avLst/>
+          </a:prstGeom>
+        </p:spPr>
+      </p:pic>
+    </p:spTree>
+  </p:cSld>
+  <p:clrMapOvr>
+    <a:masterClrMapping/>
+  </p:clrMapOvr>
+</p:sld>
+</file>
+
+<file path=ppt/slides/slide46.xml><?xml version="1.0" encoding="utf-8"?>
+<p:sld xmlns:a="http://schemas.openxmlformats.org/drawingml/2006/main" xmlns:p="http://schemas.openxmlformats.org/presentationml/2006/main" xmlns:r="http://schemas.openxmlformats.org/officeDocument/2006/relationships">
+  <p:cSld>
+    <p:spTree>
+      <p:nvGrpSpPr>
+        <p:cNvPr id="1" name=""/>
+        <p:cNvGrpSpPr/>
+        <p:nvPr/>
+      </p:nvGrpSpPr>
+      <p:grpSpPr/>
+      <p:sp>
+        <p:nvSpPr>
+          <p:cNvPr id="2" name="Title 1"/>
+          <p:cNvSpPr>
+            <a:spLocks noGrp="1"/>
+          </p:cNvSpPr>
+          <p:nvPr>
+            <p:ph type="title"/>
+          </p:nvPr>
+        </p:nvSpPr>
+        <p:spPr/>
+        <p:txBody>
+          <a:bodyPr wrap="square">
+            <a:noAutofit/>
+          </a:bodyPr>
+          <a:lstStyle/>
+          <a:p>
+            <a:r>
+              <a:rPr sz="2200" b="1" i="0">
+                <a:latin typeface="Arial"/>
+              </a:rPr>
+              <a:t>Vergelijking 7de orde banddoorlaatfilter en opeenvolging laagdoorlaat- en hoogdoorlaatfilter</a:t>
+            </a:r>
+            <a:endParaRPr sz="2200" b="1" i="0">
+              <a:latin typeface="Arial"/>
+            </a:endParaRPr>
+          </a:p>
+        </p:txBody>
+      </p:sp>
+      <p:pic>
+        <p:nvPicPr>
+          <p:cNvPr id="3" name="Picture 2" descr="image.png"/>
+          <p:cNvPicPr>
+            <a:picLocks noChangeAspect="1"/>
+          </p:cNvPicPr>
+          <p:nvPr/>
+        </p:nvPicPr>
+        <p:blipFill>
+          <a:blip r:embed="rId2"/>
+          <a:stretch>
+            <a:fillRect/>
+          </a:stretch>
+        </p:blipFill>
+        <p:spPr>
+          <a:xfrm>
+            <a:off x="2004870" y="566928"/>
+            <a:ext cx="8182259" cy="5669280"/>
+          </a:xfrm>
+          <a:prstGeom prst="rect">
+            <a:avLst/>
+          </a:prstGeom>
+        </p:spPr>
+      </p:pic>
+    </p:spTree>
+  </p:cSld>
+  <p:clrMapOvr>
+    <a:masterClrMapping/>
+  </p:clrMapOvr>
+</p:sld>
+</file>
+
+<file path=ppt/slides/slide47.xml><?xml version="1.0" encoding="utf-8"?>
+<p:sld xmlns:a="http://schemas.openxmlformats.org/drawingml/2006/main" xmlns:p="http://schemas.openxmlformats.org/presentationml/2006/main" xmlns:r="http://schemas.openxmlformats.org/officeDocument/2006/relationships">
+  <p:cSld>
+    <p:spTree>
+      <p:nvGrpSpPr>
+        <p:cNvPr id="1" name=""/>
+        <p:cNvGrpSpPr/>
+        <p:nvPr/>
+      </p:nvGrpSpPr>
+      <p:grpSpPr/>
+      <p:sp>
+        <p:nvSpPr>
+          <p:cNvPr id="2" name="Content Placeholder 1"/>
+          <p:cNvSpPr>
+            <a:spLocks noGrp="1"/>
+          </p:cNvSpPr>
+          <p:nvPr>
+            <p:ph idx="1"/>
+          </p:nvPr>
+        </p:nvSpPr>
+        <p:spPr/>
+        <p:txBody>
+          <a:bodyPr wrap="square">
+            <a:noAutofit/>
+          </a:bodyPr>
+          <a:lstStyle/>
+          <a:p>
+            <a:pPr>
+              <a:lnSpc>
+                <a:spcPts val="2400"/>
+              </a:lnSpc>
+              <a:defRPr>
+                <a:solidFill>
+                  <a:srgbClr val="000000"/>
+                </a:solidFill>
+              </a:defRPr>
+            </a:pPr>
+            <a:r>
+              <a:rPr sz="2400" b="0" i="0">
+                <a:latin typeface="Courier"/>
+              </a:rPr>
+              <a:t>Veelterm coefficienten teller: M= 0</a:t>
+            </a:r>
+            <a:endParaRPr sz="2400" b="0" i="0">
+              <a:latin typeface="Courier"/>
+            </a:endParaRPr>
+          </a:p>
+          <a:p>
+            <a:pPr>
+              <a:lnSpc>
+                <a:spcPts val="2400"/>
+              </a:lnSpc>
+              <a:defRPr>
+                <a:solidFill>
+                  <a:srgbClr val="000000"/>
+                </a:solidFill>
+              </a:defRPr>
+            </a:pPr>
+            <a:r>
+              <a:rPr sz="2400" b="0" i="0">
+                <a:latin typeface="Courier"/>
+              </a:rPr>
+              <a:t>b[ 0 ] = 2.298652790795694e+24</a:t>
+            </a:r>
+            <a:endParaRPr sz="2400" b="0" i="0">
+              <a:latin typeface="Courier"/>
+            </a:endParaRPr>
+          </a:p>
+          <a:p>
+            <a:pPr>
+              <a:lnSpc>
+                <a:spcPts val="2400"/>
+              </a:lnSpc>
+              <a:defRPr>
+                <a:solidFill>
+                  <a:srgbClr val="000000"/>
+                </a:solidFill>
+              </a:defRPr>
+            </a:pPr>
+            <a:r>
+              <a:rPr sz="2400" b="0" i="0">
+                <a:latin typeface="Courier"/>
+              </a:rPr>
+              <a:t>Veelterm coefficienten noemer: N= 3</a:t>
+            </a:r>
+            <a:endParaRPr sz="2400" b="0" i="0">
+              <a:latin typeface="Courier"/>
+            </a:endParaRPr>
+          </a:p>
+          <a:p>
+            <a:pPr>
+              <a:lnSpc>
+                <a:spcPts val="2400"/>
+              </a:lnSpc>
+              <a:defRPr>
+                <a:solidFill>
+                  <a:srgbClr val="000000"/>
+                </a:solidFill>
+              </a:defRPr>
+            </a:pPr>
+            <a:r>
+              <a:rPr sz="2400" b="0" i="0">
+                <a:latin typeface="Courier"/>
+              </a:rPr>
+              <a:t>a[ 3 ] = 1.0</a:t>
+            </a:r>
+            <a:endParaRPr sz="2400" b="0" i="0">
+              <a:latin typeface="Courier"/>
+            </a:endParaRPr>
+          </a:p>
+          <a:p>
+            <a:pPr>
+              <a:lnSpc>
+                <a:spcPts val="2400"/>
+              </a:lnSpc>
+              <a:defRPr>
+                <a:solidFill>
+                  <a:srgbClr val="000000"/>
+                </a:solidFill>
+              </a:defRPr>
+            </a:pPr>
+            <a:r>
+              <a:rPr sz="2400" b="0" i="0">
+                <a:latin typeface="Courier"/>
+              </a:rPr>
+              <a:t>a[ 2 ] = 92822184.81844565</a:t>
+            </a:r>
+            <a:endParaRPr sz="2400" b="0" i="0">
+              <a:latin typeface="Courier"/>
+            </a:endParaRPr>
+          </a:p>
+          <a:p>
+            <a:pPr>
+              <a:lnSpc>
+                <a:spcPts val="2400"/>
+              </a:lnSpc>
+              <a:defRPr>
+                <a:solidFill>
+                  <a:srgbClr val="000000"/>
+                </a:solidFill>
+              </a:defRPr>
+            </a:pPr>
+            <a:r>
+              <a:rPr sz="2400" b="0" i="0">
+                <a:latin typeface="Courier"/>
+              </a:rPr>
+              <a:t>a[ 1 ] = 5.168208012246375e+16</a:t>
+            </a:r>
+            <a:endParaRPr sz="2400" b="0" i="0">
+              <a:latin typeface="Courier"/>
+            </a:endParaRPr>
+          </a:p>
+          <a:p>
+            <a:pPr>
+              <a:lnSpc>
+                <a:spcPts val="2400"/>
+              </a:lnSpc>
+              <a:defRPr>
+                <a:solidFill>
+                  <a:srgbClr val="000000"/>
+                </a:solidFill>
+              </a:defRPr>
+            </a:pPr>
+            <a:r>
+              <a:rPr sz="2400" b="0" i="0">
+                <a:latin typeface="Courier"/>
+              </a:rPr>
+              <a:t>a[ 0 ] = 2.2986527907956946e+24</a:t>
+            </a:r>
+            <a:endParaRPr sz="2400" b="0" i="0">
+              <a:latin typeface="Courier"/>
+            </a:endParaRPr>
+          </a:p>
+          <a:p>
+            <a:pPr>
+              <a:lnSpc>
+                <a:spcPts val="2400"/>
+              </a:lnSpc>
+              <a:defRPr>
+                <a:solidFill>
+                  <a:srgbClr val="000000"/>
+                </a:solidFill>
+              </a:defRPr>
+            </a:pPr>
+            <a:endParaRPr sz="2400" b="0" i="0">
+              <a:latin typeface="Courier"/>
+            </a:endParaRPr>
+          </a:p>
+        </p:txBody>
+      </p:sp>
+      <p:sp>
+        <p:nvSpPr>
+          <p:cNvPr id="3" name="Title 2"/>
+          <p:cNvSpPr>
+            <a:spLocks noGrp="1"/>
+          </p:cNvSpPr>
+          <p:nvPr>
+            <p:ph type="title"/>
+          </p:nvPr>
+        </p:nvSpPr>
+        <p:spPr/>
+        <p:txBody>
+          <a:bodyPr wrap="square">
+            <a:noAutofit/>
+          </a:bodyPr>
+          <a:lstStyle/>
+          <a:p>
+            <a:r>
+              <a:rPr sz="3200" b="1" i="0">
+                <a:latin typeface="Arial"/>
+              </a:rPr>
+              <a:t>40 MHz Chebyshev laagdoorlaatfilter</a:t>
+            </a:r>
+            <a:endParaRPr sz="3200" b="1" i="0">
+              <a:latin typeface="Arial"/>
+            </a:endParaRPr>
+          </a:p>
+        </p:txBody>
+      </p:sp>
+    </p:spTree>
+  </p:cSld>
+  <p:clrMapOvr>
+    <a:masterClrMapping/>
+  </p:clrMapOvr>
+</p:sld>
+</file>
+
+<file path=ppt/slides/slide48.xml><?xml version="1.0" encoding="utf-8"?>
+<p:sld xmlns:a="http://schemas.openxmlformats.org/drawingml/2006/main" xmlns:p="http://schemas.openxmlformats.org/presentationml/2006/main" xmlns:r="http://schemas.openxmlformats.org/officeDocument/2006/relationships">
+  <p:cSld>
+    <p:spTree>
+      <p:nvGrpSpPr>
+        <p:cNvPr id="1" name=""/>
+        <p:cNvGrpSpPr/>
+        <p:nvPr/>
+      </p:nvGrpSpPr>
+      <p:grpSpPr/>
+      <p:sp>
+        <p:nvSpPr>
+          <p:cNvPr id="2" name="Title 1"/>
+          <p:cNvSpPr>
+            <a:spLocks noGrp="1"/>
+          </p:cNvSpPr>
+          <p:nvPr>
+            <p:ph type="title"/>
+          </p:nvPr>
+        </p:nvSpPr>
+        <p:spPr/>
+        <p:txBody>
+          <a:bodyPr wrap="square">
+            <a:noAutofit/>
+          </a:bodyPr>
+          <a:lstStyle/>
+          <a:p>
+            <a:r>
+              <a:rPr sz="3200" b="1" i="0">
+                <a:latin typeface="Arial"/>
+              </a:rPr>
+              <a:t>40 MHz Chebyshev laagdoorlaatfilter</a:t>
+            </a:r>
+            <a:endParaRPr sz="3200" b="1" i="0">
+              <a:latin typeface="Arial"/>
+            </a:endParaRPr>
+          </a:p>
+        </p:txBody>
+      </p:sp>
+      <p:pic>
+        <p:nvPicPr>
+          <p:cNvPr id="3" name="Picture 2" descr="image.png"/>
+          <p:cNvPicPr>
+            <a:picLocks noChangeAspect="1"/>
+          </p:cNvPicPr>
+          <p:nvPr/>
+        </p:nvPicPr>
+        <p:blipFill>
+          <a:blip r:embed="rId2"/>
+          <a:stretch>
+            <a:fillRect/>
+          </a:stretch>
+        </p:blipFill>
+        <p:spPr>
+          <a:xfrm>
+            <a:off x="2004870" y="566928"/>
+            <a:ext cx="8182259" cy="5669280"/>
+          </a:xfrm>
+          <a:prstGeom prst="rect">
+            <a:avLst/>
+          </a:prstGeom>
+        </p:spPr>
+      </p:pic>
+    </p:spTree>
+  </p:cSld>
+  <p:clrMapOvr>
+    <a:masterClrMapping/>
+  </p:clrMapOvr>
+</p:sld>
+</file>
+
+<file path=ppt/slides/slide49.xml><?xml version="1.0" encoding="utf-8"?>
+<p:sld xmlns:a="http://schemas.openxmlformats.org/drawingml/2006/main" xmlns:p="http://schemas.openxmlformats.org/presentationml/2006/main" xmlns:r="http://schemas.openxmlformats.org/officeDocument/2006/relationships">
+  <p:cSld>
+    <p:spTree>
+      <p:nvGrpSpPr>
+        <p:cNvPr id="1" name=""/>
+        <p:cNvGrpSpPr/>
+        <p:nvPr/>
+      </p:nvGrpSpPr>
+      <p:grpSpPr/>
+      <p:sp>
+        <p:nvSpPr>
+          <p:cNvPr id="2" name="Title 1"/>
+          <p:cNvSpPr>
+            <a:spLocks noGrp="1"/>
+          </p:cNvSpPr>
+          <p:nvPr>
+            <p:ph type="title"/>
+          </p:nvPr>
+        </p:nvSpPr>
+        <p:spPr/>
+        <p:txBody>
+          <a:bodyPr wrap="square">
+            <a:noAutofit/>
+          </a:bodyPr>
+          <a:lstStyle/>
+          <a:p>
+            <a:r>
+              <a:rPr sz="3200" b="1" i="0">
+                <a:latin typeface="Arial"/>
+              </a:rPr>
+              <a:t>detail van de 6dB passband</a:t>
+            </a:r>
+            <a:endParaRPr sz="3200" b="1" i="0">
+              <a:latin typeface="Arial"/>
+            </a:endParaRPr>
+          </a:p>
+        </p:txBody>
+      </p:sp>
+      <p:pic>
+        <p:nvPicPr>
+          <p:cNvPr id="3" name="Picture 2" descr="image.png"/>
+          <p:cNvPicPr>
+            <a:picLocks noChangeAspect="1"/>
+          </p:cNvPicPr>
+          <p:nvPr/>
+        </p:nvPicPr>
+        <p:blipFill>
+          <a:blip r:embed="rId2"/>
+          <a:stretch>
+            <a:fillRect/>
+          </a:stretch>
+        </p:blipFill>
+        <p:spPr>
+          <a:xfrm>
+            <a:off x="2004870" y="566928"/>
+            <a:ext cx="8182259" cy="5669280"/>
+          </a:xfrm>
+          <a:prstGeom prst="rect">
+            <a:avLst/>
+          </a:prstGeom>
+        </p:spPr>
+      </p:pic>
     </p:spTree>
   </p:cSld>
   <p:clrMapOvr>
@@ -8397,14 +11808,1447 @@
         </p:blipFill>
         <p:spPr>
           <a:xfrm>
-            <a:off x="2518546" y="566928"/>
-            <a:ext cx="7154908" cy="5577840"/>
+            <a:off x="2459899" y="566928"/>
+            <a:ext cx="7272201" cy="5669280"/>
           </a:xfrm>
           <a:prstGeom prst="rect">
             <a:avLst/>
           </a:prstGeom>
         </p:spPr>
       </p:pic>
+    </p:spTree>
+  </p:cSld>
+  <p:clrMapOvr>
+    <a:masterClrMapping/>
+  </p:clrMapOvr>
+</p:sld>
+</file>
+
+<file path=ppt/slides/slide50.xml><?xml version="1.0" encoding="utf-8"?>
+<p:sld xmlns:a="http://schemas.openxmlformats.org/drawingml/2006/main" xmlns:p="http://schemas.openxmlformats.org/presentationml/2006/main" xmlns:r="http://schemas.openxmlformats.org/officeDocument/2006/relationships">
+  <p:cSld>
+    <p:spTree>
+      <p:nvGrpSpPr>
+        <p:cNvPr id="1" name=""/>
+        <p:cNvGrpSpPr/>
+        <p:nvPr/>
+      </p:nvGrpSpPr>
+      <p:grpSpPr/>
+      <p:sp>
+        <p:nvSpPr>
+          <p:cNvPr id="2" name="Content Placeholder 1"/>
+          <p:cNvSpPr>
+            <a:spLocks noGrp="1"/>
+          </p:cNvSpPr>
+          <p:nvPr>
+            <p:ph idx="1"/>
+          </p:nvPr>
+        </p:nvSpPr>
+        <p:spPr/>
+        <p:txBody>
+          <a:bodyPr wrap="square">
+            <a:noAutofit/>
+          </a:bodyPr>
+          <a:lstStyle/>
+          <a:p>
+            <a:pPr>
+              <a:lnSpc>
+                <a:spcPts val="2400"/>
+              </a:lnSpc>
+              <a:defRPr>
+                <a:solidFill>
+                  <a:srgbClr val="000000"/>
+                </a:solidFill>
+              </a:defRPr>
+            </a:pPr>
+            <a:r>
+              <a:rPr sz="2400" b="0" i="0">
+                <a:latin typeface="Courier"/>
+              </a:rPr>
+              <a:t>Lijst der nullen: M= 0</a:t>
+            </a:r>
+            <a:endParaRPr sz="2400" b="0" i="0">
+              <a:latin typeface="Courier"/>
+            </a:endParaRPr>
+          </a:p>
+          <a:p>
+            <a:pPr>
+              <a:lnSpc>
+                <a:spcPts val="2400"/>
+              </a:lnSpc>
+              <a:defRPr>
+                <a:solidFill>
+                  <a:srgbClr val="000000"/>
+                </a:solidFill>
+              </a:defRPr>
+            </a:pPr>
+            <a:r>
+              <a:rPr sz="2400" b="0" i="0">
+                <a:latin typeface="Courier"/>
+              </a:rPr>
+              <a:t>Lijst der polen: N= 3</a:t>
+            </a:r>
+            <a:endParaRPr sz="2400" b="0" i="0">
+              <a:latin typeface="Courier"/>
+            </a:endParaRPr>
+          </a:p>
+          <a:p>
+            <a:pPr>
+              <a:lnSpc>
+                <a:spcPts val="2400"/>
+              </a:lnSpc>
+              <a:defRPr>
+                <a:solidFill>
+                  <a:srgbClr val="000000"/>
+                </a:solidFill>
+              </a:defRPr>
+            </a:pPr>
+            <a:r>
+              <a:rPr sz="2400" b="0" i="0">
+                <a:latin typeface="Courier"/>
+              </a:rPr>
+              <a:t>p[ 1 ] = (-23205546.204611413+221335928.5095666j)</a:t>
+            </a:r>
+            <a:endParaRPr sz="2400" b="0" i="0">
+              <a:latin typeface="Courier"/>
+            </a:endParaRPr>
+          </a:p>
+          <a:p>
+            <a:pPr>
+              <a:lnSpc>
+                <a:spcPts val="2400"/>
+              </a:lnSpc>
+              <a:defRPr>
+                <a:solidFill>
+                  <a:srgbClr val="000000"/>
+                </a:solidFill>
+              </a:defRPr>
+            </a:pPr>
+            <a:r>
+              <a:rPr sz="2400" b="0" i="0">
+                <a:latin typeface="Courier"/>
+              </a:rPr>
+              <a:t>p[ 2 ] = (-46411092.40922282-0j)</a:t>
+            </a:r>
+            <a:endParaRPr sz="2400" b="0" i="0">
+              <a:latin typeface="Courier"/>
+            </a:endParaRPr>
+          </a:p>
+          <a:p>
+            <a:pPr>
+              <a:lnSpc>
+                <a:spcPts val="2400"/>
+              </a:lnSpc>
+              <a:defRPr>
+                <a:solidFill>
+                  <a:srgbClr val="000000"/>
+                </a:solidFill>
+              </a:defRPr>
+            </a:pPr>
+            <a:r>
+              <a:rPr sz="2400" b="0" i="0">
+                <a:latin typeface="Courier"/>
+              </a:rPr>
+              <a:t>p[ 3 ] = (-23205546.204611413-221335928.5095666j)</a:t>
+            </a:r>
+            <a:endParaRPr sz="2400" b="0" i="0">
+              <a:latin typeface="Courier"/>
+            </a:endParaRPr>
+          </a:p>
+          <a:p>
+            <a:pPr>
+              <a:lnSpc>
+                <a:spcPts val="2400"/>
+              </a:lnSpc>
+              <a:defRPr>
+                <a:solidFill>
+                  <a:srgbClr val="000000"/>
+                </a:solidFill>
+              </a:defRPr>
+            </a:pPr>
+            <a:endParaRPr sz="2400" b="0" i="0">
+              <a:latin typeface="Courier"/>
+            </a:endParaRPr>
+          </a:p>
+        </p:txBody>
+      </p:sp>
+      <p:sp>
+        <p:nvSpPr>
+          <p:cNvPr id="3" name="Title 2"/>
+          <p:cNvSpPr>
+            <a:spLocks noGrp="1"/>
+          </p:cNvSpPr>
+          <p:nvPr>
+            <p:ph type="title"/>
+          </p:nvPr>
+        </p:nvSpPr>
+        <p:spPr/>
+        <p:txBody>
+          <a:bodyPr wrap="square">
+            <a:noAutofit/>
+          </a:bodyPr>
+          <a:lstStyle/>
+          <a:p>
+            <a:r>
+              <a:rPr sz="3200" b="1" i="0">
+                <a:latin typeface="Arial"/>
+              </a:rPr>
+              <a:t>polen derde orde 40 MHz Chebyshev laagdoorlaatfilter</a:t>
+            </a:r>
+            <a:endParaRPr sz="3200" b="1" i="0">
+              <a:latin typeface="Arial"/>
+            </a:endParaRPr>
+          </a:p>
+        </p:txBody>
+      </p:sp>
+    </p:spTree>
+  </p:cSld>
+  <p:clrMapOvr>
+    <a:masterClrMapping/>
+  </p:clrMapOvr>
+</p:sld>
+</file>
+
+<file path=ppt/slides/slide51.xml><?xml version="1.0" encoding="utf-8"?>
+<p:sld xmlns:a="http://schemas.openxmlformats.org/drawingml/2006/main" xmlns:p="http://schemas.openxmlformats.org/presentationml/2006/main" xmlns:r="http://schemas.openxmlformats.org/officeDocument/2006/relationships">
+  <p:cSld>
+    <p:spTree>
+      <p:nvGrpSpPr>
+        <p:cNvPr id="1" name=""/>
+        <p:cNvGrpSpPr/>
+        <p:nvPr/>
+      </p:nvGrpSpPr>
+      <p:grpSpPr/>
+      <p:sp>
+        <p:nvSpPr>
+          <p:cNvPr id="2" name="Title 1"/>
+          <p:cNvSpPr>
+            <a:spLocks noGrp="1"/>
+          </p:cNvSpPr>
+          <p:nvPr>
+            <p:ph type="title"/>
+          </p:nvPr>
+        </p:nvSpPr>
+        <p:spPr/>
+        <p:txBody>
+          <a:bodyPr wrap="square">
+            <a:noAutofit/>
+          </a:bodyPr>
+          <a:lstStyle/>
+          <a:p>
+            <a:r>
+              <a:rPr sz="3200" b="1" i="0">
+                <a:latin typeface="Arial"/>
+              </a:rPr>
+              <a:t>Polen derde orde 40 MHz Chebyshev laagdoorlaatfilter</a:t>
+            </a:r>
+            <a:endParaRPr sz="3200" b="1" i="0">
+              <a:latin typeface="Arial"/>
+            </a:endParaRPr>
+          </a:p>
+        </p:txBody>
+      </p:sp>
+      <p:pic>
+        <p:nvPicPr>
+          <p:cNvPr id="3" name="Picture 2" descr="image.png"/>
+          <p:cNvPicPr>
+            <a:picLocks noChangeAspect="1"/>
+          </p:cNvPicPr>
+          <p:nvPr/>
+        </p:nvPicPr>
+        <p:blipFill>
+          <a:blip r:embed="rId2"/>
+          <a:stretch>
+            <a:fillRect/>
+          </a:stretch>
+        </p:blipFill>
+        <p:spPr>
+          <a:xfrm>
+            <a:off x="3277512" y="566928"/>
+            <a:ext cx="5636976" cy="5669280"/>
+          </a:xfrm>
+          <a:prstGeom prst="rect">
+            <a:avLst/>
+          </a:prstGeom>
+        </p:spPr>
+      </p:pic>
+    </p:spTree>
+  </p:cSld>
+  <p:clrMapOvr>
+    <a:masterClrMapping/>
+  </p:clrMapOvr>
+</p:sld>
+</file>
+
+<file path=ppt/slides/slide52.xml><?xml version="1.0" encoding="utf-8"?>
+<p:sld xmlns:a="http://schemas.openxmlformats.org/drawingml/2006/main" xmlns:p="http://schemas.openxmlformats.org/presentationml/2006/main" xmlns:r="http://schemas.openxmlformats.org/officeDocument/2006/relationships">
+  <p:cSld>
+    <p:spTree>
+      <p:nvGrpSpPr>
+        <p:cNvPr id="1" name=""/>
+        <p:cNvGrpSpPr/>
+        <p:nvPr/>
+      </p:nvGrpSpPr>
+      <p:grpSpPr/>
+      <p:sp>
+        <p:nvSpPr>
+          <p:cNvPr id="2" name="Content Placeholder 1"/>
+          <p:cNvSpPr>
+            <a:spLocks noGrp="1"/>
+          </p:cNvSpPr>
+          <p:nvPr>
+            <p:ph idx="1"/>
+          </p:nvPr>
+        </p:nvSpPr>
+        <p:spPr/>
+        <p:txBody>
+          <a:bodyPr wrap="square">
+            <a:noAutofit/>
+          </a:bodyPr>
+          <a:lstStyle/>
+          <a:p>
+            <a:pPr>
+              <a:lnSpc>
+                <a:spcPts val="2400"/>
+              </a:lnSpc>
+              <a:defRPr>
+                <a:solidFill>
+                  <a:srgbClr val="000000"/>
+                </a:solidFill>
+              </a:defRPr>
+            </a:pPr>
+            <a:r>
+              <a:rPr sz="2400" b="0" i="0">
+                <a:latin typeface="Courier"/>
+              </a:rPr>
+              <a:t>Veelterm coefficienten teller: M= 0</a:t>
+            </a:r>
+            <a:endParaRPr sz="2400" b="0" i="0">
+              <a:latin typeface="Courier"/>
+            </a:endParaRPr>
+          </a:p>
+          <a:p>
+            <a:pPr>
+              <a:lnSpc>
+                <a:spcPts val="2400"/>
+              </a:lnSpc>
+              <a:defRPr>
+                <a:solidFill>
+                  <a:srgbClr val="000000"/>
+                </a:solidFill>
+              </a:defRPr>
+            </a:pPr>
+            <a:r>
+              <a:rPr sz="2400" b="0" i="0">
+                <a:latin typeface="Courier"/>
+              </a:rPr>
+              <a:t>b[ 0 ] = 1.0669416336250132e+69</a:t>
+            </a:r>
+            <a:endParaRPr sz="2400" b="0" i="0">
+              <a:latin typeface="Courier"/>
+            </a:endParaRPr>
+          </a:p>
+          <a:p>
+            <a:pPr>
+              <a:lnSpc>
+                <a:spcPts val="2400"/>
+              </a:lnSpc>
+              <a:defRPr>
+                <a:solidFill>
+                  <a:srgbClr val="000000"/>
+                </a:solidFill>
+              </a:defRPr>
+            </a:pPr>
+            <a:r>
+              <a:rPr sz="2400" b="0" i="0">
+                <a:latin typeface="Courier"/>
+              </a:rPr>
+              <a:t>Veelterm coefficienten noemer: N= 8</a:t>
+            </a:r>
+            <a:endParaRPr sz="2400" b="0" i="0">
+              <a:latin typeface="Courier"/>
+            </a:endParaRPr>
+          </a:p>
+          <a:p>
+            <a:pPr>
+              <a:lnSpc>
+                <a:spcPts val="2400"/>
+              </a:lnSpc>
+              <a:defRPr>
+                <a:solidFill>
+                  <a:srgbClr val="000000"/>
+                </a:solidFill>
+              </a:defRPr>
+            </a:pPr>
+            <a:r>
+              <a:rPr sz="2400" b="0" i="0">
+                <a:latin typeface="Courier"/>
+              </a:rPr>
+              <a:t>a[ 8 ] = 1.0</a:t>
+            </a:r>
+            <a:endParaRPr sz="2400" b="0" i="0">
+              <a:latin typeface="Courier"/>
+            </a:endParaRPr>
+          </a:p>
+          <a:p>
+            <a:pPr>
+              <a:lnSpc>
+                <a:spcPts val="2400"/>
+              </a:lnSpc>
+              <a:defRPr>
+                <a:solidFill>
+                  <a:srgbClr val="000000"/>
+                </a:solidFill>
+              </a:defRPr>
+            </a:pPr>
+            <a:r>
+              <a:rPr sz="2400" b="0" i="0">
+                <a:latin typeface="Courier"/>
+              </a:rPr>
+              <a:t>a[ 7 ] = 524820305.9616953</a:t>
+            </a:r>
+            <a:endParaRPr sz="2400" b="0" i="0">
+              <a:latin typeface="Courier"/>
+            </a:endParaRPr>
+          </a:p>
+          <a:p>
+            <a:pPr>
+              <a:lnSpc>
+                <a:spcPts val="2400"/>
+              </a:lnSpc>
+              <a:defRPr>
+                <a:solidFill>
+                  <a:srgbClr val="000000"/>
+                </a:solidFill>
+              </a:defRPr>
+            </a:pPr>
+            <a:r>
+              <a:rPr sz="2400" b="0" i="0">
+                <a:latin typeface="Courier"/>
+              </a:rPr>
+              <a:t>a[ 6 ] = 1.2746966037803576e+18</a:t>
+            </a:r>
+            <a:endParaRPr sz="2400" b="0" i="0">
+              <a:latin typeface="Courier"/>
+            </a:endParaRPr>
+          </a:p>
+          <a:p>
+            <a:pPr>
+              <a:lnSpc>
+                <a:spcPts val="2400"/>
+              </a:lnSpc>
+              <a:defRPr>
+                <a:solidFill>
+                  <a:srgbClr val="000000"/>
+                </a:solidFill>
+              </a:defRPr>
+            </a:pPr>
+            <a:r>
+              <a:rPr sz="2400" b="0" i="0">
+                <a:latin typeface="Courier"/>
+              </a:rPr>
+              <a:t>a[ 5 ] = 5.1937707944741785e+26</a:t>
+            </a:r>
+            <a:endParaRPr sz="2400" b="0" i="0">
+              <a:latin typeface="Courier"/>
+            </a:endParaRPr>
+          </a:p>
+          <a:p>
+            <a:pPr>
+              <a:lnSpc>
+                <a:spcPts val="2400"/>
+              </a:lnSpc>
+              <a:defRPr>
+                <a:solidFill>
+                  <a:srgbClr val="000000"/>
+                </a:solidFill>
+              </a:defRPr>
+            </a:pPr>
+            <a:r>
+              <a:rPr sz="2400" b="0" i="0">
+                <a:latin typeface="Courier"/>
+              </a:rPr>
+              <a:t>a[ 4 ] = 5.104888759746549e+35</a:t>
+            </a:r>
+            <a:endParaRPr sz="2400" b="0" i="0">
+              <a:latin typeface="Courier"/>
+            </a:endParaRPr>
+          </a:p>
+          <a:p>
+            <a:pPr>
+              <a:lnSpc>
+                <a:spcPts val="2400"/>
+              </a:lnSpc>
+              <a:defRPr>
+                <a:solidFill>
+                  <a:srgbClr val="000000"/>
+                </a:solidFill>
+              </a:defRPr>
+            </a:pPr>
+            <a:r>
+              <a:rPr sz="2400" b="0" i="0">
+                <a:latin typeface="Courier"/>
+              </a:rPr>
+              <a:t>a[ 3 ] = 1.45769782715832e+44</a:t>
+            </a:r>
+            <a:endParaRPr sz="2400" b="0" i="0">
+              <a:latin typeface="Courier"/>
+            </a:endParaRPr>
+          </a:p>
+          <a:p>
+            <a:pPr>
+              <a:lnSpc>
+                <a:spcPts val="2400"/>
+              </a:lnSpc>
+              <a:defRPr>
+                <a:solidFill>
+                  <a:srgbClr val="000000"/>
+                </a:solidFill>
+              </a:defRPr>
+            </a:pPr>
+            <a:r>
+              <a:rPr sz="2400" b="0" i="0">
+                <a:latin typeface="Courier"/>
+              </a:rPr>
+              <a:t>a[ 2 ] = 6.590270478283454e+52</a:t>
+            </a:r>
+            <a:endParaRPr sz="2400" b="0" i="0">
+              <a:latin typeface="Courier"/>
+            </a:endParaRPr>
+          </a:p>
+          <a:p>
+            <a:pPr>
+              <a:lnSpc>
+                <a:spcPts val="2400"/>
+              </a:lnSpc>
+              <a:defRPr>
+                <a:solidFill>
+                  <a:srgbClr val="000000"/>
+                </a:solidFill>
+              </a:defRPr>
+            </a:pPr>
+            <a:r>
+              <a:rPr sz="2400" b="0" i="0">
+                <a:latin typeface="Courier"/>
+              </a:rPr>
+              <a:t>a[ 1 ] = 1.0103634193419598e+61</a:t>
+            </a:r>
+            <a:endParaRPr sz="2400" b="0" i="0">
+              <a:latin typeface="Courier"/>
+            </a:endParaRPr>
+          </a:p>
+        </p:txBody>
+      </p:sp>
+      <p:sp>
+        <p:nvSpPr>
+          <p:cNvPr id="3" name="Title 2"/>
+          <p:cNvSpPr>
+            <a:spLocks noGrp="1"/>
+          </p:cNvSpPr>
+          <p:nvPr>
+            <p:ph type="title"/>
+          </p:nvPr>
+        </p:nvSpPr>
+        <p:spPr/>
+        <p:txBody>
+          <a:bodyPr wrap="square">
+            <a:noAutofit/>
+          </a:bodyPr>
+          <a:lstStyle/>
+          <a:p>
+            <a:r>
+              <a:rPr sz="3200" b="1" i="0">
+                <a:latin typeface="Arial"/>
+              </a:rPr>
+              <a:t>120 MHz 8ste orde Chebyshev laagdoorlaatfilter</a:t>
+            </a:r>
+            <a:endParaRPr sz="3200" b="1" i="0">
+              <a:latin typeface="Arial"/>
+            </a:endParaRPr>
+          </a:p>
+        </p:txBody>
+      </p:sp>
+    </p:spTree>
+  </p:cSld>
+  <p:clrMapOvr>
+    <a:masterClrMapping/>
+  </p:clrMapOvr>
+</p:sld>
+</file>
+
+<file path=ppt/slides/slide53.xml><?xml version="1.0" encoding="utf-8"?>
+<p:sld xmlns:a="http://schemas.openxmlformats.org/drawingml/2006/main" xmlns:p="http://schemas.openxmlformats.org/presentationml/2006/main" xmlns:r="http://schemas.openxmlformats.org/officeDocument/2006/relationships">
+  <p:cSld>
+    <p:spTree>
+      <p:nvGrpSpPr>
+        <p:cNvPr id="1" name=""/>
+        <p:cNvGrpSpPr/>
+        <p:nvPr/>
+      </p:nvGrpSpPr>
+      <p:grpSpPr/>
+      <p:sp>
+        <p:nvSpPr>
+          <p:cNvPr id="2" name="Content Placeholder 1"/>
+          <p:cNvSpPr>
+            <a:spLocks noGrp="1"/>
+          </p:cNvSpPr>
+          <p:nvPr>
+            <p:ph idx="1"/>
+          </p:nvPr>
+        </p:nvSpPr>
+        <p:spPr/>
+        <p:txBody>
+          <a:bodyPr wrap="square">
+            <a:noAutofit/>
+          </a:bodyPr>
+          <a:lstStyle/>
+          <a:p>
+            <a:pPr>
+              <a:lnSpc>
+                <a:spcPts val="2400"/>
+              </a:lnSpc>
+              <a:defRPr>
+                <a:solidFill>
+                  <a:srgbClr val="000000"/>
+                </a:solidFill>
+              </a:defRPr>
+            </a:pPr>
+            <a:r>
+              <a:rPr sz="2400" b="0" i="0">
+                <a:latin typeface="Courier"/>
+              </a:rPr>
+              <a:t>a[ 0 ] = 1.3431999354717115e+69</a:t>
+            </a:r>
+            <a:endParaRPr sz="2400" b="0" i="0">
+              <a:latin typeface="Courier"/>
+            </a:endParaRPr>
+          </a:p>
+          <a:p>
+            <a:pPr>
+              <a:lnSpc>
+                <a:spcPts val="2400"/>
+              </a:lnSpc>
+              <a:defRPr>
+                <a:solidFill>
+                  <a:srgbClr val="000000"/>
+                </a:solidFill>
+              </a:defRPr>
+            </a:pPr>
+            <a:endParaRPr sz="2400" b="0" i="0">
+              <a:latin typeface="Courier"/>
+            </a:endParaRPr>
+          </a:p>
+        </p:txBody>
+      </p:sp>
+      <p:sp>
+        <p:nvSpPr>
+          <p:cNvPr id="3" name="Title 2"/>
+          <p:cNvSpPr>
+            <a:spLocks noGrp="1"/>
+          </p:cNvSpPr>
+          <p:nvPr>
+            <p:ph type="title"/>
+          </p:nvPr>
+        </p:nvSpPr>
+        <p:spPr/>
+        <p:txBody>
+          <a:bodyPr wrap="square">
+            <a:noAutofit/>
+          </a:bodyPr>
+          <a:lstStyle/>
+          <a:p>
+            <a:r>
+              <a:rPr sz="3200" b="1" i="0">
+                <a:latin typeface="Arial"/>
+              </a:rPr>
+              <a:t>120 MHz 8ste orde Chebyshev laagdoorlaatfilter</a:t>
+            </a:r>
+            <a:endParaRPr sz="3200" b="1" i="0">
+              <a:latin typeface="Arial"/>
+            </a:endParaRPr>
+          </a:p>
+        </p:txBody>
+      </p:sp>
+    </p:spTree>
+  </p:cSld>
+  <p:clrMapOvr>
+    <a:masterClrMapping/>
+  </p:clrMapOvr>
+</p:sld>
+</file>
+
+<file path=ppt/slides/slide54.xml><?xml version="1.0" encoding="utf-8"?>
+<p:sld xmlns:a="http://schemas.openxmlformats.org/drawingml/2006/main" xmlns:p="http://schemas.openxmlformats.org/presentationml/2006/main" xmlns:r="http://schemas.openxmlformats.org/officeDocument/2006/relationships">
+  <p:cSld>
+    <p:spTree>
+      <p:nvGrpSpPr>
+        <p:cNvPr id="1" name=""/>
+        <p:cNvGrpSpPr/>
+        <p:nvPr/>
+      </p:nvGrpSpPr>
+      <p:grpSpPr/>
+      <p:sp>
+        <p:nvSpPr>
+          <p:cNvPr id="2" name="Title 1"/>
+          <p:cNvSpPr>
+            <a:spLocks noGrp="1"/>
+          </p:cNvSpPr>
+          <p:nvPr>
+            <p:ph type="title"/>
+          </p:nvPr>
+        </p:nvSpPr>
+        <p:spPr/>
+        <p:txBody>
+          <a:bodyPr wrap="square">
+            <a:noAutofit/>
+          </a:bodyPr>
+          <a:lstStyle/>
+          <a:p>
+            <a:r>
+              <a:rPr sz="3200" b="1" i="0">
+                <a:latin typeface="Arial"/>
+              </a:rPr>
+              <a:t>120 MHz 8ste orde Chebyshev laagdoorlaatfilter</a:t>
+            </a:r>
+            <a:endParaRPr sz="3200" b="1" i="0">
+              <a:latin typeface="Arial"/>
+            </a:endParaRPr>
+          </a:p>
+        </p:txBody>
+      </p:sp>
+      <p:pic>
+        <p:nvPicPr>
+          <p:cNvPr id="3" name="Picture 2" descr="image.png"/>
+          <p:cNvPicPr>
+            <a:picLocks noChangeAspect="1"/>
+          </p:cNvPicPr>
+          <p:nvPr/>
+        </p:nvPicPr>
+        <p:blipFill>
+          <a:blip r:embed="rId2"/>
+          <a:stretch>
+            <a:fillRect/>
+          </a:stretch>
+        </p:blipFill>
+        <p:spPr>
+          <a:xfrm>
+            <a:off x="2004870" y="566928"/>
+            <a:ext cx="8182259" cy="5669280"/>
+          </a:xfrm>
+          <a:prstGeom prst="rect">
+            <a:avLst/>
+          </a:prstGeom>
+        </p:spPr>
+      </p:pic>
+    </p:spTree>
+  </p:cSld>
+  <p:clrMapOvr>
+    <a:masterClrMapping/>
+  </p:clrMapOvr>
+</p:sld>
+</file>
+
+<file path=ppt/slides/slide55.xml><?xml version="1.0" encoding="utf-8"?>
+<p:sld xmlns:a="http://schemas.openxmlformats.org/drawingml/2006/main" xmlns:p="http://schemas.openxmlformats.org/presentationml/2006/main" xmlns:r="http://schemas.openxmlformats.org/officeDocument/2006/relationships">
+  <p:cSld>
+    <p:spTree>
+      <p:nvGrpSpPr>
+        <p:cNvPr id="1" name=""/>
+        <p:cNvGrpSpPr/>
+        <p:nvPr/>
+      </p:nvGrpSpPr>
+      <p:grpSpPr/>
+      <p:sp>
+        <p:nvSpPr>
+          <p:cNvPr id="2" name="Title 1"/>
+          <p:cNvSpPr>
+            <a:spLocks noGrp="1"/>
+          </p:cNvSpPr>
+          <p:nvPr>
+            <p:ph type="title"/>
+          </p:nvPr>
+        </p:nvSpPr>
+        <p:spPr/>
+        <p:txBody>
+          <a:bodyPr wrap="square">
+            <a:noAutofit/>
+          </a:bodyPr>
+          <a:lstStyle/>
+          <a:p>
+            <a:r>
+              <a:rPr sz="3200" b="1" i="0">
+                <a:latin typeface="Arial"/>
+              </a:rPr>
+              <a:t>Detail van de 2dB passband</a:t>
+            </a:r>
+            <a:endParaRPr sz="3200" b="1" i="0">
+              <a:latin typeface="Arial"/>
+            </a:endParaRPr>
+          </a:p>
+        </p:txBody>
+      </p:sp>
+      <p:pic>
+        <p:nvPicPr>
+          <p:cNvPr id="3" name="Picture 2" descr="image.png"/>
+          <p:cNvPicPr>
+            <a:picLocks noChangeAspect="1"/>
+          </p:cNvPicPr>
+          <p:nvPr/>
+        </p:nvPicPr>
+        <p:blipFill>
+          <a:blip r:embed="rId2"/>
+          <a:stretch>
+            <a:fillRect/>
+          </a:stretch>
+        </p:blipFill>
+        <p:spPr>
+          <a:xfrm>
+            <a:off x="2004870" y="566928"/>
+            <a:ext cx="8182259" cy="5669280"/>
+          </a:xfrm>
+          <a:prstGeom prst="rect">
+            <a:avLst/>
+          </a:prstGeom>
+        </p:spPr>
+      </p:pic>
+    </p:spTree>
+  </p:cSld>
+  <p:clrMapOvr>
+    <a:masterClrMapping/>
+  </p:clrMapOvr>
+</p:sld>
+</file>
+
+<file path=ppt/slides/slide56.xml><?xml version="1.0" encoding="utf-8"?>
+<p:sld xmlns:a="http://schemas.openxmlformats.org/drawingml/2006/main" xmlns:p="http://schemas.openxmlformats.org/presentationml/2006/main" xmlns:r="http://schemas.openxmlformats.org/officeDocument/2006/relationships">
+  <p:cSld>
+    <p:spTree>
+      <p:nvGrpSpPr>
+        <p:cNvPr id="1" name=""/>
+        <p:cNvGrpSpPr/>
+        <p:nvPr/>
+      </p:nvGrpSpPr>
+      <p:grpSpPr/>
+      <p:sp>
+        <p:nvSpPr>
+          <p:cNvPr id="2" name="Content Placeholder 1"/>
+          <p:cNvSpPr>
+            <a:spLocks noGrp="1"/>
+          </p:cNvSpPr>
+          <p:nvPr>
+            <p:ph idx="1"/>
+          </p:nvPr>
+        </p:nvSpPr>
+        <p:spPr/>
+        <p:txBody>
+          <a:bodyPr wrap="square">
+            <a:noAutofit/>
+          </a:bodyPr>
+          <a:lstStyle/>
+          <a:p>
+            <a:pPr>
+              <a:lnSpc>
+                <a:spcPts val="2400"/>
+              </a:lnSpc>
+              <a:defRPr>
+                <a:solidFill>
+                  <a:srgbClr val="000000"/>
+                </a:solidFill>
+              </a:defRPr>
+            </a:pPr>
+            <a:r>
+              <a:rPr sz="2400" b="0" i="0">
+                <a:latin typeface="Courier"/>
+              </a:rPr>
+              <a:t>Lijst der nullen: M= 0</a:t>
+            </a:r>
+            <a:endParaRPr sz="2400" b="0" i="0">
+              <a:latin typeface="Courier"/>
+            </a:endParaRPr>
+          </a:p>
+          <a:p>
+            <a:pPr>
+              <a:lnSpc>
+                <a:spcPts val="2400"/>
+              </a:lnSpc>
+              <a:defRPr>
+                <a:solidFill>
+                  <a:srgbClr val="000000"/>
+                </a:solidFill>
+              </a:defRPr>
+            </a:pPr>
+            <a:r>
+              <a:rPr sz="2400" b="0" i="0">
+                <a:latin typeface="Courier"/>
+              </a:rPr>
+              <a:t>Lijst der polen: N= 8</a:t>
+            </a:r>
+            <a:endParaRPr sz="2400" b="0" i="0">
+              <a:latin typeface="Courier"/>
+            </a:endParaRPr>
+          </a:p>
+          <a:p>
+            <a:pPr>
+              <a:lnSpc>
+                <a:spcPts val="2400"/>
+              </a:lnSpc>
+              <a:defRPr>
+                <a:solidFill>
+                  <a:srgbClr val="000000"/>
+                </a:solidFill>
+              </a:defRPr>
+            </a:pPr>
+            <a:r>
+              <a:rPr sz="2400" b="0" i="0">
+                <a:latin typeface="Courier"/>
+              </a:rPr>
+              <a:t>p[ 1 ] = (-19974783.518686887+746281824.2305412j)</a:t>
+            </a:r>
+            <a:endParaRPr sz="2400" b="0" i="0">
+              <a:latin typeface="Courier"/>
+            </a:endParaRPr>
+          </a:p>
+          <a:p>
+            <a:pPr>
+              <a:lnSpc>
+                <a:spcPts val="2400"/>
+              </a:lnSpc>
+              <a:defRPr>
+                <a:solidFill>
+                  <a:srgbClr val="000000"/>
+                </a:solidFill>
+              </a:defRPr>
+            </a:pPr>
+            <a:r>
+              <a:rPr sz="2400" b="0" i="0">
+                <a:latin typeface="Courier"/>
+              </a:rPr>
+              <a:t>p[ 2 ] = (-56883370.83720408+632667181.5530242j)</a:t>
+            </a:r>
+            <a:endParaRPr sz="2400" b="0" i="0">
+              <a:latin typeface="Courier"/>
+            </a:endParaRPr>
+          </a:p>
+          <a:p>
+            <a:pPr>
+              <a:lnSpc>
+                <a:spcPts val="2400"/>
+              </a:lnSpc>
+              <a:defRPr>
+                <a:solidFill>
+                  <a:srgbClr val="000000"/>
+                </a:solidFill>
+              </a:defRPr>
+            </a:pPr>
+            <a:r>
+              <a:rPr sz="2400" b="0" i="0">
+                <a:latin typeface="Courier"/>
+              </a:rPr>
+              <a:t>p[ 3 ] = (-85131980.59479763+422734695.6263414j)</a:t>
+            </a:r>
+            <a:endParaRPr sz="2400" b="0" i="0">
+              <a:latin typeface="Courier"/>
+            </a:endParaRPr>
+          </a:p>
+          <a:p>
+            <a:pPr>
+              <a:lnSpc>
+                <a:spcPts val="2400"/>
+              </a:lnSpc>
+              <a:defRPr>
+                <a:solidFill>
+                  <a:srgbClr val="000000"/>
+                </a:solidFill>
+              </a:defRPr>
+            </a:pPr>
+            <a:r>
+              <a:rPr sz="2400" b="0" i="0">
+                <a:latin typeface="Courier"/>
+              </a:rPr>
+              <a:t>p[ 4 ] = (-100420018.03015907+148444684.39010677j)</a:t>
+            </a:r>
+            <a:endParaRPr sz="2400" b="0" i="0">
+              <a:latin typeface="Courier"/>
+            </a:endParaRPr>
+          </a:p>
+          <a:p>
+            <a:pPr>
+              <a:lnSpc>
+                <a:spcPts val="2400"/>
+              </a:lnSpc>
+              <a:defRPr>
+                <a:solidFill>
+                  <a:srgbClr val="000000"/>
+                </a:solidFill>
+              </a:defRPr>
+            </a:pPr>
+            <a:r>
+              <a:rPr sz="2400" b="0" i="0">
+                <a:latin typeface="Courier"/>
+              </a:rPr>
+              <a:t>p[ 5 ] = (-100420018.03015907-148444684.39010677j)</a:t>
+            </a:r>
+            <a:endParaRPr sz="2400" b="0" i="0">
+              <a:latin typeface="Courier"/>
+            </a:endParaRPr>
+          </a:p>
+          <a:p>
+            <a:pPr>
+              <a:lnSpc>
+                <a:spcPts val="2400"/>
+              </a:lnSpc>
+              <a:defRPr>
+                <a:solidFill>
+                  <a:srgbClr val="000000"/>
+                </a:solidFill>
+              </a:defRPr>
+            </a:pPr>
+            <a:r>
+              <a:rPr sz="2400" b="0" i="0">
+                <a:latin typeface="Courier"/>
+              </a:rPr>
+              <a:t>p[ 6 ] = (-85131980.59479763-422734695.6263414j)</a:t>
+            </a:r>
+            <a:endParaRPr sz="2400" b="0" i="0">
+              <a:latin typeface="Courier"/>
+            </a:endParaRPr>
+          </a:p>
+          <a:p>
+            <a:pPr>
+              <a:lnSpc>
+                <a:spcPts val="2400"/>
+              </a:lnSpc>
+              <a:defRPr>
+                <a:solidFill>
+                  <a:srgbClr val="000000"/>
+                </a:solidFill>
+              </a:defRPr>
+            </a:pPr>
+            <a:r>
+              <a:rPr sz="2400" b="0" i="0">
+                <a:latin typeface="Courier"/>
+              </a:rPr>
+              <a:t>p[ 7 ] = (-56883370.83720408-632667181.5530242j)</a:t>
+            </a:r>
+            <a:endParaRPr sz="2400" b="0" i="0">
+              <a:latin typeface="Courier"/>
+            </a:endParaRPr>
+          </a:p>
+          <a:p>
+            <a:pPr>
+              <a:lnSpc>
+                <a:spcPts val="2400"/>
+              </a:lnSpc>
+              <a:defRPr>
+                <a:solidFill>
+                  <a:srgbClr val="000000"/>
+                </a:solidFill>
+              </a:defRPr>
+            </a:pPr>
+            <a:r>
+              <a:rPr sz="2400" b="0" i="0">
+                <a:latin typeface="Courier"/>
+              </a:rPr>
+              <a:t>p[ 8 ] = (-19974783.518686887-746281824.2305412j)</a:t>
+            </a:r>
+            <a:endParaRPr sz="2400" b="0" i="0">
+              <a:latin typeface="Courier"/>
+            </a:endParaRPr>
+          </a:p>
+          <a:p>
+            <a:pPr>
+              <a:lnSpc>
+                <a:spcPts val="2400"/>
+              </a:lnSpc>
+              <a:defRPr>
+                <a:solidFill>
+                  <a:srgbClr val="000000"/>
+                </a:solidFill>
+              </a:defRPr>
+            </a:pPr>
+            <a:endParaRPr sz="2400" b="0" i="0">
+              <a:latin typeface="Courier"/>
+            </a:endParaRPr>
+          </a:p>
+        </p:txBody>
+      </p:sp>
+      <p:sp>
+        <p:nvSpPr>
+          <p:cNvPr id="3" name="Title 2"/>
+          <p:cNvSpPr>
+            <a:spLocks noGrp="1"/>
+          </p:cNvSpPr>
+          <p:nvPr>
+            <p:ph type="title"/>
+          </p:nvPr>
+        </p:nvSpPr>
+        <p:spPr/>
+        <p:txBody>
+          <a:bodyPr wrap="square">
+            <a:noAutofit/>
+          </a:bodyPr>
+          <a:lstStyle/>
+          <a:p>
+            <a:r>
+              <a:rPr sz="3200" b="1" i="0">
+                <a:latin typeface="Arial"/>
+              </a:rPr>
+              <a:t>polen 120 MHz Chebyshev laagdoorlaatfilter</a:t>
+            </a:r>
+            <a:endParaRPr sz="3200" b="1" i="0">
+              <a:latin typeface="Arial"/>
+            </a:endParaRPr>
+          </a:p>
+        </p:txBody>
+      </p:sp>
+    </p:spTree>
+  </p:cSld>
+  <p:clrMapOvr>
+    <a:masterClrMapping/>
+  </p:clrMapOvr>
+</p:sld>
+</file>
+
+<file path=ppt/slides/slide57.xml><?xml version="1.0" encoding="utf-8"?>
+<p:sld xmlns:a="http://schemas.openxmlformats.org/drawingml/2006/main" xmlns:p="http://schemas.openxmlformats.org/presentationml/2006/main" xmlns:r="http://schemas.openxmlformats.org/officeDocument/2006/relationships">
+  <p:cSld>
+    <p:spTree>
+      <p:nvGrpSpPr>
+        <p:cNvPr id="1" name=""/>
+        <p:cNvGrpSpPr/>
+        <p:nvPr/>
+      </p:nvGrpSpPr>
+      <p:grpSpPr/>
+      <p:sp>
+        <p:nvSpPr>
+          <p:cNvPr id="2" name="Title 1"/>
+          <p:cNvSpPr>
+            <a:spLocks noGrp="1"/>
+          </p:cNvSpPr>
+          <p:nvPr>
+            <p:ph type="title"/>
+          </p:nvPr>
+        </p:nvSpPr>
+        <p:spPr/>
+        <p:txBody>
+          <a:bodyPr wrap="square">
+            <a:noAutofit/>
+          </a:bodyPr>
+          <a:lstStyle/>
+          <a:p>
+            <a:r>
+              <a:rPr sz="3200" b="1" i="0">
+                <a:latin typeface="Arial"/>
+              </a:rPr>
+              <a:t>Polen 120 MHz Chebyshev laagdoorlaatfilter</a:t>
+            </a:r>
+            <a:endParaRPr sz="3200" b="1" i="0">
+              <a:latin typeface="Arial"/>
+            </a:endParaRPr>
+          </a:p>
+        </p:txBody>
+      </p:sp>
+      <p:pic>
+        <p:nvPicPr>
+          <p:cNvPr id="3" name="Picture 2" descr="image.png"/>
+          <p:cNvPicPr>
+            <a:picLocks noChangeAspect="1"/>
+          </p:cNvPicPr>
+          <p:nvPr/>
+        </p:nvPicPr>
+        <p:blipFill>
+          <a:blip r:embed="rId2"/>
+          <a:stretch>
+            <a:fillRect/>
+          </a:stretch>
+        </p:blipFill>
+        <p:spPr>
+          <a:xfrm>
+            <a:off x="3269436" y="566928"/>
+            <a:ext cx="5653128" cy="5669280"/>
+          </a:xfrm>
+          <a:prstGeom prst="rect">
+            <a:avLst/>
+          </a:prstGeom>
+        </p:spPr>
+      </p:pic>
+    </p:spTree>
+  </p:cSld>
+  <p:clrMapOvr>
+    <a:masterClrMapping/>
+  </p:clrMapOvr>
+</p:sld>
+</file>
+
+<file path=ppt/slides/slide58.xml><?xml version="1.0" encoding="utf-8"?>
+<p:sld xmlns:a="http://schemas.openxmlformats.org/drawingml/2006/main" xmlns:p="http://schemas.openxmlformats.org/presentationml/2006/main" xmlns:r="http://schemas.openxmlformats.org/officeDocument/2006/relationships">
+  <p:cSld>
+    <p:spTree>
+      <p:nvGrpSpPr>
+        <p:cNvPr id="1" name=""/>
+        <p:cNvGrpSpPr/>
+        <p:nvPr/>
+      </p:nvGrpSpPr>
+      <p:grpSpPr/>
+      <p:sp>
+        <p:nvSpPr>
+          <p:cNvPr id="2" name="Title 1"/>
+          <p:cNvSpPr>
+            <a:spLocks noGrp="1"/>
+          </p:cNvSpPr>
+          <p:nvPr>
+            <p:ph type="title"/>
+          </p:nvPr>
+        </p:nvSpPr>
+        <p:spPr/>
+        <p:txBody>
+          <a:bodyPr wrap="square">
+            <a:noAutofit/>
+          </a:bodyPr>
+          <a:lstStyle/>
+          <a:p>
+            <a:r>
+              <a:rPr sz="2500" b="1" i="0">
+                <a:latin typeface="Arial"/>
+              </a:rPr>
+              <a:t>Vergelijking Butterworth en Chebyshev laagdoorlaatfilters (8ste orde)</a:t>
+            </a:r>
+            <a:endParaRPr sz="2500" b="1" i="0">
+              <a:latin typeface="Arial"/>
+            </a:endParaRPr>
+          </a:p>
+        </p:txBody>
+      </p:sp>
+      <p:pic>
+        <p:nvPicPr>
+          <p:cNvPr id="3" name="Picture 2" descr="image.png"/>
+          <p:cNvPicPr>
+            <a:picLocks noChangeAspect="1"/>
+          </p:cNvPicPr>
+          <p:nvPr/>
+        </p:nvPicPr>
+        <p:blipFill>
+          <a:blip r:embed="rId2"/>
+          <a:stretch>
+            <a:fillRect/>
+          </a:stretch>
+        </p:blipFill>
+        <p:spPr>
+          <a:xfrm>
+            <a:off x="2004870" y="566928"/>
+            <a:ext cx="8182259" cy="5669280"/>
+          </a:xfrm>
+          <a:prstGeom prst="rect">
+            <a:avLst/>
+          </a:prstGeom>
+        </p:spPr>
+      </p:pic>
+    </p:spTree>
+  </p:cSld>
+  <p:clrMapOvr>
+    <a:masterClrMapping/>
+  </p:clrMapOvr>
+</p:sld>
+</file>
+
+<file path=ppt/slides/slide59.xml><?xml version="1.0" encoding="utf-8"?>
+<p:sld xmlns:a="http://schemas.openxmlformats.org/drawingml/2006/main" xmlns:p="http://schemas.openxmlformats.org/presentationml/2006/main" xmlns:r="http://schemas.openxmlformats.org/officeDocument/2006/relationships">
+  <p:cSld>
+    <p:spTree>
+      <p:nvGrpSpPr>
+        <p:cNvPr id="1" name=""/>
+        <p:cNvGrpSpPr/>
+        <p:nvPr/>
+      </p:nvGrpSpPr>
+      <p:grpSpPr/>
+      <p:sp>
+        <p:nvSpPr>
+          <p:cNvPr id="2" name="Content Placeholder 1"/>
+          <p:cNvSpPr>
+            <a:spLocks noGrp="1"/>
+          </p:cNvSpPr>
+          <p:nvPr>
+            <p:ph idx="1"/>
+          </p:nvPr>
+        </p:nvSpPr>
+        <p:spPr/>
+        <p:txBody>
+          <a:bodyPr wrap="square">
+            <a:noAutofit/>
+          </a:bodyPr>
+          <a:lstStyle/>
+          <a:p>
+            <a:pPr>
+              <a:lnSpc>
+                <a:spcPts val="2400"/>
+              </a:lnSpc>
+              <a:defRPr>
+                <a:solidFill>
+                  <a:srgbClr val="000000"/>
+                </a:solidFill>
+              </a:defRPr>
+            </a:pPr>
+            <a:r>
+              <a:rPr sz="2400" b="0" i="0">
+                <a:latin typeface="Courier"/>
+              </a:rPr>
+              <a:t>Veelterm coefficienten teller: M= 0</a:t>
+            </a:r>
+            <a:endParaRPr sz="2400" b="0" i="0">
+              <a:latin typeface="Courier"/>
+            </a:endParaRPr>
+          </a:p>
+          <a:p>
+            <a:pPr>
+              <a:lnSpc>
+                <a:spcPts val="2400"/>
+              </a:lnSpc>
+              <a:defRPr>
+                <a:solidFill>
+                  <a:srgbClr val="000000"/>
+                </a:solidFill>
+              </a:defRPr>
+            </a:pPr>
+            <a:r>
+              <a:rPr sz="2400" b="0" i="0">
+                <a:latin typeface="Courier"/>
+              </a:rPr>
+              <a:t>b[ 0 ] = 1.780752121671573e+16</a:t>
+            </a:r>
+            <a:endParaRPr sz="2400" b="0" i="0">
+              <a:latin typeface="Courier"/>
+            </a:endParaRPr>
+          </a:p>
+          <a:p>
+            <a:pPr>
+              <a:lnSpc>
+                <a:spcPts val="2400"/>
+              </a:lnSpc>
+              <a:defRPr>
+                <a:solidFill>
+                  <a:srgbClr val="000000"/>
+                </a:solidFill>
+              </a:defRPr>
+            </a:pPr>
+            <a:r>
+              <a:rPr sz="2400" b="0" i="0">
+                <a:latin typeface="Courier"/>
+              </a:rPr>
+              <a:t>Veelterm coefficienten noemer: N= 2</a:t>
+            </a:r>
+            <a:endParaRPr sz="2400" b="0" i="0">
+              <a:latin typeface="Courier"/>
+            </a:endParaRPr>
+          </a:p>
+          <a:p>
+            <a:pPr>
+              <a:lnSpc>
+                <a:spcPts val="2400"/>
+              </a:lnSpc>
+              <a:defRPr>
+                <a:solidFill>
+                  <a:srgbClr val="000000"/>
+                </a:solidFill>
+              </a:defRPr>
+            </a:pPr>
+            <a:r>
+              <a:rPr sz="2400" b="0" i="0">
+                <a:latin typeface="Courier"/>
+              </a:rPr>
+              <a:t>a[ 2 ] = 1.0</a:t>
+            </a:r>
+            <a:endParaRPr sz="2400" b="0" i="0">
+              <a:latin typeface="Courier"/>
+            </a:endParaRPr>
+          </a:p>
+          <a:p>
+            <a:pPr>
+              <a:lnSpc>
+                <a:spcPts val="2400"/>
+              </a:lnSpc>
+              <a:defRPr>
+                <a:solidFill>
+                  <a:srgbClr val="000000"/>
+                </a:solidFill>
+              </a:defRPr>
+            </a:pPr>
+            <a:r>
+              <a:rPr sz="2400" b="0" i="0">
+                <a:latin typeface="Courier"/>
+              </a:rPr>
+              <a:t>a[ 1 ] = 121560720.41014235</a:t>
+            </a:r>
+            <a:endParaRPr sz="2400" b="0" i="0">
+              <a:latin typeface="Courier"/>
+            </a:endParaRPr>
+          </a:p>
+          <a:p>
+            <a:pPr>
+              <a:lnSpc>
+                <a:spcPts val="2400"/>
+              </a:lnSpc>
+              <a:defRPr>
+                <a:solidFill>
+                  <a:srgbClr val="000000"/>
+                </a:solidFill>
+              </a:defRPr>
+            </a:pPr>
+            <a:r>
+              <a:rPr sz="2400" b="0" i="0">
+                <a:latin typeface="Courier"/>
+              </a:rPr>
+              <a:t>a[ 0 ] = 2.5153792295277244e+16</a:t>
+            </a:r>
+            <a:endParaRPr sz="2400" b="0" i="0">
+              <a:latin typeface="Courier"/>
+            </a:endParaRPr>
+          </a:p>
+          <a:p>
+            <a:pPr>
+              <a:lnSpc>
+                <a:spcPts val="2400"/>
+              </a:lnSpc>
+              <a:defRPr>
+                <a:solidFill>
+                  <a:srgbClr val="000000"/>
+                </a:solidFill>
+              </a:defRPr>
+            </a:pPr>
+            <a:endParaRPr sz="2400" b="0" i="0">
+              <a:latin typeface="Courier"/>
+            </a:endParaRPr>
+          </a:p>
+        </p:txBody>
+      </p:sp>
+      <p:sp>
+        <p:nvSpPr>
+          <p:cNvPr id="3" name="Title 2"/>
+          <p:cNvSpPr>
+            <a:spLocks noGrp="1"/>
+          </p:cNvSpPr>
+          <p:nvPr>
+            <p:ph type="title"/>
+          </p:nvPr>
+        </p:nvSpPr>
+        <p:spPr/>
+        <p:txBody>
+          <a:bodyPr wrap="square">
+            <a:noAutofit/>
+          </a:bodyPr>
+          <a:lstStyle/>
+          <a:p>
+            <a:r>
+              <a:rPr sz="3200" b="1" i="0">
+                <a:latin typeface="Arial"/>
+              </a:rPr>
+              <a:t>Transferfunctie Chebyshev 30 MHz laagdoorlaatfilter</a:t>
+            </a:r>
+            <a:endParaRPr sz="3200" b="1" i="0">
+              <a:latin typeface="Arial"/>
+            </a:endParaRPr>
+          </a:p>
+        </p:txBody>
+      </p:sp>
     </p:spTree>
   </p:cSld>
   <p:clrMapOvr>
@@ -8468,14 +13312,675 @@
         </p:blipFill>
         <p:spPr>
           <a:xfrm>
-            <a:off x="2518546" y="566928"/>
-            <a:ext cx="7154908" cy="5577840"/>
+            <a:off x="2459899" y="566928"/>
+            <a:ext cx="7272201" cy="5669280"/>
           </a:xfrm>
           <a:prstGeom prst="rect">
             <a:avLst/>
           </a:prstGeom>
         </p:spPr>
       </p:pic>
+    </p:spTree>
+  </p:cSld>
+  <p:clrMapOvr>
+    <a:masterClrMapping/>
+  </p:clrMapOvr>
+</p:sld>
+</file>
+
+<file path=ppt/slides/slide60.xml><?xml version="1.0" encoding="utf-8"?>
+<p:sld xmlns:a="http://schemas.openxmlformats.org/drawingml/2006/main" xmlns:p="http://schemas.openxmlformats.org/presentationml/2006/main" xmlns:r="http://schemas.openxmlformats.org/officeDocument/2006/relationships">
+  <p:cSld>
+    <p:spTree>
+      <p:nvGrpSpPr>
+        <p:cNvPr id="1" name=""/>
+        <p:cNvGrpSpPr/>
+        <p:nvPr/>
+      </p:nvGrpSpPr>
+      <p:grpSpPr/>
+      <p:sp>
+        <p:nvSpPr>
+          <p:cNvPr id="2" name="Title 1"/>
+          <p:cNvSpPr>
+            <a:spLocks noGrp="1"/>
+          </p:cNvSpPr>
+          <p:nvPr>
+            <p:ph type="title"/>
+          </p:nvPr>
+        </p:nvSpPr>
+        <p:spPr/>
+        <p:txBody>
+          <a:bodyPr wrap="square">
+            <a:noAutofit/>
+          </a:bodyPr>
+          <a:lstStyle/>
+          <a:p>
+            <a:r>
+              <a:rPr sz="3200" b="1" i="0">
+                <a:latin typeface="Arial"/>
+              </a:rPr>
+              <a:t>Transferfunctie Chebyshev 30 MHz laagdoorlaatfilter</a:t>
+            </a:r>
+            <a:endParaRPr sz="3200" b="1" i="0">
+              <a:latin typeface="Arial"/>
+            </a:endParaRPr>
+          </a:p>
+        </p:txBody>
+      </p:sp>
+      <p:pic>
+        <p:nvPicPr>
+          <p:cNvPr id="3" name="Picture 2" descr="image.png"/>
+          <p:cNvPicPr>
+            <a:picLocks noChangeAspect="1"/>
+          </p:cNvPicPr>
+          <p:nvPr/>
+        </p:nvPicPr>
+        <p:blipFill>
+          <a:blip r:embed="rId2"/>
+          <a:stretch>
+            <a:fillRect/>
+          </a:stretch>
+        </p:blipFill>
+        <p:spPr>
+          <a:xfrm>
+            <a:off x="2004870" y="566928"/>
+            <a:ext cx="8182259" cy="5669280"/>
+          </a:xfrm>
+          <a:prstGeom prst="rect">
+            <a:avLst/>
+          </a:prstGeom>
+        </p:spPr>
+      </p:pic>
+    </p:spTree>
+  </p:cSld>
+  <p:clrMapOvr>
+    <a:masterClrMapping/>
+  </p:clrMapOvr>
+</p:sld>
+</file>
+
+<file path=ppt/slides/slide61.xml><?xml version="1.0" encoding="utf-8"?>
+<p:sld xmlns:a="http://schemas.openxmlformats.org/drawingml/2006/main" xmlns:p="http://schemas.openxmlformats.org/presentationml/2006/main" xmlns:r="http://schemas.openxmlformats.org/officeDocument/2006/relationships">
+  <p:cSld>
+    <p:spTree>
+      <p:nvGrpSpPr>
+        <p:cNvPr id="1" name=""/>
+        <p:cNvGrpSpPr/>
+        <p:nvPr/>
+      </p:nvGrpSpPr>
+      <p:grpSpPr/>
+      <p:sp>
+        <p:nvSpPr>
+          <p:cNvPr id="2" name="Content Placeholder 1"/>
+          <p:cNvSpPr>
+            <a:spLocks noGrp="1"/>
+          </p:cNvSpPr>
+          <p:nvPr>
+            <p:ph idx="1"/>
+          </p:nvPr>
+        </p:nvSpPr>
+        <p:spPr/>
+        <p:txBody>
+          <a:bodyPr wrap="square">
+            <a:noAutofit/>
+          </a:bodyPr>
+          <a:lstStyle/>
+          <a:p>
+            <a:pPr>
+              <a:lnSpc>
+                <a:spcPts val="2400"/>
+              </a:lnSpc>
+              <a:defRPr>
+                <a:solidFill>
+                  <a:srgbClr val="000000"/>
+                </a:solidFill>
+              </a:defRPr>
+            </a:pPr>
+            <a:r>
+              <a:rPr sz="2400" b="0" i="0">
+                <a:latin typeface="Courier"/>
+              </a:rPr>
+              <a:t>Lijst der nullen: M= 0</a:t>
+            </a:r>
+            <a:endParaRPr sz="2400" b="0" i="0">
+              <a:latin typeface="Courier"/>
+            </a:endParaRPr>
+          </a:p>
+          <a:p>
+            <a:pPr>
+              <a:lnSpc>
+                <a:spcPts val="2400"/>
+              </a:lnSpc>
+              <a:defRPr>
+                <a:solidFill>
+                  <a:srgbClr val="000000"/>
+                </a:solidFill>
+              </a:defRPr>
+            </a:pPr>
+            <a:r>
+              <a:rPr sz="2400" b="0" i="0">
+                <a:latin typeface="Courier"/>
+              </a:rPr>
+              <a:t>Lijst der polen: N= 2</a:t>
+            </a:r>
+            <a:endParaRPr sz="2400" b="0" i="0">
+              <a:latin typeface="Courier"/>
+            </a:endParaRPr>
+          </a:p>
+          <a:p>
+            <a:pPr>
+              <a:lnSpc>
+                <a:spcPts val="2400"/>
+              </a:lnSpc>
+              <a:defRPr>
+                <a:solidFill>
+                  <a:srgbClr val="000000"/>
+                </a:solidFill>
+              </a:defRPr>
+            </a:pPr>
+            <a:r>
+              <a:rPr sz="2400" b="0" i="0">
+                <a:latin typeface="Courier"/>
+              </a:rPr>
+              <a:t>p[ 1 ] = (-60780360.20507117+146490750.93199244j)</a:t>
+            </a:r>
+            <a:endParaRPr sz="2400" b="0" i="0">
+              <a:latin typeface="Courier"/>
+            </a:endParaRPr>
+          </a:p>
+          <a:p>
+            <a:pPr>
+              <a:lnSpc>
+                <a:spcPts val="2400"/>
+              </a:lnSpc>
+              <a:defRPr>
+                <a:solidFill>
+                  <a:srgbClr val="000000"/>
+                </a:solidFill>
+              </a:defRPr>
+            </a:pPr>
+            <a:r>
+              <a:rPr sz="2400" b="0" i="0">
+                <a:latin typeface="Courier"/>
+              </a:rPr>
+              <a:t>p[ 2 ] = (-60780360.20507117-146490750.93199244j)</a:t>
+            </a:r>
+            <a:endParaRPr sz="2400" b="0" i="0">
+              <a:latin typeface="Courier"/>
+            </a:endParaRPr>
+          </a:p>
+          <a:p>
+            <a:pPr>
+              <a:lnSpc>
+                <a:spcPts val="2400"/>
+              </a:lnSpc>
+              <a:defRPr>
+                <a:solidFill>
+                  <a:srgbClr val="000000"/>
+                </a:solidFill>
+              </a:defRPr>
+            </a:pPr>
+            <a:endParaRPr sz="2400" b="0" i="0">
+              <a:latin typeface="Courier"/>
+            </a:endParaRPr>
+          </a:p>
+        </p:txBody>
+      </p:sp>
+      <p:sp>
+        <p:nvSpPr>
+          <p:cNvPr id="3" name="Title 2"/>
+          <p:cNvSpPr>
+            <a:spLocks noGrp="1"/>
+          </p:cNvSpPr>
+          <p:nvPr>
+            <p:ph type="title"/>
+          </p:nvPr>
+        </p:nvSpPr>
+        <p:spPr/>
+        <p:txBody>
+          <a:bodyPr wrap="square">
+            <a:noAutofit/>
+          </a:bodyPr>
+          <a:lstStyle/>
+          <a:p>
+            <a:r>
+              <a:rPr sz="3200" b="1" i="0">
+                <a:latin typeface="Arial"/>
+              </a:rPr>
+              <a:t>polen van de Chebyshev 30 MHz laagdoorlaatfilter</a:t>
+            </a:r>
+            <a:endParaRPr sz="3200" b="1" i="0">
+              <a:latin typeface="Arial"/>
+            </a:endParaRPr>
+          </a:p>
+        </p:txBody>
+      </p:sp>
+    </p:spTree>
+  </p:cSld>
+  <p:clrMapOvr>
+    <a:masterClrMapping/>
+  </p:clrMapOvr>
+</p:sld>
+</file>
+
+<file path=ppt/slides/slide62.xml><?xml version="1.0" encoding="utf-8"?>
+<p:sld xmlns:a="http://schemas.openxmlformats.org/drawingml/2006/main" xmlns:p="http://schemas.openxmlformats.org/presentationml/2006/main" xmlns:r="http://schemas.openxmlformats.org/officeDocument/2006/relationships">
+  <p:cSld>
+    <p:spTree>
+      <p:nvGrpSpPr>
+        <p:cNvPr id="1" name=""/>
+        <p:cNvGrpSpPr/>
+        <p:nvPr/>
+      </p:nvGrpSpPr>
+      <p:grpSpPr/>
+      <p:sp>
+        <p:nvSpPr>
+          <p:cNvPr id="2" name="Title 1"/>
+          <p:cNvSpPr>
+            <a:spLocks noGrp="1"/>
+          </p:cNvSpPr>
+          <p:nvPr>
+            <p:ph type="title"/>
+          </p:nvPr>
+        </p:nvSpPr>
+        <p:spPr/>
+        <p:txBody>
+          <a:bodyPr wrap="square">
+            <a:noAutofit/>
+          </a:bodyPr>
+          <a:lstStyle/>
+          <a:p>
+            <a:r>
+              <a:rPr sz="3200" b="1" i="0">
+                <a:latin typeface="Arial"/>
+              </a:rPr>
+              <a:t>Polen van de Chebyshev 30 MHz laagdoorlaatfilter</a:t>
+            </a:r>
+            <a:endParaRPr sz="3200" b="1" i="0">
+              <a:latin typeface="Arial"/>
+            </a:endParaRPr>
+          </a:p>
+        </p:txBody>
+      </p:sp>
+      <p:pic>
+        <p:nvPicPr>
+          <p:cNvPr id="3" name="Picture 2" descr="image.png"/>
+          <p:cNvPicPr>
+            <a:picLocks noChangeAspect="1"/>
+          </p:cNvPicPr>
+          <p:nvPr/>
+        </p:nvPicPr>
+        <p:blipFill>
+          <a:blip r:embed="rId2"/>
+          <a:stretch>
+            <a:fillRect/>
+          </a:stretch>
+        </p:blipFill>
+        <p:spPr>
+          <a:xfrm>
+            <a:off x="3212904" y="566928"/>
+            <a:ext cx="5766191" cy="5669280"/>
+          </a:xfrm>
+          <a:prstGeom prst="rect">
+            <a:avLst/>
+          </a:prstGeom>
+        </p:spPr>
+      </p:pic>
+    </p:spTree>
+  </p:cSld>
+  <p:clrMapOvr>
+    <a:masterClrMapping/>
+  </p:clrMapOvr>
+</p:sld>
+</file>
+
+<file path=ppt/slides/slide63.xml><?xml version="1.0" encoding="utf-8"?>
+<p:sld xmlns:a="http://schemas.openxmlformats.org/drawingml/2006/main" xmlns:p="http://schemas.openxmlformats.org/presentationml/2006/main" xmlns:r="http://schemas.openxmlformats.org/officeDocument/2006/relationships">
+  <p:cSld>
+    <p:spTree>
+      <p:nvGrpSpPr>
+        <p:cNvPr id="1" name=""/>
+        <p:cNvGrpSpPr/>
+        <p:nvPr/>
+      </p:nvGrpSpPr>
+      <p:grpSpPr/>
+      <p:sp>
+        <p:nvSpPr>
+          <p:cNvPr id="2" name="Content Placeholder 1"/>
+          <p:cNvSpPr>
+            <a:spLocks noGrp="1"/>
+          </p:cNvSpPr>
+          <p:nvPr>
+            <p:ph idx="1"/>
+          </p:nvPr>
+        </p:nvSpPr>
+        <p:spPr/>
+        <p:txBody>
+          <a:bodyPr wrap="square">
+            <a:noAutofit/>
+          </a:bodyPr>
+          <a:lstStyle/>
+          <a:p>
+            <a:pPr>
+              <a:lnSpc>
+                <a:spcPts val="2400"/>
+              </a:lnSpc>
+              <a:defRPr>
+                <a:solidFill>
+                  <a:srgbClr val="000000"/>
+                </a:solidFill>
+              </a:defRPr>
+            </a:pPr>
+            <a:r>
+              <a:rPr sz="2400" b="0" i="0">
+                <a:latin typeface="Courier"/>
+              </a:rPr>
+              <a:t>Veelterm coefficienten teller: M= 2</a:t>
+            </a:r>
+            <a:endParaRPr sz="2400" b="0" i="0">
+              <a:latin typeface="Courier"/>
+            </a:endParaRPr>
+          </a:p>
+          <a:p>
+            <a:pPr>
+              <a:lnSpc>
+                <a:spcPts val="2400"/>
+              </a:lnSpc>
+              <a:defRPr>
+                <a:solidFill>
+                  <a:srgbClr val="000000"/>
+                </a:solidFill>
+              </a:defRPr>
+            </a:pPr>
+            <a:r>
+              <a:rPr sz="2400" b="0" i="0">
+                <a:latin typeface="Courier"/>
+              </a:rPr>
+              <a:t>b[ 2 ] = 1.0</a:t>
+            </a:r>
+            <a:endParaRPr sz="2400" b="0" i="0">
+              <a:latin typeface="Courier"/>
+            </a:endParaRPr>
+          </a:p>
+          <a:p>
+            <a:pPr>
+              <a:lnSpc>
+                <a:spcPts val="2400"/>
+              </a:lnSpc>
+              <a:defRPr>
+                <a:solidFill>
+                  <a:srgbClr val="000000"/>
+                </a:solidFill>
+              </a:defRPr>
+            </a:pPr>
+            <a:r>
+              <a:rPr sz="2400" b="0" i="0">
+                <a:latin typeface="Courier"/>
+              </a:rPr>
+              <a:t>b[ 1 ] = 0.0</a:t>
+            </a:r>
+            <a:endParaRPr sz="2400" b="0" i="0">
+              <a:latin typeface="Courier"/>
+            </a:endParaRPr>
+          </a:p>
+          <a:p>
+            <a:pPr>
+              <a:lnSpc>
+                <a:spcPts val="2400"/>
+              </a:lnSpc>
+              <a:defRPr>
+                <a:solidFill>
+                  <a:srgbClr val="000000"/>
+                </a:solidFill>
+              </a:defRPr>
+            </a:pPr>
+            <a:r>
+              <a:rPr sz="2400" b="0" i="0">
+                <a:latin typeface="Courier"/>
+              </a:rPr>
+              <a:t>b[ 0 ] = 0.0</a:t>
+            </a:r>
+            <a:endParaRPr sz="2400" b="0" i="0">
+              <a:latin typeface="Courier"/>
+            </a:endParaRPr>
+          </a:p>
+          <a:p>
+            <a:pPr>
+              <a:lnSpc>
+                <a:spcPts val="2400"/>
+              </a:lnSpc>
+              <a:defRPr>
+                <a:solidFill>
+                  <a:srgbClr val="000000"/>
+                </a:solidFill>
+              </a:defRPr>
+            </a:pPr>
+            <a:r>
+              <a:rPr sz="2400" b="0" i="0">
+                <a:latin typeface="Courier"/>
+              </a:rPr>
+              <a:t>Veelterm coefficienten noemer: N= 2</a:t>
+            </a:r>
+            <a:endParaRPr sz="2400" b="0" i="0">
+              <a:latin typeface="Courier"/>
+            </a:endParaRPr>
+          </a:p>
+          <a:p>
+            <a:pPr>
+              <a:lnSpc>
+                <a:spcPts val="2400"/>
+              </a:lnSpc>
+              <a:defRPr>
+                <a:solidFill>
+                  <a:srgbClr val="000000"/>
+                </a:solidFill>
+              </a:defRPr>
+            </a:pPr>
+            <a:r>
+              <a:rPr sz="2400" b="0" i="0">
+                <a:latin typeface="Courier"/>
+              </a:rPr>
+              <a:t>a[ 2 ] = 1.0</a:t>
+            </a:r>
+            <a:endParaRPr sz="2400" b="0" i="0">
+              <a:latin typeface="Courier"/>
+            </a:endParaRPr>
+          </a:p>
+          <a:p>
+            <a:pPr>
+              <a:lnSpc>
+                <a:spcPts val="2400"/>
+              </a:lnSpc>
+              <a:defRPr>
+                <a:solidFill>
+                  <a:srgbClr val="000000"/>
+                </a:solidFill>
+              </a:defRPr>
+            </a:pPr>
+            <a:r>
+              <a:rPr sz="2400" b="0" i="0">
+                <a:latin typeface="Courier"/>
+              </a:rPr>
+              <a:t>a[ 1 ] = 10882.796185405305</a:t>
+            </a:r>
+            <a:endParaRPr sz="2400" b="0" i="0">
+              <a:latin typeface="Courier"/>
+            </a:endParaRPr>
+          </a:p>
+          <a:p>
+            <a:pPr>
+              <a:lnSpc>
+                <a:spcPts val="2400"/>
+              </a:lnSpc>
+              <a:defRPr>
+                <a:solidFill>
+                  <a:srgbClr val="000000"/>
+                </a:solidFill>
+              </a:defRPr>
+            </a:pPr>
+            <a:r>
+              <a:rPr sz="2400" b="0" i="0">
+                <a:latin typeface="Courier"/>
+              </a:rPr>
+              <a:t>a[ 0 ] = 39478417.60435742</a:t>
+            </a:r>
+            <a:endParaRPr sz="2400" b="0" i="0">
+              <a:latin typeface="Courier"/>
+            </a:endParaRPr>
+          </a:p>
+          <a:p>
+            <a:pPr>
+              <a:lnSpc>
+                <a:spcPts val="2400"/>
+              </a:lnSpc>
+              <a:defRPr>
+                <a:solidFill>
+                  <a:srgbClr val="000000"/>
+                </a:solidFill>
+              </a:defRPr>
+            </a:pPr>
+            <a:endParaRPr sz="2400" b="0" i="0">
+              <a:latin typeface="Courier"/>
+            </a:endParaRPr>
+          </a:p>
+        </p:txBody>
+      </p:sp>
+      <p:sp>
+        <p:nvSpPr>
+          <p:cNvPr id="3" name="Title 2"/>
+          <p:cNvSpPr>
+            <a:spLocks noGrp="1"/>
+          </p:cNvSpPr>
+          <p:nvPr>
+            <p:ph type="title"/>
+          </p:nvPr>
+        </p:nvSpPr>
+        <p:spPr/>
+        <p:txBody>
+          <a:bodyPr wrap="square">
+            <a:noAutofit/>
+          </a:bodyPr>
+          <a:lstStyle/>
+          <a:p>
+            <a:r>
+              <a:rPr sz="2600" b="1" i="0">
+                <a:latin typeface="Arial"/>
+              </a:rPr>
+              <a:t>Transferfunktie van een Bessel Thomson hoogdoorlaatfilter (1 kHz)</a:t>
+            </a:r>
+            <a:endParaRPr sz="2600" b="1" i="0">
+              <a:latin typeface="Arial"/>
+            </a:endParaRPr>
+          </a:p>
+        </p:txBody>
+      </p:sp>
+    </p:spTree>
+  </p:cSld>
+  <p:clrMapOvr>
+    <a:masterClrMapping/>
+  </p:clrMapOvr>
+</p:sld>
+</file>
+
+<file path=ppt/slides/slide64.xml><?xml version="1.0" encoding="utf-8"?>
+<p:sld xmlns:a="http://schemas.openxmlformats.org/drawingml/2006/main" xmlns:p="http://schemas.openxmlformats.org/presentationml/2006/main" xmlns:r="http://schemas.openxmlformats.org/officeDocument/2006/relationships">
+  <p:cSld>
+    <p:spTree>
+      <p:nvGrpSpPr>
+        <p:cNvPr id="1" name=""/>
+        <p:cNvGrpSpPr/>
+        <p:nvPr/>
+      </p:nvGrpSpPr>
+      <p:grpSpPr/>
+      <p:sp>
+        <p:nvSpPr>
+          <p:cNvPr id="2" name="Title 1"/>
+          <p:cNvSpPr>
+            <a:spLocks noGrp="1"/>
+          </p:cNvSpPr>
+          <p:nvPr>
+            <p:ph type="title"/>
+          </p:nvPr>
+        </p:nvSpPr>
+        <p:spPr/>
+        <p:txBody>
+          <a:bodyPr wrap="square">
+            <a:noAutofit/>
+          </a:bodyPr>
+          <a:lstStyle/>
+          <a:p>
+            <a:r>
+              <a:rPr sz="2600" b="1" i="0">
+                <a:latin typeface="Arial"/>
+              </a:rPr>
+              <a:t>Transferfunktie van een Bessel Thomson hoogdoorlaatfilter (1 kHz)</a:t>
+            </a:r>
+            <a:endParaRPr sz="2600" b="1" i="0">
+              <a:latin typeface="Arial"/>
+            </a:endParaRPr>
+          </a:p>
+        </p:txBody>
+      </p:sp>
+      <p:pic>
+        <p:nvPicPr>
+          <p:cNvPr id="3" name="Picture 2" descr="image.png"/>
+          <p:cNvPicPr>
+            <a:picLocks noChangeAspect="1"/>
+          </p:cNvPicPr>
+          <p:nvPr/>
+        </p:nvPicPr>
+        <p:blipFill>
+          <a:blip r:embed="rId2"/>
+          <a:stretch>
+            <a:fillRect/>
+          </a:stretch>
+        </p:blipFill>
+        <p:spPr>
+          <a:xfrm>
+            <a:off x="2004870" y="566928"/>
+            <a:ext cx="8182259" cy="5669280"/>
+          </a:xfrm>
+          <a:prstGeom prst="rect">
+            <a:avLst/>
+          </a:prstGeom>
+        </p:spPr>
+      </p:pic>
+    </p:spTree>
+  </p:cSld>
+  <p:clrMapOvr>
+    <a:masterClrMapping/>
+  </p:clrMapOvr>
+</p:sld>
+</file>
+
+<file path=ppt/slides/slide65.xml><?xml version="1.0" encoding="utf-8"?>
+<p:sld xmlns:a="http://schemas.openxmlformats.org/drawingml/2006/main" xmlns:p="http://schemas.openxmlformats.org/presentationml/2006/main" xmlns:r="http://schemas.openxmlformats.org/officeDocument/2006/relationships">
+  <p:cSld>
+    <p:spTree>
+      <p:nvGrpSpPr>
+        <p:cNvPr id="1" name=""/>
+        <p:cNvGrpSpPr/>
+        <p:nvPr/>
+      </p:nvGrpSpPr>
+      <p:grpSpPr/>
+    </p:spTree>
+  </p:cSld>
+  <p:clrMapOvr>
+    <a:masterClrMapping/>
+  </p:clrMapOvr>
+</p:sld>
+</file>
+
+<file path=ppt/slides/slide66.xml><?xml version="1.0" encoding="utf-8"?>
+<p:sld xmlns:a="http://schemas.openxmlformats.org/drawingml/2006/main" xmlns:p="http://schemas.openxmlformats.org/presentationml/2006/main" xmlns:r="http://schemas.openxmlformats.org/officeDocument/2006/relationships">
+  <p:cSld>
+    <p:spTree>
+      <p:nvGrpSpPr>
+        <p:cNvPr id="1" name=""/>
+        <p:cNvGrpSpPr/>
+        <p:nvPr/>
+      </p:nvGrpSpPr>
+      <p:grpSpPr/>
     </p:spTree>
   </p:cSld>
   <p:clrMapOvr>
@@ -8556,7 +14061,7 @@
         </p:blipFill>
         <p:spPr>
           <a:xfrm>
-            <a:off x="3114675" y="868680"/>
+            <a:off x="3114675" y="566928"/>
             <a:ext cx="5962650" cy="962025"/>
           </a:xfrm>
           <a:prstGeom prst="rect">
@@ -8628,7 +14133,7 @@
         <p:spPr>
           <a:xfrm>
             <a:off x="0" y="566928"/>
-            <a:ext cx="12192000" cy="5577840"/>
+            <a:ext cx="12192000" cy="5669280"/>
           </a:xfrm>
           <a:prstGeom prst="rect">
             <a:avLst/>
@@ -8698,8 +14203,8 @@
         </p:blipFill>
         <p:spPr>
           <a:xfrm>
-            <a:off x="813315" y="566928"/>
-            <a:ext cx="10565369" cy="5577840"/>
+            <a:off x="726714" y="566928"/>
+            <a:ext cx="10738571" cy="5669280"/>
           </a:xfrm>
           <a:prstGeom prst="rect">
             <a:avLst/>

--- a/ToegepasteAnalogeElektronica/PowerPoint/Filters.pptx
+++ b/ToegepasteAnalogeElektronica/PowerPoint/Filters.pptx
@@ -5958,9 +5958,95 @@
         </p:nvSpPr>
         <p:spPr/>
         <p:txBody>
-          <a:bodyPr/>
+          <a:bodyPr>
+            <a:spAutoFit/>
+          </a:bodyPr>
           <a:lstStyle/>
           <a:p/>
+          <a:p>
+            <a:pPr/>
+            <a:r>
+              <a:t>### Butterworth laagdoorlaatfilter van de 3de orde</a:t>
+            </a:r>
+          </a:p>
+          <a:p>
+            <a:pPr/>
+          </a:p>
+          <a:p>
+            <a:pPr/>
+            <a:r>
+              <a:t>Als eerste voorbeeld ontwerpen we een analoge 3de orde laagdoorlaatfilter van het type Butterworth met afsnijfrequentie 1 MHz. De transferfunktie </a:t>
+            </a:r>
+            <a:r>
+              <a:t>H(s)</a:t>
+            </a:r>
+            <a:r>
+              <a:t> of </a:t>
+            </a:r>
+            <a:r>
+              <a:t>H(jω)</a:t>
+            </a:r>
+            <a:r>
+              <a:t> die we bekomen is:</a:t>
+            </a:r>
+          </a:p>
+          <a:p>
+            <a:pPr/>
+          </a:p>
+          <a:p>
+            <a:pPr/>
+            <a:r>
+              <a:t/>
+            </a:r>
+            <a:r>
+              <a:t> H(s) = \frac{\sum_{n=0}^M b_n s^n}{\sum_{n=0}^N a_n s^n} = \frac{\sum_{n=0}^0 b_n s^n}{\sum_{n=0}^3 a_n s^n}</a:t>
+            </a:r>
+            <a:r>
+              <a:t/>
+            </a:r>
+          </a:p>
+          <a:p>
+            <a:pPr/>
+          </a:p>
+          <a:p>
+            <a:pPr/>
+            <a:r>
+              <a:t>a_n</a:t>
+            </a:r>
+            <a:r>
+              <a:t> en </a:t>
+            </a:r>
+            <a:r>
+              <a:t>b_n</a:t>
+            </a:r>
+            <a:r>
+              <a:t> zijn de coeficienten van de veeltermen in de transferfunktie. </a:t>
+            </a:r>
+          </a:p>
+          <a:p>
+            <a:pPr/>
+            <a:r>
+              <a:t>Aangezien we hier een derde orde laagdoorlaatfilter ontwerpen is </a:t>
+            </a:r>
+            <a:r>
+              <a:t>M=0</a:t>
+            </a:r>
+            <a:r>
+              <a:t> en </a:t>
+            </a:r>
+            <a:r>
+              <a:t>N=3</a:t>
+            </a:r>
+            <a:r>
+              <a:t>.</a:t>
+            </a:r>
+          </a:p>
+          <a:p>
+            <a:pPr/>
+            <a:r>
+              <a:t>Voor deze oefening is het resultaat van de berekening van deze coefficienten:</a:t>
+            </a:r>
+          </a:p>
         </p:txBody>
       </p:sp>
       <p:sp>
@@ -5992,30 +6078,6 @@
           </a:p>
         </p:txBody>
       </p:sp>
-      <p:pic>
-        <p:nvPicPr>
-          <p:cNvPr id="4" name="Picture 3" descr="image.png"/>
-          <p:cNvPicPr>
-            <a:picLocks noChangeAspect="1"/>
-          </p:cNvPicPr>
-          <p:nvPr/>
-        </p:nvPicPr>
-        <p:blipFill>
-          <a:blip r:embed="rId2"/>
-          <a:stretch>
-            <a:fillRect/>
-          </a:stretch>
-        </p:blipFill>
-        <p:spPr>
-          <a:xfrm>
-            <a:off x="3148012" y="566928"/>
-            <a:ext cx="5895975" cy="1123950"/>
-          </a:xfrm>
-          <a:prstGeom prst="rect">
-            <a:avLst/>
-          </a:prstGeom>
-        </p:spPr>
-      </p:pic>
     </p:spTree>
   </p:cSld>
   <p:clrMapOvr>
@@ -6344,9 +6406,41 @@
         </p:nvSpPr>
         <p:spPr/>
         <p:txBody>
-          <a:bodyPr/>
+          <a:bodyPr>
+            <a:spAutoFit/>
+          </a:bodyPr>
           <a:lstStyle/>
           <a:p/>
+          <a:p>
+            <a:pPr/>
+            <a:r>
+              <a:t>We kunnen deze transferfunctie ook schrijven als functie van polen en nulpunten:</a:t>
+            </a:r>
+          </a:p>
+          <a:p>
+            <a:pPr/>
+          </a:p>
+          <a:p>
+            <a:pPr/>
+            <a:r>
+              <a:t/>
+            </a:r>
+            <a:r>
+              <a:t>H(s) = \frac{\prod_{n=1}^M (s-z_n)}{\prod_{n=1}^N (s-p_n)}= \frac{1}{\prod_{n=1}^3 (s-p_n)} </a:t>
+            </a:r>
+            <a:r>
+              <a:t/>
+            </a:r>
+          </a:p>
+          <a:p>
+            <a:pPr/>
+          </a:p>
+          <a:p>
+            <a:pPr/>
+            <a:r>
+              <a:t>waarbij de positie van deze nulpunten en polen de volgende is:</a:t>
+            </a:r>
+          </a:p>
         </p:txBody>
       </p:sp>
       <p:sp>
@@ -6378,30 +6472,6 @@
           </a:p>
         </p:txBody>
       </p:sp>
-      <p:pic>
-        <p:nvPicPr>
-          <p:cNvPr id="4" name="Picture 3" descr="image.png"/>
-          <p:cNvPicPr>
-            <a:picLocks noChangeAspect="1"/>
-          </p:cNvPicPr>
-          <p:nvPr/>
-        </p:nvPicPr>
-        <p:blipFill>
-          <a:blip r:embed="rId2"/>
-          <a:stretch>
-            <a:fillRect/>
-          </a:stretch>
-        </p:blipFill>
-        <p:spPr>
-          <a:xfrm>
-            <a:off x="2695575" y="566928"/>
-            <a:ext cx="6800850" cy="1123950"/>
-          </a:xfrm>
-          <a:prstGeom prst="rect">
-            <a:avLst/>
-          </a:prstGeom>
-        </p:spPr>
-      </p:pic>
     </p:spTree>
   </p:cSld>
   <p:clrMapOvr>
@@ -6901,9 +6971,41 @@
         </p:nvSpPr>
         <p:spPr/>
         <p:txBody>
-          <a:bodyPr/>
+          <a:bodyPr>
+            <a:spAutoFit/>
+          </a:bodyPr>
           <a:lstStyle/>
           <a:p/>
+          <a:p>
+            <a:pPr/>
+            <a:r>
+              <a:t>### Eerste orde filter bouwblokken</a:t>
+            </a:r>
+          </a:p>
+          <a:p>
+            <a:pPr/>
+          </a:p>
+          <a:p>
+            <a:pPr/>
+            <a:r>
+              <a:t>De transfer functie van een eerste orde blok is:</a:t>
+            </a:r>
+          </a:p>
+          <a:p>
+            <a:pPr/>
+          </a:p>
+          <a:p>
+            <a:pPr/>
+            <a:r>
+              <a:t/>
+            </a:r>
+            <a:r>
+              <a:t> V_{out}=-\frac{b_1(j \omega) +b_0}{a_1(j \omega) +a_0} V_{in}</a:t>
+            </a:r>
+            <a:r>
+              <a:t/>
+            </a:r>
+          </a:p>
         </p:txBody>
       </p:sp>
       <p:sp>
@@ -6935,30 +7037,6 @@
           </a:p>
         </p:txBody>
       </p:sp>
-      <p:pic>
-        <p:nvPicPr>
-          <p:cNvPr id="4" name="Picture 3" descr="image.png"/>
-          <p:cNvPicPr>
-            <a:picLocks noChangeAspect="1"/>
-          </p:cNvPicPr>
-          <p:nvPr/>
-        </p:nvPicPr>
-        <p:blipFill>
-          <a:blip r:embed="rId2"/>
-          <a:stretch>
-            <a:fillRect/>
-          </a:stretch>
-        </p:blipFill>
-        <p:spPr>
-          <a:xfrm>
-            <a:off x="4010025" y="566928"/>
-            <a:ext cx="4171950" cy="923925"/>
-          </a:xfrm>
-          <a:prstGeom prst="rect">
-            <a:avLst/>
-          </a:prstGeom>
-        </p:spPr>
-      </p:pic>
     </p:spTree>
   </p:cSld>
   <p:clrMapOvr>
@@ -14011,9 +14089,50 @@
         </p:nvSpPr>
         <p:spPr/>
         <p:txBody>
-          <a:bodyPr/>
+          <a:bodyPr>
+            <a:spAutoFit/>
+          </a:bodyPr>
           <a:lstStyle/>
           <a:p/>
+          <a:p>
+            <a:pPr/>
+            <a:r>
+              <a:t>### Tweede orde filter blokken</a:t>
+            </a:r>
+          </a:p>
+          <a:p>
+            <a:pPr/>
+          </a:p>
+          <a:p>
+            <a:pPr/>
+            <a:r>
+              <a:t>De transfer functie van een tweede orde blok is:</a:t>
+            </a:r>
+          </a:p>
+          <a:p>
+            <a:pPr/>
+          </a:p>
+          <a:p>
+            <a:pPr/>
+            <a:r>
+              <a:t/>
+            </a:r>
+            <a:r>
+              <a:t> V_{out} = - \frac{b_2 (j \omega)^2  + b_1(j \omega) +b_0}{a_2 (j \omega)^2  + a_1(j \omega) +a_0} V_{in}</a:t>
+            </a:r>
+            <a:r>
+              <a:t/>
+            </a:r>
+          </a:p>
+          <a:p>
+            <a:pPr/>
+          </a:p>
+          <a:p>
+            <a:pPr/>
+            <a:r>
+              <a:t>Dit algemene tweede orde blok kan uitgewerkt worden in een BiQuad filter. Maar het algemene BiQuad blok vereist 4 Opamps. Daarom is het voor de meeste toepassingen handig gebruik te maken van de Sallen en Key filter, die maar 1 opamp nodig heeft.</a:t>
+            </a:r>
+          </a:p>
         </p:txBody>
       </p:sp>
       <p:sp>
@@ -14045,30 +14164,6 @@
           </a:p>
         </p:txBody>
       </p:sp>
-      <p:pic>
-        <p:nvPicPr>
-          <p:cNvPr id="4" name="Picture 3" descr="image.png"/>
-          <p:cNvPicPr>
-            <a:picLocks noChangeAspect="1"/>
-          </p:cNvPicPr>
-          <p:nvPr/>
-        </p:nvPicPr>
-        <p:blipFill>
-          <a:blip r:embed="rId2"/>
-          <a:stretch>
-            <a:fillRect/>
-          </a:stretch>
-        </p:blipFill>
-        <p:spPr>
-          <a:xfrm>
-            <a:off x="3114675" y="566928"/>
-            <a:ext cx="5962650" cy="962025"/>
-          </a:xfrm>
-          <a:prstGeom prst="rect">
-            <a:avLst/>
-          </a:prstGeom>
-        </p:spPr>
-      </p:pic>
     </p:spTree>
   </p:cSld>
   <p:clrMapOvr>
